--- a/2. Final Project/FinalProject.pptx
+++ b/2. Final Project/FinalProject.pptx
@@ -3931,7 +3931,7 @@
 </file>
 
 <file path=ppt/charts/chart1.xml><?xml version="1.0" encoding="utf-8"?>
-<c:chartSpace xmlns:c="http://schemas.openxmlformats.org/drawingml/2006/chart" xmlns:a="http://schemas.openxmlformats.org/drawingml/2006/main" xmlns:r="http://schemas.openxmlformats.org/officeDocument/2006/relationships" xmlns:c16r2="http://schemas.microsoft.com/office/drawing/2015/06/chart">
+<c:chartSpace xmlns:c="http://schemas.openxmlformats.org/drawingml/2006/chart" xmlns:a="http://schemas.openxmlformats.org/drawingml/2006/main" xmlns:r="http://schemas.openxmlformats.org/officeDocument/2006/relationships">
   <c:date1904 val="0"/>
   <c:lang val="en-US"/>
   <c:roundedCorners val="0"/>
@@ -4050,7 +4050,7 @@
               </a:ln>
               <a:effectLst/>
             </c:spPr>
-            <c:extLst>
+            <c:extLst xmlns:c16r2="http://schemas.microsoft.com/office/drawing/2015/06/chart">
               <c:ext xmlns:c16="http://schemas.microsoft.com/office/drawing/2014/chart" uri="{C3380CC4-5D6E-409C-BE32-E72D297353CC}">
                 <c16:uniqueId val="{00000001-3D1E-436F-B155-11D12081ECA9}"/>
               </c:ext>
@@ -4069,7 +4069,7 @@
               </a:ln>
               <a:effectLst/>
             </c:spPr>
-            <c:extLst>
+            <c:extLst xmlns:c16r2="http://schemas.microsoft.com/office/drawing/2015/06/chart">
               <c:ext xmlns:c16="http://schemas.microsoft.com/office/drawing/2014/chart" uri="{C3380CC4-5D6E-409C-BE32-E72D297353CC}">
                 <c16:uniqueId val="{00000003-3D1E-436F-B155-11D12081ECA9}"/>
               </c:ext>
@@ -4088,7 +4088,7 @@
               </a:ln>
               <a:effectLst/>
             </c:spPr>
-            <c:extLst>
+            <c:extLst xmlns:c16r2="http://schemas.microsoft.com/office/drawing/2015/06/chart">
               <c:ext xmlns:c16="http://schemas.microsoft.com/office/drawing/2014/chart" uri="{C3380CC4-5D6E-409C-BE32-E72D297353CC}">
                 <c16:uniqueId val="{00000005-3D1E-436F-B155-11D12081ECA9}"/>
               </c:ext>
@@ -4141,7 +4141,7 @@
               </c:numCache>
             </c:numRef>
           </c:val>
-          <c:extLst>
+          <c:extLst xmlns:c16r2="http://schemas.microsoft.com/office/drawing/2015/06/chart">
             <c:ext xmlns:c16="http://schemas.microsoft.com/office/drawing/2014/chart" uri="{C3380CC4-5D6E-409C-BE32-E72D297353CC}">
               <c16:uniqueId val="{00000006-3D1E-436F-B155-11D12081ECA9}"/>
             </c:ext>
@@ -4156,11 +4156,11 @@
           <c:showBubbleSize val="0"/>
         </c:dLbls>
         <c:gapWidth val="25"/>
-        <c:axId val="1000041416"/>
-        <c:axId val="1000041744"/>
+        <c:axId val="397630216"/>
+        <c:axId val="397628256"/>
       </c:barChart>
       <c:catAx>
-        <c:axId val="1000041416"/>
+        <c:axId val="397630216"/>
         <c:scaling>
           <c:orientation val="minMax"/>
         </c:scaling>
@@ -4203,7 +4203,7 @@
             <a:endParaRPr lang="en-US"/>
           </a:p>
         </c:txPr>
-        <c:crossAx val="1000041744"/>
+        <c:crossAx val="397628256"/>
         <c:crosses val="autoZero"/>
         <c:auto val="1"/>
         <c:lblAlgn val="ctr"/>
@@ -4211,7 +4211,7 @@
         <c:noMultiLvlLbl val="0"/>
       </c:catAx>
       <c:valAx>
-        <c:axId val="1000041744"/>
+        <c:axId val="397628256"/>
         <c:scaling>
           <c:orientation val="minMax"/>
         </c:scaling>
@@ -4262,7 +4262,7 @@
             <a:endParaRPr lang="en-US"/>
           </a:p>
         </c:txPr>
-        <c:crossAx val="1000041416"/>
+        <c:crossAx val="397630216"/>
         <c:crosses val="autoZero"/>
         <c:crossBetween val="between"/>
       </c:valAx>
@@ -4276,14 +4276,14 @@
     </c:plotArea>
     <c:plotVisOnly val="1"/>
     <c:dispBlanksAs val="gap"/>
-    <c:extLst>
+    <c:showDLblsOverMax val="0"/>
+    <c:extLst xmlns:c16r2="http://schemas.microsoft.com/office/drawing/2015/06/chart">
       <c:ext xmlns:c16r3="http://schemas.microsoft.com/office/drawing/2017/03/chart" uri="{56B9EC1D-385E-4148-901F-78D8002777C0}">
         <c16r3:dataDisplayOptions16>
           <c16r3:dispNaAsBlank val="1"/>
         </c16r3:dataDisplayOptions16>
       </c:ext>
     </c:extLst>
-    <c:showDLblsOverMax val="0"/>
   </c:chart>
   <c:spPr>
     <a:noFill/>
@@ -4310,7 +4310,7 @@
 </file>
 
 <file path=ppt/charts/chart2.xml><?xml version="1.0" encoding="utf-8"?>
-<c:chartSpace xmlns:c="http://schemas.openxmlformats.org/drawingml/2006/chart" xmlns:a="http://schemas.openxmlformats.org/drawingml/2006/main" xmlns:r="http://schemas.openxmlformats.org/officeDocument/2006/relationships" xmlns:c16r2="http://schemas.microsoft.com/office/drawing/2015/06/chart">
+<c:chartSpace xmlns:c="http://schemas.openxmlformats.org/drawingml/2006/chart" xmlns:a="http://schemas.openxmlformats.org/drawingml/2006/main" xmlns:r="http://schemas.openxmlformats.org/officeDocument/2006/relationships">
   <c:date1904 val="0"/>
   <c:lang val="en-US"/>
   <c:roundedCorners val="0"/>
@@ -4421,7 +4421,7 @@
               </a:ln>
               <a:effectLst/>
             </c:spPr>
-            <c:extLst>
+            <c:extLst xmlns:c16r2="http://schemas.microsoft.com/office/drawing/2015/06/chart">
               <c:ext xmlns:c16="http://schemas.microsoft.com/office/drawing/2014/chart" uri="{C3380CC4-5D6E-409C-BE32-E72D297353CC}">
                 <c16:uniqueId val="{00000001-DA66-4D13-90A4-391C509065DF}"/>
               </c:ext>
@@ -4439,7 +4439,7 @@
               </a:ln>
               <a:effectLst/>
             </c:spPr>
-            <c:extLst>
+            <c:extLst xmlns:c16r2="http://schemas.microsoft.com/office/drawing/2015/06/chart">
               <c:ext xmlns:c16="http://schemas.microsoft.com/office/drawing/2014/chart" uri="{C3380CC4-5D6E-409C-BE32-E72D297353CC}">
                 <c16:uniqueId val="{00000003-DA66-4D13-90A4-391C509065DF}"/>
               </c:ext>
@@ -4457,7 +4457,7 @@
               </a:ln>
               <a:effectLst/>
             </c:spPr>
-            <c:extLst>
+            <c:extLst xmlns:c16r2="http://schemas.microsoft.com/office/drawing/2015/06/chart">
               <c:ext xmlns:c16="http://schemas.microsoft.com/office/drawing/2014/chart" uri="{C3380CC4-5D6E-409C-BE32-E72D297353CC}">
                 <c16:uniqueId val="{00000005-DA66-4D13-90A4-391C509065DF}"/>
               </c:ext>
@@ -4475,7 +4475,7 @@
               </a:ln>
               <a:effectLst/>
             </c:spPr>
-            <c:extLst>
+            <c:extLst xmlns:c16r2="http://schemas.microsoft.com/office/drawing/2015/06/chart">
               <c:ext xmlns:c16="http://schemas.microsoft.com/office/drawing/2014/chart" uri="{C3380CC4-5D6E-409C-BE32-E72D297353CC}">
                 <c16:uniqueId val="{00000007-DA66-4D13-90A4-391C509065DF}"/>
               </c:ext>
@@ -4493,7 +4493,7 @@
               </a:ln>
               <a:effectLst/>
             </c:spPr>
-            <c:extLst>
+            <c:extLst xmlns:c16r2="http://schemas.microsoft.com/office/drawing/2015/06/chart">
               <c:ext xmlns:c16="http://schemas.microsoft.com/office/drawing/2014/chart" uri="{C3380CC4-5D6E-409C-BE32-E72D297353CC}">
                 <c16:uniqueId val="{00000009-DA66-4D13-90A4-391C509065DF}"/>
               </c:ext>
@@ -4503,11 +4503,11 @@
             <c:dLbl>
               <c:idx val="0"/>
               <c:delete val="1"/>
-              <c:extLst>
-                <c:ext xmlns:c15="http://schemas.microsoft.com/office/drawing/2012/chart" uri="{CE6537A1-D6FC-4f65-9D91-7224C49458BB}"/>
+              <c:extLst xmlns:c16r2="http://schemas.microsoft.com/office/drawing/2015/06/chart">
                 <c:ext xmlns:c16="http://schemas.microsoft.com/office/drawing/2014/chart" uri="{C3380CC4-5D6E-409C-BE32-E72D297353CC}">
                   <c16:uniqueId val="{00000001-DA66-4D13-90A4-391C509065DF}"/>
                 </c:ext>
+                <c:ext xmlns:c15="http://schemas.microsoft.com/office/drawing/2012/chart" uri="{CE6537A1-D6FC-4f65-9D91-7224C49458BB}"/>
               </c:extLst>
             </c:dLbl>
             <c:dLbl>
@@ -4524,11 +4524,11 @@
               <c:showSerName val="0"/>
               <c:showPercent val="0"/>
               <c:showBubbleSize val="0"/>
-              <c:extLst>
-                <c:ext xmlns:c15="http://schemas.microsoft.com/office/drawing/2012/chart" uri="{CE6537A1-D6FC-4f65-9D91-7224C49458BB}"/>
+              <c:extLst xmlns:c16r2="http://schemas.microsoft.com/office/drawing/2015/06/chart">
                 <c:ext xmlns:c16="http://schemas.microsoft.com/office/drawing/2014/chart" uri="{C3380CC4-5D6E-409C-BE32-E72D297353CC}">
                   <c16:uniqueId val="{00000003-DA66-4D13-90A4-391C509065DF}"/>
                 </c:ext>
+                <c:ext xmlns:c15="http://schemas.microsoft.com/office/drawing/2012/chart" uri="{CE6537A1-D6FC-4f65-9D91-7224C49458BB}"/>
               </c:extLst>
             </c:dLbl>
             <c:dLbl>
@@ -4545,11 +4545,11 @@
               <c:showSerName val="0"/>
               <c:showPercent val="0"/>
               <c:showBubbleSize val="0"/>
-              <c:extLst>
-                <c:ext xmlns:c15="http://schemas.microsoft.com/office/drawing/2012/chart" uri="{CE6537A1-D6FC-4f65-9D91-7224C49458BB}"/>
+              <c:extLst xmlns:c16r2="http://schemas.microsoft.com/office/drawing/2015/06/chart">
                 <c:ext xmlns:c16="http://schemas.microsoft.com/office/drawing/2014/chart" uri="{C3380CC4-5D6E-409C-BE32-E72D297353CC}">
                   <c16:uniqueId val="{00000005-DA66-4D13-90A4-391C509065DF}"/>
                 </c:ext>
+                <c:ext xmlns:c15="http://schemas.microsoft.com/office/drawing/2012/chart" uri="{CE6537A1-D6FC-4f65-9D91-7224C49458BB}"/>
               </c:extLst>
             </c:dLbl>
             <c:dLbl>
@@ -4566,11 +4566,11 @@
               <c:showSerName val="0"/>
               <c:showPercent val="0"/>
               <c:showBubbleSize val="0"/>
-              <c:extLst>
-                <c:ext xmlns:c15="http://schemas.microsoft.com/office/drawing/2012/chart" uri="{CE6537A1-D6FC-4f65-9D91-7224C49458BB}"/>
+              <c:extLst xmlns:c16r2="http://schemas.microsoft.com/office/drawing/2015/06/chart">
                 <c:ext xmlns:c16="http://schemas.microsoft.com/office/drawing/2014/chart" uri="{C3380CC4-5D6E-409C-BE32-E72D297353CC}">
                   <c16:uniqueId val="{00000007-DA66-4D13-90A4-391C509065DF}"/>
                 </c:ext>
+                <c:ext xmlns:c15="http://schemas.microsoft.com/office/drawing/2012/chart" uri="{CE6537A1-D6FC-4f65-9D91-7224C49458BB}"/>
               </c:extLst>
             </c:dLbl>
             <c:dLbl>
@@ -4587,11 +4587,11 @@
               <c:showSerName val="0"/>
               <c:showPercent val="0"/>
               <c:showBubbleSize val="0"/>
-              <c:extLst>
-                <c:ext xmlns:c15="http://schemas.microsoft.com/office/drawing/2012/chart" uri="{CE6537A1-D6FC-4f65-9D91-7224C49458BB}"/>
+              <c:extLst xmlns:c16r2="http://schemas.microsoft.com/office/drawing/2015/06/chart">
                 <c:ext xmlns:c16="http://schemas.microsoft.com/office/drawing/2014/chart" uri="{C3380CC4-5D6E-409C-BE32-E72D297353CC}">
                   <c16:uniqueId val="{00000009-DA66-4D13-90A4-391C509065DF}"/>
                 </c:ext>
+                <c:ext xmlns:c15="http://schemas.microsoft.com/office/drawing/2012/chart" uri="{CE6537A1-D6FC-4f65-9D91-7224C49458BB}"/>
               </c:extLst>
             </c:dLbl>
             <c:spPr>
@@ -4630,7 +4630,7 @@
             <c:showPercent val="0"/>
             <c:showBubbleSize val="0"/>
             <c:showLeaderLines val="0"/>
-            <c:extLst>
+            <c:extLst xmlns:c16r2="http://schemas.microsoft.com/office/drawing/2015/06/chart">
               <c:ext xmlns:c15="http://schemas.microsoft.com/office/drawing/2012/chart" uri="{CE6537A1-D6FC-4f65-9D91-7224C49458BB}"/>
             </c:extLst>
           </c:dLbls>
@@ -4681,7 +4681,7 @@
               </c:numCache>
             </c:numRef>
           </c:val>
-          <c:extLst>
+          <c:extLst xmlns:c16r2="http://schemas.microsoft.com/office/drawing/2015/06/chart">
             <c:ext xmlns:c16="http://schemas.microsoft.com/office/drawing/2014/chart" uri="{C3380CC4-5D6E-409C-BE32-E72D297353CC}">
               <c16:uniqueId val="{0000000A-DA66-4D13-90A4-391C509065DF}"/>
             </c:ext>
@@ -4709,14 +4709,14 @@
     </c:plotArea>
     <c:plotVisOnly val="1"/>
     <c:dispBlanksAs val="gap"/>
-    <c:extLst>
+    <c:showDLblsOverMax val="0"/>
+    <c:extLst xmlns:c16r2="http://schemas.microsoft.com/office/drawing/2015/06/chart">
       <c:ext xmlns:c16r3="http://schemas.microsoft.com/office/drawing/2017/03/chart" uri="{56B9EC1D-385E-4148-901F-78D8002777C0}">
         <c16r3:dataDisplayOptions16>
           <c16r3:dispNaAsBlank val="1"/>
         </c16r3:dataDisplayOptions16>
       </c:ext>
     </c:extLst>
-    <c:showDLblsOverMax val="0"/>
   </c:chart>
   <c:spPr>
     <a:noFill/>
@@ -4742,7 +4742,7 @@
 </file>
 
 <file path=ppt/charts/chart3.xml><?xml version="1.0" encoding="utf-8"?>
-<c:chartSpace xmlns:c="http://schemas.openxmlformats.org/drawingml/2006/chart" xmlns:a="http://schemas.openxmlformats.org/drawingml/2006/main" xmlns:r="http://schemas.openxmlformats.org/officeDocument/2006/relationships" xmlns:c16r2="http://schemas.microsoft.com/office/drawing/2015/06/chart">
+<c:chartSpace xmlns:c="http://schemas.openxmlformats.org/drawingml/2006/chart" xmlns:a="http://schemas.openxmlformats.org/drawingml/2006/main" xmlns:r="http://schemas.openxmlformats.org/officeDocument/2006/relationships">
   <c:date1904 val="0"/>
   <c:lang val="en-US"/>
   <c:roundedCorners val="0"/>
@@ -4907,7 +4907,7 @@
               </a:ln>
               <a:effectLst/>
             </c:spPr>
-            <c:extLst>
+            <c:extLst xmlns:c16r2="http://schemas.microsoft.com/office/drawing/2015/06/chart">
               <c:ext xmlns:c16="http://schemas.microsoft.com/office/drawing/2014/chart" uri="{C3380CC4-5D6E-409C-BE32-E72D297353CC}">
                 <c16:uniqueId val="{00000001-B30D-47FC-97C2-FA87298C22F3}"/>
               </c:ext>
@@ -4940,7 +4940,7 @@
               </a:ln>
               <a:effectLst/>
             </c:spPr>
-            <c:extLst>
+            <c:extLst xmlns:c16r2="http://schemas.microsoft.com/office/drawing/2015/06/chart">
               <c:ext xmlns:c16="http://schemas.microsoft.com/office/drawing/2014/chart" uri="{C3380CC4-5D6E-409C-BE32-E72D297353CC}">
                 <c16:uniqueId val="{00000003-B30D-47FC-97C2-FA87298C22F3}"/>
               </c:ext>
@@ -4973,7 +4973,7 @@
               </a:ln>
               <a:effectLst/>
             </c:spPr>
-            <c:extLst>
+            <c:extLst xmlns:c16r2="http://schemas.microsoft.com/office/drawing/2015/06/chart">
               <c:ext xmlns:c16="http://schemas.microsoft.com/office/drawing/2014/chart" uri="{C3380CC4-5D6E-409C-BE32-E72D297353CC}">
                 <c16:uniqueId val="{00000005-B30D-47FC-97C2-FA87298C22F3}"/>
               </c:ext>
@@ -5027,7 +5027,7 @@
             </c:numRef>
           </c:val>
           <c:smooth val="0"/>
-          <c:extLst>
+          <c:extLst xmlns:c16r2="http://schemas.microsoft.com/office/drawing/2015/06/chart">
             <c:ext xmlns:c16="http://schemas.microsoft.com/office/drawing/2014/chart" uri="{C3380CC4-5D6E-409C-BE32-E72D297353CC}">
               <c16:uniqueId val="{00000006-B30D-47FC-97C2-FA87298C22F3}"/>
             </c:ext>
@@ -5043,11 +5043,11 @@
         </c:dLbls>
         <c:marker val="1"/>
         <c:smooth val="0"/>
-        <c:axId val="1000041416"/>
-        <c:axId val="1000041744"/>
+        <c:axId val="397624728"/>
+        <c:axId val="308439624"/>
       </c:lineChart>
       <c:catAx>
-        <c:axId val="1000041416"/>
+        <c:axId val="397624728"/>
         <c:scaling>
           <c:orientation val="minMax"/>
         </c:scaling>
@@ -5090,7 +5090,7 @@
             <a:endParaRPr lang="en-US"/>
           </a:p>
         </c:txPr>
-        <c:crossAx val="1000041744"/>
+        <c:crossAx val="308439624"/>
         <c:crosses val="autoZero"/>
         <c:auto val="1"/>
         <c:lblAlgn val="ctr"/>
@@ -5098,7 +5098,7 @@
         <c:noMultiLvlLbl val="0"/>
       </c:catAx>
       <c:valAx>
-        <c:axId val="1000041744"/>
+        <c:axId val="308439624"/>
         <c:scaling>
           <c:orientation val="minMax"/>
         </c:scaling>
@@ -5149,7 +5149,7 @@
             <a:endParaRPr lang="en-US"/>
           </a:p>
         </c:txPr>
-        <c:crossAx val="1000041416"/>
+        <c:crossAx val="397624728"/>
         <c:crosses val="autoZero"/>
         <c:crossBetween val="between"/>
       </c:valAx>
@@ -5163,14 +5163,14 @@
     </c:plotArea>
     <c:plotVisOnly val="1"/>
     <c:dispBlanksAs val="gap"/>
-    <c:extLst>
+    <c:showDLblsOverMax val="0"/>
+    <c:extLst xmlns:c16r2="http://schemas.microsoft.com/office/drawing/2015/06/chart">
       <c:ext xmlns:c16r3="http://schemas.microsoft.com/office/drawing/2017/03/chart" uri="{56B9EC1D-385E-4148-901F-78D8002777C0}">
         <c16r3:dataDisplayOptions16>
           <c16r3:dispNaAsBlank val="1"/>
         </c16r3:dataDisplayOptions16>
       </c:ext>
     </c:extLst>
-    <c:showDLblsOverMax val="0"/>
   </c:chart>
   <c:spPr>
     <a:noFill/>
@@ -6882,7 +6882,7 @@
         <cdr:cNvPr id="2" name="Rectangle 1">
           <a:extLst xmlns:a="http://schemas.openxmlformats.org/drawingml/2006/main">
             <a:ext uri="{FF2B5EF4-FFF2-40B4-BE49-F238E27FC236}">
-              <a16:creationId xmlns:a16="http://schemas.microsoft.com/office/drawing/2014/main" id="{924ED877-E016-4736-BA15-B7E08914B5B3}"/>
+              <a16:creationId xmlns:a16="http://schemas.microsoft.com/office/drawing/2014/main" xmlns="" id="{924ED877-E016-4736-BA15-B7E08914B5B3}"/>
             </a:ext>
           </a:extLst>
         </cdr:cNvPr>
@@ -6940,7 +6940,7 @@
         <cdr:cNvPr id="3" name="Rectangle 2">
           <a:extLst xmlns:a="http://schemas.openxmlformats.org/drawingml/2006/main">
             <a:ext uri="{FF2B5EF4-FFF2-40B4-BE49-F238E27FC236}">
-              <a16:creationId xmlns:a16="http://schemas.microsoft.com/office/drawing/2014/main" id="{6A7CD3C2-FB35-40AE-A325-CA3A3223D0AF}"/>
+              <a16:creationId xmlns:a16="http://schemas.microsoft.com/office/drawing/2014/main" xmlns="" id="{6A7CD3C2-FB35-40AE-A325-CA3A3223D0AF}"/>
             </a:ext>
           </a:extLst>
         </cdr:cNvPr>
@@ -7018,7 +7018,7 @@
           <p:cNvPr id="2" name="Header Placeholder 1">
             <a:extLst>
               <a:ext uri="{FF2B5EF4-FFF2-40B4-BE49-F238E27FC236}">
-                <a16:creationId xmlns:a16="http://schemas.microsoft.com/office/drawing/2014/main" id="{B76F666D-E0C2-435B-BAA8-9287F9E5D38A}"/>
+                <a16:creationId xmlns:a16="http://schemas.microsoft.com/office/drawing/2014/main" xmlns="" id="{B76F666D-E0C2-435B-BAA8-9287F9E5D38A}"/>
               </a:ext>
             </a:extLst>
           </p:cNvPr>
@@ -7055,7 +7055,7 @@
           <p:cNvPr id="3" name="Date Placeholder 2">
             <a:extLst>
               <a:ext uri="{FF2B5EF4-FFF2-40B4-BE49-F238E27FC236}">
-                <a16:creationId xmlns:a16="http://schemas.microsoft.com/office/drawing/2014/main" id="{19FEBCAF-CB3F-4928-91AA-D61472F880C0}"/>
+                <a16:creationId xmlns:a16="http://schemas.microsoft.com/office/drawing/2014/main" xmlns="" id="{19FEBCAF-CB3F-4928-91AA-D61472F880C0}"/>
               </a:ext>
             </a:extLst>
           </p:cNvPr>
@@ -7085,7 +7085,7 @@
           <a:p>
             <a:fld id="{EF1077DB-935E-4A0A-947A-D283B9F9F452}" type="datetimeFigureOut">
               <a:rPr lang="en-US" smtClean="0"/>
-              <a:t>12/16/2022</a:t>
+              <a:t>9/5/2023</a:t>
             </a:fld>
             <a:endParaRPr lang="en-US"/>
           </a:p>
@@ -7096,7 +7096,7 @@
           <p:cNvPr id="4" name="Footer Placeholder 3">
             <a:extLst>
               <a:ext uri="{FF2B5EF4-FFF2-40B4-BE49-F238E27FC236}">
-                <a16:creationId xmlns:a16="http://schemas.microsoft.com/office/drawing/2014/main" id="{69256698-63C6-4CCC-81CB-EA5604C30F1E}"/>
+                <a16:creationId xmlns:a16="http://schemas.microsoft.com/office/drawing/2014/main" xmlns="" id="{69256698-63C6-4CCC-81CB-EA5604C30F1E}"/>
               </a:ext>
             </a:extLst>
           </p:cNvPr>
@@ -7133,7 +7133,7 @@
           <p:cNvPr id="5" name="Slide Number Placeholder 4">
             <a:extLst>
               <a:ext uri="{FF2B5EF4-FFF2-40B4-BE49-F238E27FC236}">
-                <a16:creationId xmlns:a16="http://schemas.microsoft.com/office/drawing/2014/main" id="{B2467FDA-05D7-4760-A373-5D6AEAAF4278}"/>
+                <a16:creationId xmlns:a16="http://schemas.microsoft.com/office/drawing/2014/main" xmlns="" id="{B2467FDA-05D7-4760-A373-5D6AEAAF4278}"/>
               </a:ext>
             </a:extLst>
           </p:cNvPr>
@@ -7262,7 +7262,7 @@
           <a:p>
             <a:fld id="{2D9EC30E-1A71-4188-9BE7-E2A64929A436}" type="datetimeFigureOut">
               <a:rPr lang="en-US" noProof="0" smtClean="0"/>
-              <a:t>12/16/2022</a:t>
+              <a:t>9/5/2023</a:t>
             </a:fld>
             <a:endParaRPr lang="en-US" noProof="0"/>
           </a:p>
@@ -7561,7 +7561,7 @@
           <p:cNvPr id="41" name="Picture Placeholder 40">
             <a:extLst>
               <a:ext uri="{FF2B5EF4-FFF2-40B4-BE49-F238E27FC236}">
-                <a16:creationId xmlns:a16="http://schemas.microsoft.com/office/drawing/2014/main" id="{EB7F0EE8-BE52-4A79-8FC8-4A2487FA01FC}"/>
+                <a16:creationId xmlns:a16="http://schemas.microsoft.com/office/drawing/2014/main" xmlns="" id="{EB7F0EE8-BE52-4A79-8FC8-4A2487FA01FC}"/>
               </a:ext>
             </a:extLst>
           </p:cNvPr>
@@ -7607,7 +7607,7 @@
           <p:cNvPr id="2" name="Title 1">
             <a:extLst>
               <a:ext uri="{FF2B5EF4-FFF2-40B4-BE49-F238E27FC236}">
-                <a16:creationId xmlns:a16="http://schemas.microsoft.com/office/drawing/2014/main" id="{00F23EB7-E336-46EB-A4A0-3DB7A6BF4CE1}"/>
+                <a16:creationId xmlns:a16="http://schemas.microsoft.com/office/drawing/2014/main" xmlns="" id="{00F23EB7-E336-46EB-A4A0-3DB7A6BF4CE1}"/>
               </a:ext>
             </a:extLst>
           </p:cNvPr>
@@ -7650,7 +7650,7 @@
           <p:cNvPr id="3" name="Subtitle 2">
             <a:extLst>
               <a:ext uri="{FF2B5EF4-FFF2-40B4-BE49-F238E27FC236}">
-                <a16:creationId xmlns:a16="http://schemas.microsoft.com/office/drawing/2014/main" id="{C9980B88-3F4A-4688-9ED0-17EF37E62D93}"/>
+                <a16:creationId xmlns:a16="http://schemas.microsoft.com/office/drawing/2014/main" xmlns="" id="{C9980B88-3F4A-4688-9ED0-17EF37E62D93}"/>
               </a:ext>
             </a:extLst>
           </p:cNvPr>
@@ -7700,7 +7700,7 @@
           <p:cNvPr id="13" name="Rectangle 12">
             <a:extLst>
               <a:ext uri="{FF2B5EF4-FFF2-40B4-BE49-F238E27FC236}">
-                <a16:creationId xmlns:a16="http://schemas.microsoft.com/office/drawing/2014/main" id="{EC0FBB1B-4F0E-4365-BF27-3150FC6C3B90}"/>
+                <a16:creationId xmlns:a16="http://schemas.microsoft.com/office/drawing/2014/main" xmlns="" id="{EC0FBB1B-4F0E-4365-BF27-3150FC6C3B90}"/>
               </a:ext>
             </a:extLst>
           </p:cNvPr>
@@ -7754,7 +7754,7 @@
           <p:cNvPr id="14" name="Rectangle 13">
             <a:extLst>
               <a:ext uri="{FF2B5EF4-FFF2-40B4-BE49-F238E27FC236}">
-                <a16:creationId xmlns:a16="http://schemas.microsoft.com/office/drawing/2014/main" id="{7A13D8A8-6C3D-4527-959D-41C3213F7F02}"/>
+                <a16:creationId xmlns:a16="http://schemas.microsoft.com/office/drawing/2014/main" xmlns="" id="{7A13D8A8-6C3D-4527-959D-41C3213F7F02}"/>
               </a:ext>
             </a:extLst>
           </p:cNvPr>
@@ -7806,7 +7806,7 @@
           <p:cNvPr id="15" name="Rectangle 14">
             <a:extLst>
               <a:ext uri="{FF2B5EF4-FFF2-40B4-BE49-F238E27FC236}">
-                <a16:creationId xmlns:a16="http://schemas.microsoft.com/office/drawing/2014/main" id="{9504A767-1C0B-484E-BF7D-CD42D30A52EE}"/>
+                <a16:creationId xmlns:a16="http://schemas.microsoft.com/office/drawing/2014/main" xmlns="" id="{9504A767-1C0B-484E-BF7D-CD42D30A52EE}"/>
               </a:ext>
             </a:extLst>
           </p:cNvPr>
@@ -7858,7 +7858,7 @@
           <p:cNvPr id="8" name="Rectangle 7">
             <a:extLst>
               <a:ext uri="{FF2B5EF4-FFF2-40B4-BE49-F238E27FC236}">
-                <a16:creationId xmlns:a16="http://schemas.microsoft.com/office/drawing/2014/main" id="{51DD44D8-4A8F-4693-B90A-166855B29D25}"/>
+                <a16:creationId xmlns:a16="http://schemas.microsoft.com/office/drawing/2014/main" xmlns="" id="{51DD44D8-4A8F-4693-B90A-166855B29D25}"/>
               </a:ext>
             </a:extLst>
           </p:cNvPr>
@@ -7947,7 +7947,7 @@
           <p:cNvPr id="41" name="Picture Placeholder 40">
             <a:extLst>
               <a:ext uri="{FF2B5EF4-FFF2-40B4-BE49-F238E27FC236}">
-                <a16:creationId xmlns:a16="http://schemas.microsoft.com/office/drawing/2014/main" id="{EB7F0EE8-BE52-4A79-8FC8-4A2487FA01FC}"/>
+                <a16:creationId xmlns:a16="http://schemas.microsoft.com/office/drawing/2014/main" xmlns="" id="{EB7F0EE8-BE52-4A79-8FC8-4A2487FA01FC}"/>
               </a:ext>
             </a:extLst>
           </p:cNvPr>
@@ -7993,7 +7993,7 @@
           <p:cNvPr id="2" name="Title 1">
             <a:extLst>
               <a:ext uri="{FF2B5EF4-FFF2-40B4-BE49-F238E27FC236}">
-                <a16:creationId xmlns:a16="http://schemas.microsoft.com/office/drawing/2014/main" id="{00F23EB7-E336-46EB-A4A0-3DB7A6BF4CE1}"/>
+                <a16:creationId xmlns:a16="http://schemas.microsoft.com/office/drawing/2014/main" xmlns="" id="{00F23EB7-E336-46EB-A4A0-3DB7A6BF4CE1}"/>
               </a:ext>
             </a:extLst>
           </p:cNvPr>
@@ -8036,7 +8036,7 @@
           <p:cNvPr id="9" name="Text Placeholder 5">
             <a:extLst>
               <a:ext uri="{FF2B5EF4-FFF2-40B4-BE49-F238E27FC236}">
-                <a16:creationId xmlns:a16="http://schemas.microsoft.com/office/drawing/2014/main" id="{52FA7FC9-E40E-4144-84E4-34E3722E9A6D}"/>
+                <a16:creationId xmlns:a16="http://schemas.microsoft.com/office/drawing/2014/main" xmlns="" id="{52FA7FC9-E40E-4144-84E4-34E3722E9A6D}"/>
               </a:ext>
             </a:extLst>
           </p:cNvPr>
@@ -8101,7 +8101,7 @@
           <p:cNvPr id="10" name="Text Placeholder 6">
             <a:extLst>
               <a:ext uri="{FF2B5EF4-FFF2-40B4-BE49-F238E27FC236}">
-                <a16:creationId xmlns:a16="http://schemas.microsoft.com/office/drawing/2014/main" id="{97289182-4FE6-4A18-9775-4588D5801CF6}"/>
+                <a16:creationId xmlns:a16="http://schemas.microsoft.com/office/drawing/2014/main" xmlns="" id="{97289182-4FE6-4A18-9775-4588D5801CF6}"/>
               </a:ext>
             </a:extLst>
           </p:cNvPr>
@@ -8166,7 +8166,7 @@
           <p:cNvPr id="11" name="Text Placeholder 7">
             <a:extLst>
               <a:ext uri="{FF2B5EF4-FFF2-40B4-BE49-F238E27FC236}">
-                <a16:creationId xmlns:a16="http://schemas.microsoft.com/office/drawing/2014/main" id="{BD4E94C7-6CAF-4FEE-9E02-D3D3A2AC5EAF}"/>
+                <a16:creationId xmlns:a16="http://schemas.microsoft.com/office/drawing/2014/main" xmlns="" id="{BD4E94C7-6CAF-4FEE-9E02-D3D3A2AC5EAF}"/>
               </a:ext>
             </a:extLst>
           </p:cNvPr>
@@ -8231,7 +8231,7 @@
           <p:cNvPr id="12" name="Text Placeholder 8">
             <a:extLst>
               <a:ext uri="{FF2B5EF4-FFF2-40B4-BE49-F238E27FC236}">
-                <a16:creationId xmlns:a16="http://schemas.microsoft.com/office/drawing/2014/main" id="{0DE421A3-3C59-48FC-BC3B-007ADFBEB4FE}"/>
+                <a16:creationId xmlns:a16="http://schemas.microsoft.com/office/drawing/2014/main" xmlns="" id="{0DE421A3-3C59-48FC-BC3B-007ADFBEB4FE}"/>
               </a:ext>
             </a:extLst>
           </p:cNvPr>
@@ -8296,7 +8296,7 @@
           <p:cNvPr id="15" name="Rectangle 14">
             <a:extLst>
               <a:ext uri="{FF2B5EF4-FFF2-40B4-BE49-F238E27FC236}">
-                <a16:creationId xmlns:a16="http://schemas.microsoft.com/office/drawing/2014/main" id="{9504A767-1C0B-484E-BF7D-CD42D30A52EE}"/>
+                <a16:creationId xmlns:a16="http://schemas.microsoft.com/office/drawing/2014/main" xmlns="" id="{9504A767-1C0B-484E-BF7D-CD42D30A52EE}"/>
               </a:ext>
             </a:extLst>
           </p:cNvPr>
@@ -8348,7 +8348,7 @@
           <p:cNvPr id="14" name="Rectangle 13">
             <a:extLst>
               <a:ext uri="{FF2B5EF4-FFF2-40B4-BE49-F238E27FC236}">
-                <a16:creationId xmlns:a16="http://schemas.microsoft.com/office/drawing/2014/main" id="{7A13D8A8-6C3D-4527-959D-41C3213F7F02}"/>
+                <a16:creationId xmlns:a16="http://schemas.microsoft.com/office/drawing/2014/main" xmlns="" id="{7A13D8A8-6C3D-4527-959D-41C3213F7F02}"/>
               </a:ext>
             </a:extLst>
           </p:cNvPr>
@@ -8400,7 +8400,7 @@
           <p:cNvPr id="13" name="Rectangle 12">
             <a:extLst>
               <a:ext uri="{FF2B5EF4-FFF2-40B4-BE49-F238E27FC236}">
-                <a16:creationId xmlns:a16="http://schemas.microsoft.com/office/drawing/2014/main" id="{EC0FBB1B-4F0E-4365-BF27-3150FC6C3B90}"/>
+                <a16:creationId xmlns:a16="http://schemas.microsoft.com/office/drawing/2014/main" xmlns="" id="{EC0FBB1B-4F0E-4365-BF27-3150FC6C3B90}"/>
               </a:ext>
             </a:extLst>
           </p:cNvPr>
@@ -8454,7 +8454,7 @@
           <p:cNvPr id="8" name="Rectangle 7">
             <a:extLst>
               <a:ext uri="{FF2B5EF4-FFF2-40B4-BE49-F238E27FC236}">
-                <a16:creationId xmlns:a16="http://schemas.microsoft.com/office/drawing/2014/main" id="{51DD44D8-4A8F-4693-B90A-166855B29D25}"/>
+                <a16:creationId xmlns:a16="http://schemas.microsoft.com/office/drawing/2014/main" xmlns="" id="{51DD44D8-4A8F-4693-B90A-166855B29D25}"/>
               </a:ext>
             </a:extLst>
           </p:cNvPr>
@@ -8503,7 +8503,7 @@
           <p:cNvPr id="5" name="Slide Number Placeholder 4">
             <a:extLst>
               <a:ext uri="{FF2B5EF4-FFF2-40B4-BE49-F238E27FC236}">
-                <a16:creationId xmlns:a16="http://schemas.microsoft.com/office/drawing/2014/main" id="{222FB6A7-1E80-487C-93E6-DCAA8751EF21}"/>
+                <a16:creationId xmlns:a16="http://schemas.microsoft.com/office/drawing/2014/main" xmlns="" id="{222FB6A7-1E80-487C-93E6-DCAA8751EF21}"/>
               </a:ext>
             </a:extLst>
           </p:cNvPr>
@@ -8563,7 +8563,7 @@
           <p:cNvPr id="2" name="Title 1">
             <a:extLst>
               <a:ext uri="{FF2B5EF4-FFF2-40B4-BE49-F238E27FC236}">
-                <a16:creationId xmlns:a16="http://schemas.microsoft.com/office/drawing/2014/main" id="{5CFF4C50-933F-41F9-AD11-BD02410AA7D5}"/>
+                <a16:creationId xmlns:a16="http://schemas.microsoft.com/office/drawing/2014/main" xmlns="" id="{5CFF4C50-933F-41F9-AD11-BD02410AA7D5}"/>
               </a:ext>
             </a:extLst>
           </p:cNvPr>
@@ -8602,7 +8602,7 @@
           <p:cNvPr id="7" name="Subtitle 2">
             <a:extLst>
               <a:ext uri="{FF2B5EF4-FFF2-40B4-BE49-F238E27FC236}">
-                <a16:creationId xmlns:a16="http://schemas.microsoft.com/office/drawing/2014/main" id="{E97A9A62-1AA6-47A9-A1A0-54196823744C}"/>
+                <a16:creationId xmlns:a16="http://schemas.microsoft.com/office/drawing/2014/main" xmlns="" id="{E97A9A62-1AA6-47A9-A1A0-54196823744C}"/>
               </a:ext>
             </a:extLst>
           </p:cNvPr>
@@ -8657,7 +8657,7 @@
           <p:cNvPr id="3" name="Content Placeholder 2">
             <a:extLst>
               <a:ext uri="{FF2B5EF4-FFF2-40B4-BE49-F238E27FC236}">
-                <a16:creationId xmlns:a16="http://schemas.microsoft.com/office/drawing/2014/main" id="{B1948E38-8FB0-4E51-A01C-C88794372E50}"/>
+                <a16:creationId xmlns:a16="http://schemas.microsoft.com/office/drawing/2014/main" xmlns="" id="{B1948E38-8FB0-4E51-A01C-C88794372E50}"/>
               </a:ext>
             </a:extLst>
           </p:cNvPr>
@@ -8765,7 +8765,7 @@
           <p:cNvPr id="4" name="Footer Placeholder 3">
             <a:extLst>
               <a:ext uri="{FF2B5EF4-FFF2-40B4-BE49-F238E27FC236}">
-                <a16:creationId xmlns:a16="http://schemas.microsoft.com/office/drawing/2014/main" id="{E8FE0EB3-0FF4-4285-B9D3-90A5751B7BBF}"/>
+                <a16:creationId xmlns:a16="http://schemas.microsoft.com/office/drawing/2014/main" xmlns="" id="{E8FE0EB3-0FF4-4285-B9D3-90A5751B7BBF}"/>
               </a:ext>
             </a:extLst>
           </p:cNvPr>
@@ -8793,7 +8793,7 @@
           <p:cNvPr id="5" name="Slide Number Placeholder 4">
             <a:extLst>
               <a:ext uri="{FF2B5EF4-FFF2-40B4-BE49-F238E27FC236}">
-                <a16:creationId xmlns:a16="http://schemas.microsoft.com/office/drawing/2014/main" id="{C8DE0AAD-6FBD-416B-A91A-21F2B737919E}"/>
+                <a16:creationId xmlns:a16="http://schemas.microsoft.com/office/drawing/2014/main" xmlns="" id="{C8DE0AAD-6FBD-416B-A91A-21F2B737919E}"/>
               </a:ext>
             </a:extLst>
           </p:cNvPr>
@@ -8853,7 +8853,7 @@
           <p:cNvPr id="2" name="Title 1">
             <a:extLst>
               <a:ext uri="{FF2B5EF4-FFF2-40B4-BE49-F238E27FC236}">
-                <a16:creationId xmlns:a16="http://schemas.microsoft.com/office/drawing/2014/main" id="{40EE479C-D1F6-4BAC-80D2-90EF74E3261A}"/>
+                <a16:creationId xmlns:a16="http://schemas.microsoft.com/office/drawing/2014/main" xmlns="" id="{40EE479C-D1F6-4BAC-80D2-90EF74E3261A}"/>
               </a:ext>
             </a:extLst>
           </p:cNvPr>
@@ -8897,7 +8897,7 @@
           <p:cNvPr id="7" name="Subtitle 2">
             <a:extLst>
               <a:ext uri="{FF2B5EF4-FFF2-40B4-BE49-F238E27FC236}">
-                <a16:creationId xmlns:a16="http://schemas.microsoft.com/office/drawing/2014/main" id="{7DEBF36F-ADC5-48FF-BFAF-3BED06924FD3}"/>
+                <a16:creationId xmlns:a16="http://schemas.microsoft.com/office/drawing/2014/main" xmlns="" id="{7DEBF36F-ADC5-48FF-BFAF-3BED06924FD3}"/>
               </a:ext>
             </a:extLst>
           </p:cNvPr>
@@ -8952,7 +8952,7 @@
           <p:cNvPr id="3" name="Content Placeholder 2">
             <a:extLst>
               <a:ext uri="{FF2B5EF4-FFF2-40B4-BE49-F238E27FC236}">
-                <a16:creationId xmlns:a16="http://schemas.microsoft.com/office/drawing/2014/main" id="{A22238F2-C6EC-476F-8371-119AECBA5622}"/>
+                <a16:creationId xmlns:a16="http://schemas.microsoft.com/office/drawing/2014/main" xmlns="" id="{A22238F2-C6EC-476F-8371-119AECBA5622}"/>
               </a:ext>
             </a:extLst>
           </p:cNvPr>
@@ -9065,7 +9065,7 @@
           <p:cNvPr id="6" name="Text Placeholder 4">
             <a:extLst>
               <a:ext uri="{FF2B5EF4-FFF2-40B4-BE49-F238E27FC236}">
-                <a16:creationId xmlns:a16="http://schemas.microsoft.com/office/drawing/2014/main" id="{7867C73D-EE16-41D1-B7CE-A35C765E3B8D}"/>
+                <a16:creationId xmlns:a16="http://schemas.microsoft.com/office/drawing/2014/main" xmlns="" id="{7867C73D-EE16-41D1-B7CE-A35C765E3B8D}"/>
               </a:ext>
             </a:extLst>
           </p:cNvPr>
@@ -9127,7 +9127,7 @@
           <p:cNvPr id="4" name="Footer Placeholder 3">
             <a:extLst>
               <a:ext uri="{FF2B5EF4-FFF2-40B4-BE49-F238E27FC236}">
-                <a16:creationId xmlns:a16="http://schemas.microsoft.com/office/drawing/2014/main" id="{57847F90-9DB6-4832-9EB7-393AADAE8B70}"/>
+                <a16:creationId xmlns:a16="http://schemas.microsoft.com/office/drawing/2014/main" xmlns="" id="{57847F90-9DB6-4832-9EB7-393AADAE8B70}"/>
               </a:ext>
             </a:extLst>
           </p:cNvPr>
@@ -9155,7 +9155,7 @@
           <p:cNvPr id="5" name="Slide Number Placeholder 4">
             <a:extLst>
               <a:ext uri="{FF2B5EF4-FFF2-40B4-BE49-F238E27FC236}">
-                <a16:creationId xmlns:a16="http://schemas.microsoft.com/office/drawing/2014/main" id="{F64CFC6C-1D8B-46C9-B0F7-A8BD88D8AB46}"/>
+                <a16:creationId xmlns:a16="http://schemas.microsoft.com/office/drawing/2014/main" xmlns="" id="{F64CFC6C-1D8B-46C9-B0F7-A8BD88D8AB46}"/>
               </a:ext>
             </a:extLst>
           </p:cNvPr>
@@ -9215,7 +9215,7 @@
           <p:cNvPr id="2" name="Title 1">
             <a:extLst>
               <a:ext uri="{FF2B5EF4-FFF2-40B4-BE49-F238E27FC236}">
-                <a16:creationId xmlns:a16="http://schemas.microsoft.com/office/drawing/2014/main" id="{5CFF4C50-933F-41F9-AD11-BD02410AA7D5}"/>
+                <a16:creationId xmlns:a16="http://schemas.microsoft.com/office/drawing/2014/main" xmlns="" id="{5CFF4C50-933F-41F9-AD11-BD02410AA7D5}"/>
               </a:ext>
             </a:extLst>
           </p:cNvPr>
@@ -9259,7 +9259,7 @@
           <p:cNvPr id="9" name="Subtitle 2">
             <a:extLst>
               <a:ext uri="{FF2B5EF4-FFF2-40B4-BE49-F238E27FC236}">
-                <a16:creationId xmlns:a16="http://schemas.microsoft.com/office/drawing/2014/main" id="{F94EB5D3-F8CB-4E76-8D7E-FF441818EECB}"/>
+                <a16:creationId xmlns:a16="http://schemas.microsoft.com/office/drawing/2014/main" xmlns="" id="{F94EB5D3-F8CB-4E76-8D7E-FF441818EECB}"/>
               </a:ext>
             </a:extLst>
           </p:cNvPr>
@@ -9314,7 +9314,7 @@
           <p:cNvPr id="3" name="Content Placeholder 2">
             <a:extLst>
               <a:ext uri="{FF2B5EF4-FFF2-40B4-BE49-F238E27FC236}">
-                <a16:creationId xmlns:a16="http://schemas.microsoft.com/office/drawing/2014/main" id="{B1948E38-8FB0-4E51-A01C-C88794372E50}"/>
+                <a16:creationId xmlns:a16="http://schemas.microsoft.com/office/drawing/2014/main" xmlns="" id="{B1948E38-8FB0-4E51-A01C-C88794372E50}"/>
               </a:ext>
             </a:extLst>
           </p:cNvPr>
@@ -9427,7 +9427,7 @@
           <p:cNvPr id="5" name="Text Placeholder 4">
             <a:extLst>
               <a:ext uri="{FF2B5EF4-FFF2-40B4-BE49-F238E27FC236}">
-                <a16:creationId xmlns:a16="http://schemas.microsoft.com/office/drawing/2014/main" id="{16A38E24-EB1C-472F-B631-5DF32F9C4CF5}"/>
+                <a16:creationId xmlns:a16="http://schemas.microsoft.com/office/drawing/2014/main" xmlns="" id="{16A38E24-EB1C-472F-B631-5DF32F9C4CF5}"/>
               </a:ext>
             </a:extLst>
           </p:cNvPr>
@@ -9489,7 +9489,7 @@
           <p:cNvPr id="11" name="Text Placeholder 5">
             <a:extLst>
               <a:ext uri="{FF2B5EF4-FFF2-40B4-BE49-F238E27FC236}">
-                <a16:creationId xmlns:a16="http://schemas.microsoft.com/office/drawing/2014/main" id="{5B4A252E-78C9-4F76-98A4-A4B580AD072A}"/>
+                <a16:creationId xmlns:a16="http://schemas.microsoft.com/office/drawing/2014/main" xmlns="" id="{5B4A252E-78C9-4F76-98A4-A4B580AD072A}"/>
               </a:ext>
             </a:extLst>
           </p:cNvPr>
@@ -9551,7 +9551,7 @@
           <p:cNvPr id="4" name="Footer Placeholder 3">
             <a:extLst>
               <a:ext uri="{FF2B5EF4-FFF2-40B4-BE49-F238E27FC236}">
-                <a16:creationId xmlns:a16="http://schemas.microsoft.com/office/drawing/2014/main" id="{6D4BCA97-F31B-451D-82F8-6E000DF2118A}"/>
+                <a16:creationId xmlns:a16="http://schemas.microsoft.com/office/drawing/2014/main" xmlns="" id="{6D4BCA97-F31B-451D-82F8-6E000DF2118A}"/>
               </a:ext>
             </a:extLst>
           </p:cNvPr>
@@ -9579,7 +9579,7 @@
           <p:cNvPr id="6" name="Slide Number Placeholder 5">
             <a:extLst>
               <a:ext uri="{FF2B5EF4-FFF2-40B4-BE49-F238E27FC236}">
-                <a16:creationId xmlns:a16="http://schemas.microsoft.com/office/drawing/2014/main" id="{0817AAC4-A657-4D75-A527-0307AFF2B17B}"/>
+                <a16:creationId xmlns:a16="http://schemas.microsoft.com/office/drawing/2014/main" xmlns="" id="{0817AAC4-A657-4D75-A527-0307AFF2B17B}"/>
               </a:ext>
             </a:extLst>
           </p:cNvPr>
@@ -9639,7 +9639,7 @@
           <p:cNvPr id="2" name="Title 1">
             <a:extLst>
               <a:ext uri="{FF2B5EF4-FFF2-40B4-BE49-F238E27FC236}">
-                <a16:creationId xmlns:a16="http://schemas.microsoft.com/office/drawing/2014/main" id="{5CFF4C50-933F-41F9-AD11-BD02410AA7D5}"/>
+                <a16:creationId xmlns:a16="http://schemas.microsoft.com/office/drawing/2014/main" xmlns="" id="{5CFF4C50-933F-41F9-AD11-BD02410AA7D5}"/>
               </a:ext>
             </a:extLst>
           </p:cNvPr>
@@ -9683,7 +9683,7 @@
           <p:cNvPr id="10" name="Subtitle 2">
             <a:extLst>
               <a:ext uri="{FF2B5EF4-FFF2-40B4-BE49-F238E27FC236}">
-                <a16:creationId xmlns:a16="http://schemas.microsoft.com/office/drawing/2014/main" id="{9D7ACCB5-9A86-4F46-89E2-B79F48C9EC1D}"/>
+                <a16:creationId xmlns:a16="http://schemas.microsoft.com/office/drawing/2014/main" xmlns="" id="{9D7ACCB5-9A86-4F46-89E2-B79F48C9EC1D}"/>
               </a:ext>
             </a:extLst>
           </p:cNvPr>
@@ -9738,7 +9738,7 @@
           <p:cNvPr id="3" name="Content Placeholder 2">
             <a:extLst>
               <a:ext uri="{FF2B5EF4-FFF2-40B4-BE49-F238E27FC236}">
-                <a16:creationId xmlns:a16="http://schemas.microsoft.com/office/drawing/2014/main" id="{B1948E38-8FB0-4E51-A01C-C88794372E50}"/>
+                <a16:creationId xmlns:a16="http://schemas.microsoft.com/office/drawing/2014/main" xmlns="" id="{B1948E38-8FB0-4E51-A01C-C88794372E50}"/>
               </a:ext>
             </a:extLst>
           </p:cNvPr>
@@ -9851,7 +9851,7 @@
           <p:cNvPr id="5" name="Text Placeholder 4">
             <a:extLst>
               <a:ext uri="{FF2B5EF4-FFF2-40B4-BE49-F238E27FC236}">
-                <a16:creationId xmlns:a16="http://schemas.microsoft.com/office/drawing/2014/main" id="{1F5B3657-F2AE-455A-BF81-1A0C2ACECD20}"/>
+                <a16:creationId xmlns:a16="http://schemas.microsoft.com/office/drawing/2014/main" xmlns="" id="{1F5B3657-F2AE-455A-BF81-1A0C2ACECD20}"/>
               </a:ext>
             </a:extLst>
           </p:cNvPr>
@@ -9913,7 +9913,7 @@
           <p:cNvPr id="13" name="Text Placeholder 5">
             <a:extLst>
               <a:ext uri="{FF2B5EF4-FFF2-40B4-BE49-F238E27FC236}">
-                <a16:creationId xmlns:a16="http://schemas.microsoft.com/office/drawing/2014/main" id="{6A983D98-E0AB-429A-9EC2-B50D4216D691}"/>
+                <a16:creationId xmlns:a16="http://schemas.microsoft.com/office/drawing/2014/main" xmlns="" id="{6A983D98-E0AB-429A-9EC2-B50D4216D691}"/>
               </a:ext>
             </a:extLst>
           </p:cNvPr>
@@ -9975,7 +9975,7 @@
           <p:cNvPr id="15" name="Text Placeholder 6">
             <a:extLst>
               <a:ext uri="{FF2B5EF4-FFF2-40B4-BE49-F238E27FC236}">
-                <a16:creationId xmlns:a16="http://schemas.microsoft.com/office/drawing/2014/main" id="{755213BF-EF6D-45DC-A01B-DE6C2F23A6D2}"/>
+                <a16:creationId xmlns:a16="http://schemas.microsoft.com/office/drawing/2014/main" xmlns="" id="{755213BF-EF6D-45DC-A01B-DE6C2F23A6D2}"/>
               </a:ext>
             </a:extLst>
           </p:cNvPr>
@@ -10037,7 +10037,7 @@
           <p:cNvPr id="17" name="Text Placeholder 7">
             <a:extLst>
               <a:ext uri="{FF2B5EF4-FFF2-40B4-BE49-F238E27FC236}">
-                <a16:creationId xmlns:a16="http://schemas.microsoft.com/office/drawing/2014/main" id="{77D6BBBA-F4A3-45D4-91BC-A405FFDC7C3D}"/>
+                <a16:creationId xmlns:a16="http://schemas.microsoft.com/office/drawing/2014/main" xmlns="" id="{77D6BBBA-F4A3-45D4-91BC-A405FFDC7C3D}"/>
               </a:ext>
             </a:extLst>
           </p:cNvPr>
@@ -10099,7 +10099,7 @@
           <p:cNvPr id="4" name="Footer Placeholder 3">
             <a:extLst>
               <a:ext uri="{FF2B5EF4-FFF2-40B4-BE49-F238E27FC236}">
-                <a16:creationId xmlns:a16="http://schemas.microsoft.com/office/drawing/2014/main" id="{2D09234E-176D-4BBF-9391-7B6F018C51AB}"/>
+                <a16:creationId xmlns:a16="http://schemas.microsoft.com/office/drawing/2014/main" xmlns="" id="{2D09234E-176D-4BBF-9391-7B6F018C51AB}"/>
               </a:ext>
             </a:extLst>
           </p:cNvPr>
@@ -10127,7 +10127,7 @@
           <p:cNvPr id="6" name="Slide Number Placeholder 5">
             <a:extLst>
               <a:ext uri="{FF2B5EF4-FFF2-40B4-BE49-F238E27FC236}">
-                <a16:creationId xmlns:a16="http://schemas.microsoft.com/office/drawing/2014/main" id="{009ABD5E-B8F1-4246-B167-09138760AD7D}"/>
+                <a16:creationId xmlns:a16="http://schemas.microsoft.com/office/drawing/2014/main" xmlns="" id="{009ABD5E-B8F1-4246-B167-09138760AD7D}"/>
               </a:ext>
             </a:extLst>
           </p:cNvPr>
@@ -10197,7 +10197,7 @@
           <p:cNvPr id="2" name="Title 1">
             <a:extLst>
               <a:ext uri="{FF2B5EF4-FFF2-40B4-BE49-F238E27FC236}">
-                <a16:creationId xmlns:a16="http://schemas.microsoft.com/office/drawing/2014/main" id="{00F23EB7-E336-46EB-A4A0-3DB7A6BF4CE1}"/>
+                <a16:creationId xmlns:a16="http://schemas.microsoft.com/office/drawing/2014/main" xmlns="" id="{00F23EB7-E336-46EB-A4A0-3DB7A6BF4CE1}"/>
               </a:ext>
             </a:extLst>
           </p:cNvPr>
@@ -10240,7 +10240,7 @@
           <p:cNvPr id="3" name="Subtitle 2">
             <a:extLst>
               <a:ext uri="{FF2B5EF4-FFF2-40B4-BE49-F238E27FC236}">
-                <a16:creationId xmlns:a16="http://schemas.microsoft.com/office/drawing/2014/main" id="{C9980B88-3F4A-4688-9ED0-17EF37E62D93}"/>
+                <a16:creationId xmlns:a16="http://schemas.microsoft.com/office/drawing/2014/main" xmlns="" id="{C9980B88-3F4A-4688-9ED0-17EF37E62D93}"/>
               </a:ext>
             </a:extLst>
           </p:cNvPr>
@@ -10290,7 +10290,7 @@
           <p:cNvPr id="13" name="Rectangle 12">
             <a:extLst>
               <a:ext uri="{FF2B5EF4-FFF2-40B4-BE49-F238E27FC236}">
-                <a16:creationId xmlns:a16="http://schemas.microsoft.com/office/drawing/2014/main" id="{EC0FBB1B-4F0E-4365-BF27-3150FC6C3B90}"/>
+                <a16:creationId xmlns:a16="http://schemas.microsoft.com/office/drawing/2014/main" xmlns="" id="{EC0FBB1B-4F0E-4365-BF27-3150FC6C3B90}"/>
               </a:ext>
             </a:extLst>
           </p:cNvPr>
@@ -10344,7 +10344,7 @@
           <p:cNvPr id="14" name="Rectangle 13">
             <a:extLst>
               <a:ext uri="{FF2B5EF4-FFF2-40B4-BE49-F238E27FC236}">
-                <a16:creationId xmlns:a16="http://schemas.microsoft.com/office/drawing/2014/main" id="{7A13D8A8-6C3D-4527-959D-41C3213F7F02}"/>
+                <a16:creationId xmlns:a16="http://schemas.microsoft.com/office/drawing/2014/main" xmlns="" id="{7A13D8A8-6C3D-4527-959D-41C3213F7F02}"/>
               </a:ext>
             </a:extLst>
           </p:cNvPr>
@@ -10396,7 +10396,7 @@
           <p:cNvPr id="15" name="Rectangle 14">
             <a:extLst>
               <a:ext uri="{FF2B5EF4-FFF2-40B4-BE49-F238E27FC236}">
-                <a16:creationId xmlns:a16="http://schemas.microsoft.com/office/drawing/2014/main" id="{9504A767-1C0B-484E-BF7D-CD42D30A52EE}"/>
+                <a16:creationId xmlns:a16="http://schemas.microsoft.com/office/drawing/2014/main" xmlns="" id="{9504A767-1C0B-484E-BF7D-CD42D30A52EE}"/>
               </a:ext>
             </a:extLst>
           </p:cNvPr>
@@ -10448,7 +10448,7 @@
           <p:cNvPr id="8" name="Rectangle 7">
             <a:extLst>
               <a:ext uri="{FF2B5EF4-FFF2-40B4-BE49-F238E27FC236}">
-                <a16:creationId xmlns:a16="http://schemas.microsoft.com/office/drawing/2014/main" id="{51DD44D8-4A8F-4693-B90A-166855B29D25}"/>
+                <a16:creationId xmlns:a16="http://schemas.microsoft.com/office/drawing/2014/main" xmlns="" id="{51DD44D8-4A8F-4693-B90A-166855B29D25}"/>
               </a:ext>
             </a:extLst>
           </p:cNvPr>
@@ -10538,7 +10538,7 @@
           <p:cNvPr id="3" name="Title 1">
             <a:extLst>
               <a:ext uri="{FF2B5EF4-FFF2-40B4-BE49-F238E27FC236}">
-                <a16:creationId xmlns:a16="http://schemas.microsoft.com/office/drawing/2014/main" id="{E473AB13-DFF9-4538-9907-E261659E0E01}"/>
+                <a16:creationId xmlns:a16="http://schemas.microsoft.com/office/drawing/2014/main" xmlns="" id="{E473AB13-DFF9-4538-9907-E261659E0E01}"/>
               </a:ext>
             </a:extLst>
           </p:cNvPr>
@@ -10586,7 +10586,7 @@
           <p:cNvPr id="4" name="Footer Placeholder 3">
             <a:extLst>
               <a:ext uri="{FF2B5EF4-FFF2-40B4-BE49-F238E27FC236}">
-                <a16:creationId xmlns:a16="http://schemas.microsoft.com/office/drawing/2014/main" id="{6816FE98-6A12-44EC-8485-8B5EFABDF9B2}"/>
+                <a16:creationId xmlns:a16="http://schemas.microsoft.com/office/drawing/2014/main" xmlns="" id="{6816FE98-6A12-44EC-8485-8B5EFABDF9B2}"/>
               </a:ext>
             </a:extLst>
           </p:cNvPr>
@@ -10614,7 +10614,7 @@
           <p:cNvPr id="8" name="Rectangle 7">
             <a:extLst>
               <a:ext uri="{FF2B5EF4-FFF2-40B4-BE49-F238E27FC236}">
-                <a16:creationId xmlns:a16="http://schemas.microsoft.com/office/drawing/2014/main" id="{51DD44D8-4A8F-4693-B90A-166855B29D25}"/>
+                <a16:creationId xmlns:a16="http://schemas.microsoft.com/office/drawing/2014/main" xmlns="" id="{51DD44D8-4A8F-4693-B90A-166855B29D25}"/>
               </a:ext>
             </a:extLst>
           </p:cNvPr>
@@ -10666,7 +10666,7 @@
           <p:cNvPr id="13" name="Rectangle 12">
             <a:extLst>
               <a:ext uri="{FF2B5EF4-FFF2-40B4-BE49-F238E27FC236}">
-                <a16:creationId xmlns:a16="http://schemas.microsoft.com/office/drawing/2014/main" id="{EC0FBB1B-4F0E-4365-BF27-3150FC6C3B90}"/>
+                <a16:creationId xmlns:a16="http://schemas.microsoft.com/office/drawing/2014/main" xmlns="" id="{EC0FBB1B-4F0E-4365-BF27-3150FC6C3B90}"/>
               </a:ext>
             </a:extLst>
           </p:cNvPr>
@@ -10720,7 +10720,7 @@
           <p:cNvPr id="14" name="Rectangle 13">
             <a:extLst>
               <a:ext uri="{FF2B5EF4-FFF2-40B4-BE49-F238E27FC236}">
-                <a16:creationId xmlns:a16="http://schemas.microsoft.com/office/drawing/2014/main" id="{7A13D8A8-6C3D-4527-959D-41C3213F7F02}"/>
+                <a16:creationId xmlns:a16="http://schemas.microsoft.com/office/drawing/2014/main" xmlns="" id="{7A13D8A8-6C3D-4527-959D-41C3213F7F02}"/>
               </a:ext>
             </a:extLst>
           </p:cNvPr>
@@ -10772,7 +10772,7 @@
           <p:cNvPr id="15" name="Rectangle 14">
             <a:extLst>
               <a:ext uri="{FF2B5EF4-FFF2-40B4-BE49-F238E27FC236}">
-                <a16:creationId xmlns:a16="http://schemas.microsoft.com/office/drawing/2014/main" id="{9504A767-1C0B-484E-BF7D-CD42D30A52EE}"/>
+                <a16:creationId xmlns:a16="http://schemas.microsoft.com/office/drawing/2014/main" xmlns="" id="{9504A767-1C0B-484E-BF7D-CD42D30A52EE}"/>
               </a:ext>
             </a:extLst>
           </p:cNvPr>
@@ -10824,7 +10824,7 @@
           <p:cNvPr id="5" name="Slide Number Placeholder 4">
             <a:extLst>
               <a:ext uri="{FF2B5EF4-FFF2-40B4-BE49-F238E27FC236}">
-                <a16:creationId xmlns:a16="http://schemas.microsoft.com/office/drawing/2014/main" id="{F50EF489-F21B-4E7C-9A44-D3CC8DC34F5F}"/>
+                <a16:creationId xmlns:a16="http://schemas.microsoft.com/office/drawing/2014/main" xmlns="" id="{F50EF489-F21B-4E7C-9A44-D3CC8DC34F5F}"/>
               </a:ext>
             </a:extLst>
           </p:cNvPr>
@@ -10854,7 +10854,7 @@
           <p:cNvPr id="11" name="Text Placeholder 2">
             <a:extLst>
               <a:ext uri="{FF2B5EF4-FFF2-40B4-BE49-F238E27FC236}">
-                <a16:creationId xmlns:a16="http://schemas.microsoft.com/office/drawing/2014/main" id="{14B95064-E6BF-43CD-ACBD-6363E8D9BF6A}"/>
+                <a16:creationId xmlns:a16="http://schemas.microsoft.com/office/drawing/2014/main" xmlns="" id="{14B95064-E6BF-43CD-ACBD-6363E8D9BF6A}"/>
               </a:ext>
             </a:extLst>
           </p:cNvPr>
@@ -10934,7 +10934,7 @@
           <p:cNvPr id="2" name="Title 1">
             <a:extLst>
               <a:ext uri="{FF2B5EF4-FFF2-40B4-BE49-F238E27FC236}">
-                <a16:creationId xmlns:a16="http://schemas.microsoft.com/office/drawing/2014/main" id="{5CFF4C50-933F-41F9-AD11-BD02410AA7D5}"/>
+                <a16:creationId xmlns:a16="http://schemas.microsoft.com/office/drawing/2014/main" xmlns="" id="{5CFF4C50-933F-41F9-AD11-BD02410AA7D5}"/>
               </a:ext>
             </a:extLst>
           </p:cNvPr>
@@ -10973,7 +10973,7 @@
           <p:cNvPr id="3" name="Content Placeholder 2">
             <a:extLst>
               <a:ext uri="{FF2B5EF4-FFF2-40B4-BE49-F238E27FC236}">
-                <a16:creationId xmlns:a16="http://schemas.microsoft.com/office/drawing/2014/main" id="{B1948E38-8FB0-4E51-A01C-C88794372E50}"/>
+                <a16:creationId xmlns:a16="http://schemas.microsoft.com/office/drawing/2014/main" xmlns="" id="{B1948E38-8FB0-4E51-A01C-C88794372E50}"/>
               </a:ext>
             </a:extLst>
           </p:cNvPr>
@@ -11086,7 +11086,7 @@
           <p:cNvPr id="4" name="Footer Placeholder 3">
             <a:extLst>
               <a:ext uri="{FF2B5EF4-FFF2-40B4-BE49-F238E27FC236}">
-                <a16:creationId xmlns:a16="http://schemas.microsoft.com/office/drawing/2014/main" id="{E8FE0EB3-0FF4-4285-B9D3-90A5751B7BBF}"/>
+                <a16:creationId xmlns:a16="http://schemas.microsoft.com/office/drawing/2014/main" xmlns="" id="{E8FE0EB3-0FF4-4285-B9D3-90A5751B7BBF}"/>
               </a:ext>
             </a:extLst>
           </p:cNvPr>
@@ -11114,7 +11114,7 @@
           <p:cNvPr id="5" name="Slide Number Placeholder 4">
             <a:extLst>
               <a:ext uri="{FF2B5EF4-FFF2-40B4-BE49-F238E27FC236}">
-                <a16:creationId xmlns:a16="http://schemas.microsoft.com/office/drawing/2014/main" id="{C8DE0AAD-6FBD-416B-A91A-21F2B737919E}"/>
+                <a16:creationId xmlns:a16="http://schemas.microsoft.com/office/drawing/2014/main" xmlns="" id="{C8DE0AAD-6FBD-416B-A91A-21F2B737919E}"/>
               </a:ext>
             </a:extLst>
           </p:cNvPr>
@@ -11174,7 +11174,7 @@
           <p:cNvPr id="2" name="Title 1">
             <a:extLst>
               <a:ext uri="{FF2B5EF4-FFF2-40B4-BE49-F238E27FC236}">
-                <a16:creationId xmlns:a16="http://schemas.microsoft.com/office/drawing/2014/main" id="{40EE479C-D1F6-4BAC-80D2-90EF74E3261A}"/>
+                <a16:creationId xmlns:a16="http://schemas.microsoft.com/office/drawing/2014/main" xmlns="" id="{40EE479C-D1F6-4BAC-80D2-90EF74E3261A}"/>
               </a:ext>
             </a:extLst>
           </p:cNvPr>
@@ -11218,7 +11218,7 @@
           <p:cNvPr id="4" name="Footer Placeholder 3">
             <a:extLst>
               <a:ext uri="{FF2B5EF4-FFF2-40B4-BE49-F238E27FC236}">
-                <a16:creationId xmlns:a16="http://schemas.microsoft.com/office/drawing/2014/main" id="{57847F90-9DB6-4832-9EB7-393AADAE8B70}"/>
+                <a16:creationId xmlns:a16="http://schemas.microsoft.com/office/drawing/2014/main" xmlns="" id="{57847F90-9DB6-4832-9EB7-393AADAE8B70}"/>
               </a:ext>
             </a:extLst>
           </p:cNvPr>
@@ -11246,7 +11246,7 @@
           <p:cNvPr id="5" name="Slide Number Placeholder 4">
             <a:extLst>
               <a:ext uri="{FF2B5EF4-FFF2-40B4-BE49-F238E27FC236}">
-                <a16:creationId xmlns:a16="http://schemas.microsoft.com/office/drawing/2014/main" id="{F64CFC6C-1D8B-46C9-B0F7-A8BD88D8AB46}"/>
+                <a16:creationId xmlns:a16="http://schemas.microsoft.com/office/drawing/2014/main" xmlns="" id="{F64CFC6C-1D8B-46C9-B0F7-A8BD88D8AB46}"/>
               </a:ext>
             </a:extLst>
           </p:cNvPr>
@@ -11276,7 +11276,7 @@
           <p:cNvPr id="9" name="Content Placeholder 3">
             <a:extLst>
               <a:ext uri="{FF2B5EF4-FFF2-40B4-BE49-F238E27FC236}">
-                <a16:creationId xmlns:a16="http://schemas.microsoft.com/office/drawing/2014/main" id="{EE1E0B79-3CC8-4DCF-8AEC-AC43BC9A3048}"/>
+                <a16:creationId xmlns:a16="http://schemas.microsoft.com/office/drawing/2014/main" xmlns="" id="{EE1E0B79-3CC8-4DCF-8AEC-AC43BC9A3048}"/>
               </a:ext>
             </a:extLst>
           </p:cNvPr>
@@ -11338,7 +11338,7 @@
           <p:cNvPr id="10" name="Content Placeholder 2">
             <a:extLst>
               <a:ext uri="{FF2B5EF4-FFF2-40B4-BE49-F238E27FC236}">
-                <a16:creationId xmlns:a16="http://schemas.microsoft.com/office/drawing/2014/main" id="{15546508-E26C-46CD-8939-D20E71BF4ED7}"/>
+                <a16:creationId xmlns:a16="http://schemas.microsoft.com/office/drawing/2014/main" xmlns="" id="{15546508-E26C-46CD-8939-D20E71BF4ED7}"/>
               </a:ext>
             </a:extLst>
           </p:cNvPr>
@@ -11430,7 +11430,7 @@
           <p:cNvPr id="2" name="Title 1">
             <a:extLst>
               <a:ext uri="{FF2B5EF4-FFF2-40B4-BE49-F238E27FC236}">
-                <a16:creationId xmlns:a16="http://schemas.microsoft.com/office/drawing/2014/main" id="{40EE479C-D1F6-4BAC-80D2-90EF74E3261A}"/>
+                <a16:creationId xmlns:a16="http://schemas.microsoft.com/office/drawing/2014/main" xmlns="" id="{40EE479C-D1F6-4BAC-80D2-90EF74E3261A}"/>
               </a:ext>
             </a:extLst>
           </p:cNvPr>
@@ -11474,7 +11474,7 @@
           <p:cNvPr id="4" name="Footer Placeholder 3">
             <a:extLst>
               <a:ext uri="{FF2B5EF4-FFF2-40B4-BE49-F238E27FC236}">
-                <a16:creationId xmlns:a16="http://schemas.microsoft.com/office/drawing/2014/main" id="{57847F90-9DB6-4832-9EB7-393AADAE8B70}"/>
+                <a16:creationId xmlns:a16="http://schemas.microsoft.com/office/drawing/2014/main" xmlns="" id="{57847F90-9DB6-4832-9EB7-393AADAE8B70}"/>
               </a:ext>
             </a:extLst>
           </p:cNvPr>
@@ -11502,7 +11502,7 @@
           <p:cNvPr id="5" name="Slide Number Placeholder 4">
             <a:extLst>
               <a:ext uri="{FF2B5EF4-FFF2-40B4-BE49-F238E27FC236}">
-                <a16:creationId xmlns:a16="http://schemas.microsoft.com/office/drawing/2014/main" id="{F64CFC6C-1D8B-46C9-B0F7-A8BD88D8AB46}"/>
+                <a16:creationId xmlns:a16="http://schemas.microsoft.com/office/drawing/2014/main" xmlns="" id="{F64CFC6C-1D8B-46C9-B0F7-A8BD88D8AB46}"/>
               </a:ext>
             </a:extLst>
           </p:cNvPr>
@@ -11532,10 +11532,10 @@
           <p:cNvPr id="11" name="Rectangle 10" descr="Accent block left">
             <a:extLst>
               <a:ext uri="{FF2B5EF4-FFF2-40B4-BE49-F238E27FC236}">
-                <a16:creationId xmlns:a16="http://schemas.microsoft.com/office/drawing/2014/main" id="{48A1A904-FE62-4BE3-BAE9-0EEAE7B1E38C}"/>
+                <a16:creationId xmlns:a16="http://schemas.microsoft.com/office/drawing/2014/main" xmlns="" id="{48A1A904-FE62-4BE3-BAE9-0EEAE7B1E38C}"/>
               </a:ext>
               <a:ext uri="{C183D7F6-B498-43B3-948B-1728B52AA6E4}">
-                <adec:decorative xmlns:adec="http://schemas.microsoft.com/office/drawing/2017/decorative" val="1"/>
+                <adec:decorative xmlns:adec="http://schemas.microsoft.com/office/drawing/2017/decorative" xmlns="" val="1"/>
               </a:ext>
             </a:extLst>
           </p:cNvPr>
@@ -11587,10 +11587,10 @@
           <p:cNvPr id="12" name="Rectangle 11" descr="Accent bar right&#10;">
             <a:extLst>
               <a:ext uri="{FF2B5EF4-FFF2-40B4-BE49-F238E27FC236}">
-                <a16:creationId xmlns:a16="http://schemas.microsoft.com/office/drawing/2014/main" id="{3E8A46E0-47C2-4441-B7DD-F621A80F1FC8}"/>
+                <a16:creationId xmlns:a16="http://schemas.microsoft.com/office/drawing/2014/main" xmlns="" id="{3E8A46E0-47C2-4441-B7DD-F621A80F1FC8}"/>
               </a:ext>
               <a:ext uri="{C183D7F6-B498-43B3-948B-1728B52AA6E4}">
-                <adec:decorative xmlns:adec="http://schemas.microsoft.com/office/drawing/2017/decorative" val="1"/>
+                <adec:decorative xmlns:adec="http://schemas.microsoft.com/office/drawing/2017/decorative" xmlns="" val="1"/>
               </a:ext>
             </a:extLst>
           </p:cNvPr>
@@ -11642,7 +11642,7 @@
           <p:cNvPr id="14" name="Text Placeholder 2">
             <a:extLst>
               <a:ext uri="{FF2B5EF4-FFF2-40B4-BE49-F238E27FC236}">
-                <a16:creationId xmlns:a16="http://schemas.microsoft.com/office/drawing/2014/main" id="{D902C307-6561-4E11-9899-1F34830AE8AB}"/>
+                <a16:creationId xmlns:a16="http://schemas.microsoft.com/office/drawing/2014/main" xmlns="" id="{D902C307-6561-4E11-9899-1F34830AE8AB}"/>
               </a:ext>
             </a:extLst>
           </p:cNvPr>
@@ -11713,7 +11713,7 @@
           <p:cNvPr id="16" name="Text Placeholder 4">
             <a:extLst>
               <a:ext uri="{FF2B5EF4-FFF2-40B4-BE49-F238E27FC236}">
-                <a16:creationId xmlns:a16="http://schemas.microsoft.com/office/drawing/2014/main" id="{CD73439B-6B1B-47C5-B2B0-409015FB3398}"/>
+                <a16:creationId xmlns:a16="http://schemas.microsoft.com/office/drawing/2014/main" xmlns="" id="{CD73439B-6B1B-47C5-B2B0-409015FB3398}"/>
               </a:ext>
             </a:extLst>
           </p:cNvPr>
@@ -11784,7 +11784,7 @@
           <p:cNvPr id="17" name="Content Placeholder 5">
             <a:extLst>
               <a:ext uri="{FF2B5EF4-FFF2-40B4-BE49-F238E27FC236}">
-                <a16:creationId xmlns:a16="http://schemas.microsoft.com/office/drawing/2014/main" id="{12AC6878-44C6-4445-A225-70C0DC482EDF}"/>
+                <a16:creationId xmlns:a16="http://schemas.microsoft.com/office/drawing/2014/main" xmlns="" id="{12AC6878-44C6-4445-A225-70C0DC482EDF}"/>
               </a:ext>
             </a:extLst>
           </p:cNvPr>
@@ -11846,7 +11846,7 @@
           <p:cNvPr id="18" name="Content Placeholder 3">
             <a:extLst>
               <a:ext uri="{FF2B5EF4-FFF2-40B4-BE49-F238E27FC236}">
-                <a16:creationId xmlns:a16="http://schemas.microsoft.com/office/drawing/2014/main" id="{6D675DA8-374F-4915-973A-53612A41FFC1}"/>
+                <a16:creationId xmlns:a16="http://schemas.microsoft.com/office/drawing/2014/main" xmlns="" id="{6D675DA8-374F-4915-973A-53612A41FFC1}"/>
               </a:ext>
             </a:extLst>
           </p:cNvPr>
@@ -11938,7 +11938,7 @@
           <p:cNvPr id="7" name="Picture Placeholder 6">
             <a:extLst>
               <a:ext uri="{FF2B5EF4-FFF2-40B4-BE49-F238E27FC236}">
-                <a16:creationId xmlns:a16="http://schemas.microsoft.com/office/drawing/2014/main" id="{890ED7CE-A9D2-4D19-B978-56BFB74E657C}"/>
+                <a16:creationId xmlns:a16="http://schemas.microsoft.com/office/drawing/2014/main" xmlns="" id="{890ED7CE-A9D2-4D19-B978-56BFB74E657C}"/>
               </a:ext>
             </a:extLst>
           </p:cNvPr>
@@ -11984,7 +11984,7 @@
           <p:cNvPr id="2" name="Title 1">
             <a:extLst>
               <a:ext uri="{FF2B5EF4-FFF2-40B4-BE49-F238E27FC236}">
-                <a16:creationId xmlns:a16="http://schemas.microsoft.com/office/drawing/2014/main" id="{40EE479C-D1F6-4BAC-80D2-90EF74E3261A}"/>
+                <a16:creationId xmlns:a16="http://schemas.microsoft.com/office/drawing/2014/main" xmlns="" id="{40EE479C-D1F6-4BAC-80D2-90EF74E3261A}"/>
               </a:ext>
             </a:extLst>
           </p:cNvPr>
@@ -12031,7 +12031,7 @@
           <p:cNvPr id="10" name="Subtitle 2">
             <a:extLst>
               <a:ext uri="{FF2B5EF4-FFF2-40B4-BE49-F238E27FC236}">
-                <a16:creationId xmlns:a16="http://schemas.microsoft.com/office/drawing/2014/main" id="{3FAEED1D-0E66-4F74-9455-675F5CB7EAD4}"/>
+                <a16:creationId xmlns:a16="http://schemas.microsoft.com/office/drawing/2014/main" xmlns="" id="{3FAEED1D-0E66-4F74-9455-675F5CB7EAD4}"/>
               </a:ext>
             </a:extLst>
           </p:cNvPr>
@@ -12095,7 +12095,7 @@
           <p:cNvPr id="3" name="Content Placeholder 2">
             <a:extLst>
               <a:ext uri="{FF2B5EF4-FFF2-40B4-BE49-F238E27FC236}">
-                <a16:creationId xmlns:a16="http://schemas.microsoft.com/office/drawing/2014/main" id="{A22238F2-C6EC-476F-8371-119AECBA5622}"/>
+                <a16:creationId xmlns:a16="http://schemas.microsoft.com/office/drawing/2014/main" xmlns="" id="{A22238F2-C6EC-476F-8371-119AECBA5622}"/>
               </a:ext>
             </a:extLst>
           </p:cNvPr>
@@ -12208,7 +12208,7 @@
           <p:cNvPr id="4" name="Footer Placeholder 3">
             <a:extLst>
               <a:ext uri="{FF2B5EF4-FFF2-40B4-BE49-F238E27FC236}">
-                <a16:creationId xmlns:a16="http://schemas.microsoft.com/office/drawing/2014/main" id="{57847F90-9DB6-4832-9EB7-393AADAE8B70}"/>
+                <a16:creationId xmlns:a16="http://schemas.microsoft.com/office/drawing/2014/main" xmlns="" id="{57847F90-9DB6-4832-9EB7-393AADAE8B70}"/>
               </a:ext>
             </a:extLst>
           </p:cNvPr>
@@ -12236,7 +12236,7 @@
           <p:cNvPr id="5" name="Slide Number Placeholder 4">
             <a:extLst>
               <a:ext uri="{FF2B5EF4-FFF2-40B4-BE49-F238E27FC236}">
-                <a16:creationId xmlns:a16="http://schemas.microsoft.com/office/drawing/2014/main" id="{0505ED12-A431-4761-87A4-F05164BE0221}"/>
+                <a16:creationId xmlns:a16="http://schemas.microsoft.com/office/drawing/2014/main" xmlns="" id="{0505ED12-A431-4761-87A4-F05164BE0221}"/>
               </a:ext>
             </a:extLst>
           </p:cNvPr>
@@ -12266,7 +12266,7 @@
           <p:cNvPr id="8" name="Rectangle 7">
             <a:extLst>
               <a:ext uri="{FF2B5EF4-FFF2-40B4-BE49-F238E27FC236}">
-                <a16:creationId xmlns:a16="http://schemas.microsoft.com/office/drawing/2014/main" id="{1508F53F-6AA2-4060-904A-BC90211DC043}"/>
+                <a16:creationId xmlns:a16="http://schemas.microsoft.com/office/drawing/2014/main" xmlns="" id="{1508F53F-6AA2-4060-904A-BC90211DC043}"/>
               </a:ext>
             </a:extLst>
           </p:cNvPr>
@@ -12348,7 +12348,7 @@
           <p:cNvPr id="2" name="Title 1">
             <a:extLst>
               <a:ext uri="{FF2B5EF4-FFF2-40B4-BE49-F238E27FC236}">
-                <a16:creationId xmlns:a16="http://schemas.microsoft.com/office/drawing/2014/main" id="{40EE479C-D1F6-4BAC-80D2-90EF74E3261A}"/>
+                <a16:creationId xmlns:a16="http://schemas.microsoft.com/office/drawing/2014/main" xmlns="" id="{40EE479C-D1F6-4BAC-80D2-90EF74E3261A}"/>
               </a:ext>
             </a:extLst>
           </p:cNvPr>
@@ -12392,7 +12392,7 @@
           <p:cNvPr id="4" name="Footer Placeholder 3">
             <a:extLst>
               <a:ext uri="{FF2B5EF4-FFF2-40B4-BE49-F238E27FC236}">
-                <a16:creationId xmlns:a16="http://schemas.microsoft.com/office/drawing/2014/main" id="{57847F90-9DB6-4832-9EB7-393AADAE8B70}"/>
+                <a16:creationId xmlns:a16="http://schemas.microsoft.com/office/drawing/2014/main" xmlns="" id="{57847F90-9DB6-4832-9EB7-393AADAE8B70}"/>
               </a:ext>
             </a:extLst>
           </p:cNvPr>
@@ -12420,7 +12420,7 @@
           <p:cNvPr id="5" name="Slide Number Placeholder 4">
             <a:extLst>
               <a:ext uri="{FF2B5EF4-FFF2-40B4-BE49-F238E27FC236}">
-                <a16:creationId xmlns:a16="http://schemas.microsoft.com/office/drawing/2014/main" id="{F64CFC6C-1D8B-46C9-B0F7-A8BD88D8AB46}"/>
+                <a16:creationId xmlns:a16="http://schemas.microsoft.com/office/drawing/2014/main" xmlns="" id="{F64CFC6C-1D8B-46C9-B0F7-A8BD88D8AB46}"/>
               </a:ext>
             </a:extLst>
           </p:cNvPr>
@@ -12450,10 +12450,10 @@
           <p:cNvPr id="11" name="Rectangle 10" descr="Accent block left">
             <a:extLst>
               <a:ext uri="{FF2B5EF4-FFF2-40B4-BE49-F238E27FC236}">
-                <a16:creationId xmlns:a16="http://schemas.microsoft.com/office/drawing/2014/main" id="{48A1A904-FE62-4BE3-BAE9-0EEAE7B1E38C}"/>
+                <a16:creationId xmlns:a16="http://schemas.microsoft.com/office/drawing/2014/main" xmlns="" id="{48A1A904-FE62-4BE3-BAE9-0EEAE7B1E38C}"/>
               </a:ext>
               <a:ext uri="{C183D7F6-B498-43B3-948B-1728B52AA6E4}">
-                <adec:decorative xmlns:adec="http://schemas.microsoft.com/office/drawing/2017/decorative" val="1"/>
+                <adec:decorative xmlns:adec="http://schemas.microsoft.com/office/drawing/2017/decorative" xmlns="" val="1"/>
               </a:ext>
             </a:extLst>
           </p:cNvPr>
@@ -12505,7 +12505,7 @@
           <p:cNvPr id="14" name="Content Placeholder 2">
             <a:extLst>
               <a:ext uri="{FF2B5EF4-FFF2-40B4-BE49-F238E27FC236}">
-                <a16:creationId xmlns:a16="http://schemas.microsoft.com/office/drawing/2014/main" id="{85B68CA9-AC4C-4D15-9BA1-A9F1AC5606DA}"/>
+                <a16:creationId xmlns:a16="http://schemas.microsoft.com/office/drawing/2014/main" xmlns="" id="{85B68CA9-AC4C-4D15-9BA1-A9F1AC5606DA}"/>
               </a:ext>
             </a:extLst>
           </p:cNvPr>
@@ -12595,7 +12595,7 @@
           <p:cNvPr id="15" name="Text Placeholder 3">
             <a:extLst>
               <a:ext uri="{FF2B5EF4-FFF2-40B4-BE49-F238E27FC236}">
-                <a16:creationId xmlns:a16="http://schemas.microsoft.com/office/drawing/2014/main" id="{29B24D8A-D8A5-4F57-A260-A4CF75FCB3BD}"/>
+                <a16:creationId xmlns:a16="http://schemas.microsoft.com/office/drawing/2014/main" xmlns="" id="{29B24D8A-D8A5-4F57-A260-A4CF75FCB3BD}"/>
               </a:ext>
             </a:extLst>
           </p:cNvPr>
@@ -12696,7 +12696,7 @@
           <p:cNvPr id="2" name="Title 1">
             <a:extLst>
               <a:ext uri="{FF2B5EF4-FFF2-40B4-BE49-F238E27FC236}">
-                <a16:creationId xmlns:a16="http://schemas.microsoft.com/office/drawing/2014/main" id="{40EE479C-D1F6-4BAC-80D2-90EF74E3261A}"/>
+                <a16:creationId xmlns:a16="http://schemas.microsoft.com/office/drawing/2014/main" xmlns="" id="{40EE479C-D1F6-4BAC-80D2-90EF74E3261A}"/>
               </a:ext>
             </a:extLst>
           </p:cNvPr>
@@ -12740,7 +12740,7 @@
           <p:cNvPr id="4" name="Footer Placeholder 3">
             <a:extLst>
               <a:ext uri="{FF2B5EF4-FFF2-40B4-BE49-F238E27FC236}">
-                <a16:creationId xmlns:a16="http://schemas.microsoft.com/office/drawing/2014/main" id="{57847F90-9DB6-4832-9EB7-393AADAE8B70}"/>
+                <a16:creationId xmlns:a16="http://schemas.microsoft.com/office/drawing/2014/main" xmlns="" id="{57847F90-9DB6-4832-9EB7-393AADAE8B70}"/>
               </a:ext>
             </a:extLst>
           </p:cNvPr>
@@ -12768,7 +12768,7 @@
           <p:cNvPr id="5" name="Slide Number Placeholder 4">
             <a:extLst>
               <a:ext uri="{FF2B5EF4-FFF2-40B4-BE49-F238E27FC236}">
-                <a16:creationId xmlns:a16="http://schemas.microsoft.com/office/drawing/2014/main" id="{F64CFC6C-1D8B-46C9-B0F7-A8BD88D8AB46}"/>
+                <a16:creationId xmlns:a16="http://schemas.microsoft.com/office/drawing/2014/main" xmlns="" id="{F64CFC6C-1D8B-46C9-B0F7-A8BD88D8AB46}"/>
               </a:ext>
             </a:extLst>
           </p:cNvPr>
@@ -12798,10 +12798,10 @@
           <p:cNvPr id="11" name="Rectangle 10" descr="Accent block left">
             <a:extLst>
               <a:ext uri="{FF2B5EF4-FFF2-40B4-BE49-F238E27FC236}">
-                <a16:creationId xmlns:a16="http://schemas.microsoft.com/office/drawing/2014/main" id="{48A1A904-FE62-4BE3-BAE9-0EEAE7B1E38C}"/>
+                <a16:creationId xmlns:a16="http://schemas.microsoft.com/office/drawing/2014/main" xmlns="" id="{48A1A904-FE62-4BE3-BAE9-0EEAE7B1E38C}"/>
               </a:ext>
               <a:ext uri="{C183D7F6-B498-43B3-948B-1728B52AA6E4}">
-                <adec:decorative xmlns:adec="http://schemas.microsoft.com/office/drawing/2017/decorative" val="1"/>
+                <adec:decorative xmlns:adec="http://schemas.microsoft.com/office/drawing/2017/decorative" xmlns="" val="1"/>
               </a:ext>
             </a:extLst>
           </p:cNvPr>
@@ -12853,7 +12853,7 @@
           <p:cNvPr id="9" name="Text Placeholder 3">
             <a:extLst>
               <a:ext uri="{FF2B5EF4-FFF2-40B4-BE49-F238E27FC236}">
-                <a16:creationId xmlns:a16="http://schemas.microsoft.com/office/drawing/2014/main" id="{3E50A411-2E68-4F4D-B4BC-62E87C633658}"/>
+                <a16:creationId xmlns:a16="http://schemas.microsoft.com/office/drawing/2014/main" xmlns="" id="{3E50A411-2E68-4F4D-B4BC-62E87C633658}"/>
               </a:ext>
             </a:extLst>
           </p:cNvPr>
@@ -12924,7 +12924,7 @@
           <p:cNvPr id="10" name="Picture Placeholder 2">
             <a:extLst>
               <a:ext uri="{FF2B5EF4-FFF2-40B4-BE49-F238E27FC236}">
-                <a16:creationId xmlns:a16="http://schemas.microsoft.com/office/drawing/2014/main" id="{2FBF39A8-0BD5-48FD-9993-F595D4F727C1}"/>
+                <a16:creationId xmlns:a16="http://schemas.microsoft.com/office/drawing/2014/main" xmlns="" id="{2FBF39A8-0BD5-48FD-9993-F595D4F727C1}"/>
               </a:ext>
             </a:extLst>
           </p:cNvPr>
@@ -13024,7 +13024,7 @@
           <p:cNvPr id="2" name="Title 1">
             <a:extLst>
               <a:ext uri="{FF2B5EF4-FFF2-40B4-BE49-F238E27FC236}">
-                <a16:creationId xmlns:a16="http://schemas.microsoft.com/office/drawing/2014/main" id="{5FC626A5-4FF6-42BD-858A-AE4B2C23A6BC}"/>
+                <a16:creationId xmlns:a16="http://schemas.microsoft.com/office/drawing/2014/main" xmlns="" id="{5FC626A5-4FF6-42BD-858A-AE4B2C23A6BC}"/>
               </a:ext>
             </a:extLst>
           </p:cNvPr>
@@ -13063,7 +13063,7 @@
           <p:cNvPr id="5" name="Subtitle 2">
             <a:extLst>
               <a:ext uri="{FF2B5EF4-FFF2-40B4-BE49-F238E27FC236}">
-                <a16:creationId xmlns:a16="http://schemas.microsoft.com/office/drawing/2014/main" id="{10727B06-56A8-44A2-B6C2-9ED183D107F3}"/>
+                <a16:creationId xmlns:a16="http://schemas.microsoft.com/office/drawing/2014/main" xmlns="" id="{10727B06-56A8-44A2-B6C2-9ED183D107F3}"/>
               </a:ext>
             </a:extLst>
           </p:cNvPr>
@@ -13118,7 +13118,7 @@
           <p:cNvPr id="3" name="Footer Placeholder 2">
             <a:extLst>
               <a:ext uri="{FF2B5EF4-FFF2-40B4-BE49-F238E27FC236}">
-                <a16:creationId xmlns:a16="http://schemas.microsoft.com/office/drawing/2014/main" id="{08CCB8C2-B6A2-4C69-8D3A-57420A034BA4}"/>
+                <a16:creationId xmlns:a16="http://schemas.microsoft.com/office/drawing/2014/main" xmlns="" id="{08CCB8C2-B6A2-4C69-8D3A-57420A034BA4}"/>
               </a:ext>
             </a:extLst>
           </p:cNvPr>
@@ -13146,7 +13146,7 @@
           <p:cNvPr id="4" name="Slide Number Placeholder 3">
             <a:extLst>
               <a:ext uri="{FF2B5EF4-FFF2-40B4-BE49-F238E27FC236}">
-                <a16:creationId xmlns:a16="http://schemas.microsoft.com/office/drawing/2014/main" id="{853CF994-8B2C-443F-B695-7378DD360DAA}"/>
+                <a16:creationId xmlns:a16="http://schemas.microsoft.com/office/drawing/2014/main" xmlns="" id="{853CF994-8B2C-443F-B695-7378DD360DAA}"/>
               </a:ext>
             </a:extLst>
           </p:cNvPr>
@@ -13176,7 +13176,7 @@
           <p:cNvPr id="8" name="Chart 7" title="Gross Revenue Placeholder Chart">
             <a:extLst>
               <a:ext uri="{FF2B5EF4-FFF2-40B4-BE49-F238E27FC236}">
-                <a16:creationId xmlns:a16="http://schemas.microsoft.com/office/drawing/2014/main" id="{0F60C5FF-F2F2-4EA7-ADED-E162A5B82B4C}"/>
+                <a16:creationId xmlns:a16="http://schemas.microsoft.com/office/drawing/2014/main" xmlns="" id="{0F60C5FF-F2F2-4EA7-ADED-E162A5B82B4C}"/>
               </a:ext>
             </a:extLst>
           </p:cNvPr>
@@ -13204,7 +13204,7 @@
           <p:cNvPr id="9" name="Chart 8" title="Gross Revenue Placeholder Chart">
             <a:extLst>
               <a:ext uri="{FF2B5EF4-FFF2-40B4-BE49-F238E27FC236}">
-                <a16:creationId xmlns:a16="http://schemas.microsoft.com/office/drawing/2014/main" id="{D5AA46A9-40E0-4FA5-BFED-6D14ED62EFFB}"/>
+                <a16:creationId xmlns:a16="http://schemas.microsoft.com/office/drawing/2014/main" xmlns="" id="{D5AA46A9-40E0-4FA5-BFED-6D14ED62EFFB}"/>
               </a:ext>
             </a:extLst>
           </p:cNvPr>
@@ -13232,7 +13232,7 @@
           <p:cNvPr id="10" name="Chart 9" title="Gross Revenue Placeholder Chart">
             <a:extLst>
               <a:ext uri="{FF2B5EF4-FFF2-40B4-BE49-F238E27FC236}">
-                <a16:creationId xmlns:a16="http://schemas.microsoft.com/office/drawing/2014/main" id="{F7175363-BD78-41A0-92CF-0F9E5A14568A}"/>
+                <a16:creationId xmlns:a16="http://schemas.microsoft.com/office/drawing/2014/main" xmlns="" id="{F7175363-BD78-41A0-92CF-0F9E5A14568A}"/>
               </a:ext>
             </a:extLst>
           </p:cNvPr>
@@ -13290,7 +13290,7 @@
           <p:cNvPr id="2" name="Footer Placeholder 1">
             <a:extLst>
               <a:ext uri="{FF2B5EF4-FFF2-40B4-BE49-F238E27FC236}">
-                <a16:creationId xmlns:a16="http://schemas.microsoft.com/office/drawing/2014/main" id="{16D0504D-4610-4E9E-A2DB-8B701F044BBC}"/>
+                <a16:creationId xmlns:a16="http://schemas.microsoft.com/office/drawing/2014/main" xmlns="" id="{16D0504D-4610-4E9E-A2DB-8B701F044BBC}"/>
               </a:ext>
             </a:extLst>
           </p:cNvPr>
@@ -13318,7 +13318,7 @@
           <p:cNvPr id="3" name="Slide Number Placeholder 2">
             <a:extLst>
               <a:ext uri="{FF2B5EF4-FFF2-40B4-BE49-F238E27FC236}">
-                <a16:creationId xmlns:a16="http://schemas.microsoft.com/office/drawing/2014/main" id="{A95CDFA7-DEA3-4BBE-8D70-0AF654A1E6FF}"/>
+                <a16:creationId xmlns:a16="http://schemas.microsoft.com/office/drawing/2014/main" xmlns="" id="{A95CDFA7-DEA3-4BBE-8D70-0AF654A1E6FF}"/>
               </a:ext>
             </a:extLst>
           </p:cNvPr>
@@ -13348,7 +13348,7 @@
           <p:cNvPr id="4" name="Title 3">
             <a:extLst>
               <a:ext uri="{FF2B5EF4-FFF2-40B4-BE49-F238E27FC236}">
-                <a16:creationId xmlns:a16="http://schemas.microsoft.com/office/drawing/2014/main" id="{90694D9D-C633-4D52-965E-E5BBD9883037}"/>
+                <a16:creationId xmlns:a16="http://schemas.microsoft.com/office/drawing/2014/main" xmlns="" id="{90694D9D-C633-4D52-965E-E5BBD9883037}"/>
               </a:ext>
             </a:extLst>
           </p:cNvPr>
@@ -13406,7 +13406,7 @@
           <p:cNvPr id="2" name="Footer Placeholder 1">
             <a:extLst>
               <a:ext uri="{FF2B5EF4-FFF2-40B4-BE49-F238E27FC236}">
-                <a16:creationId xmlns:a16="http://schemas.microsoft.com/office/drawing/2014/main" id="{16D0504D-4610-4E9E-A2DB-8B701F044BBC}"/>
+                <a16:creationId xmlns:a16="http://schemas.microsoft.com/office/drawing/2014/main" xmlns="" id="{16D0504D-4610-4E9E-A2DB-8B701F044BBC}"/>
               </a:ext>
             </a:extLst>
           </p:cNvPr>
@@ -13434,7 +13434,7 @@
           <p:cNvPr id="3" name="Slide Number Placeholder 2">
             <a:extLst>
               <a:ext uri="{FF2B5EF4-FFF2-40B4-BE49-F238E27FC236}">
-                <a16:creationId xmlns:a16="http://schemas.microsoft.com/office/drawing/2014/main" id="{A95CDFA7-DEA3-4BBE-8D70-0AF654A1E6FF}"/>
+                <a16:creationId xmlns:a16="http://schemas.microsoft.com/office/drawing/2014/main" xmlns="" id="{A95CDFA7-DEA3-4BBE-8D70-0AF654A1E6FF}"/>
               </a:ext>
             </a:extLst>
           </p:cNvPr>
@@ -13464,7 +13464,7 @@
           <p:cNvPr id="4" name="Title 3">
             <a:extLst>
               <a:ext uri="{FF2B5EF4-FFF2-40B4-BE49-F238E27FC236}">
-                <a16:creationId xmlns:a16="http://schemas.microsoft.com/office/drawing/2014/main" id="{90694D9D-C633-4D52-965E-E5BBD9883037}"/>
+                <a16:creationId xmlns:a16="http://schemas.microsoft.com/office/drawing/2014/main" xmlns="" id="{90694D9D-C633-4D52-965E-E5BBD9883037}"/>
               </a:ext>
             </a:extLst>
           </p:cNvPr>
@@ -13492,7 +13492,7 @@
           <p:cNvPr id="6" name="Text Placeholder 5">
             <a:extLst>
               <a:ext uri="{FF2B5EF4-FFF2-40B4-BE49-F238E27FC236}">
-                <a16:creationId xmlns:a16="http://schemas.microsoft.com/office/drawing/2014/main" id="{0DB3A426-6D4A-4D91-ACD6-A2C25BAE44E3}"/>
+                <a16:creationId xmlns:a16="http://schemas.microsoft.com/office/drawing/2014/main" xmlns="" id="{0DB3A426-6D4A-4D91-ACD6-A2C25BAE44E3}"/>
               </a:ext>
             </a:extLst>
           </p:cNvPr>
@@ -13565,7 +13565,7 @@
           <p:cNvPr id="2" name="Footer Placeholder 1">
             <a:extLst>
               <a:ext uri="{FF2B5EF4-FFF2-40B4-BE49-F238E27FC236}">
-                <a16:creationId xmlns:a16="http://schemas.microsoft.com/office/drawing/2014/main" id="{16D0504D-4610-4E9E-A2DB-8B701F044BBC}"/>
+                <a16:creationId xmlns:a16="http://schemas.microsoft.com/office/drawing/2014/main" xmlns="" id="{16D0504D-4610-4E9E-A2DB-8B701F044BBC}"/>
               </a:ext>
             </a:extLst>
           </p:cNvPr>
@@ -13593,7 +13593,7 @@
           <p:cNvPr id="3" name="Slide Number Placeholder 2">
             <a:extLst>
               <a:ext uri="{FF2B5EF4-FFF2-40B4-BE49-F238E27FC236}">
-                <a16:creationId xmlns:a16="http://schemas.microsoft.com/office/drawing/2014/main" id="{A95CDFA7-DEA3-4BBE-8D70-0AF654A1E6FF}"/>
+                <a16:creationId xmlns:a16="http://schemas.microsoft.com/office/drawing/2014/main" xmlns="" id="{A95CDFA7-DEA3-4BBE-8D70-0AF654A1E6FF}"/>
               </a:ext>
             </a:extLst>
           </p:cNvPr>
@@ -13653,7 +13653,7 @@
           <p:cNvPr id="7" name="Picture Placeholder 6">
             <a:extLst>
               <a:ext uri="{FF2B5EF4-FFF2-40B4-BE49-F238E27FC236}">
-                <a16:creationId xmlns:a16="http://schemas.microsoft.com/office/drawing/2014/main" id="{890ED7CE-A9D2-4D19-B978-56BFB74E657C}"/>
+                <a16:creationId xmlns:a16="http://schemas.microsoft.com/office/drawing/2014/main" xmlns="" id="{890ED7CE-A9D2-4D19-B978-56BFB74E657C}"/>
               </a:ext>
             </a:extLst>
           </p:cNvPr>
@@ -13699,7 +13699,7 @@
           <p:cNvPr id="2" name="Title 1">
             <a:extLst>
               <a:ext uri="{FF2B5EF4-FFF2-40B4-BE49-F238E27FC236}">
-                <a16:creationId xmlns:a16="http://schemas.microsoft.com/office/drawing/2014/main" id="{40EE479C-D1F6-4BAC-80D2-90EF74E3261A}"/>
+                <a16:creationId xmlns:a16="http://schemas.microsoft.com/office/drawing/2014/main" xmlns="" id="{40EE479C-D1F6-4BAC-80D2-90EF74E3261A}"/>
               </a:ext>
             </a:extLst>
           </p:cNvPr>
@@ -13748,7 +13748,7 @@
           <p:cNvPr id="10" name="Subtitle 2">
             <a:extLst>
               <a:ext uri="{FF2B5EF4-FFF2-40B4-BE49-F238E27FC236}">
-                <a16:creationId xmlns:a16="http://schemas.microsoft.com/office/drawing/2014/main" id="{3FAEED1D-0E66-4F74-9455-675F5CB7EAD4}"/>
+                <a16:creationId xmlns:a16="http://schemas.microsoft.com/office/drawing/2014/main" xmlns="" id="{3FAEED1D-0E66-4F74-9455-675F5CB7EAD4}"/>
               </a:ext>
             </a:extLst>
           </p:cNvPr>
@@ -13812,7 +13812,7 @@
           <p:cNvPr id="3" name="Content Placeholder 2">
             <a:extLst>
               <a:ext uri="{FF2B5EF4-FFF2-40B4-BE49-F238E27FC236}">
-                <a16:creationId xmlns:a16="http://schemas.microsoft.com/office/drawing/2014/main" id="{A22238F2-C6EC-476F-8371-119AECBA5622}"/>
+                <a16:creationId xmlns:a16="http://schemas.microsoft.com/office/drawing/2014/main" xmlns="" id="{A22238F2-C6EC-476F-8371-119AECBA5622}"/>
               </a:ext>
             </a:extLst>
           </p:cNvPr>
@@ -13925,7 +13925,7 @@
           <p:cNvPr id="4" name="Footer Placeholder 3">
             <a:extLst>
               <a:ext uri="{FF2B5EF4-FFF2-40B4-BE49-F238E27FC236}">
-                <a16:creationId xmlns:a16="http://schemas.microsoft.com/office/drawing/2014/main" id="{57847F90-9DB6-4832-9EB7-393AADAE8B70}"/>
+                <a16:creationId xmlns:a16="http://schemas.microsoft.com/office/drawing/2014/main" xmlns="" id="{57847F90-9DB6-4832-9EB7-393AADAE8B70}"/>
               </a:ext>
             </a:extLst>
           </p:cNvPr>
@@ -13953,7 +13953,7 @@
           <p:cNvPr id="5" name="Slide Number Placeholder 4">
             <a:extLst>
               <a:ext uri="{FF2B5EF4-FFF2-40B4-BE49-F238E27FC236}">
-                <a16:creationId xmlns:a16="http://schemas.microsoft.com/office/drawing/2014/main" id="{0505ED12-A431-4761-87A4-F05164BE0221}"/>
+                <a16:creationId xmlns:a16="http://schemas.microsoft.com/office/drawing/2014/main" xmlns="" id="{0505ED12-A431-4761-87A4-F05164BE0221}"/>
               </a:ext>
             </a:extLst>
           </p:cNvPr>
@@ -13983,7 +13983,7 @@
           <p:cNvPr id="8" name="Rectangle 7">
             <a:extLst>
               <a:ext uri="{FF2B5EF4-FFF2-40B4-BE49-F238E27FC236}">
-                <a16:creationId xmlns:a16="http://schemas.microsoft.com/office/drawing/2014/main" id="{FA5285E0-8F27-49C4-AADF-92A3B72D41FD}"/>
+                <a16:creationId xmlns:a16="http://schemas.microsoft.com/office/drawing/2014/main" xmlns="" id="{FA5285E0-8F27-49C4-AADF-92A3B72D41FD}"/>
               </a:ext>
             </a:extLst>
           </p:cNvPr>
@@ -14075,7 +14075,7 @@
           <p:cNvPr id="41" name="Picture Placeholder 40">
             <a:extLst>
               <a:ext uri="{FF2B5EF4-FFF2-40B4-BE49-F238E27FC236}">
-                <a16:creationId xmlns:a16="http://schemas.microsoft.com/office/drawing/2014/main" id="{EB7F0EE8-BE52-4A79-8FC8-4A2487FA01FC}"/>
+                <a16:creationId xmlns:a16="http://schemas.microsoft.com/office/drawing/2014/main" xmlns="" id="{EB7F0EE8-BE52-4A79-8FC8-4A2487FA01FC}"/>
               </a:ext>
             </a:extLst>
           </p:cNvPr>
@@ -14128,7 +14128,7 @@
           <p:cNvPr id="2" name="Title 1">
             <a:extLst>
               <a:ext uri="{FF2B5EF4-FFF2-40B4-BE49-F238E27FC236}">
-                <a16:creationId xmlns:a16="http://schemas.microsoft.com/office/drawing/2014/main" id="{00F23EB7-E336-46EB-A4A0-3DB7A6BF4CE1}"/>
+                <a16:creationId xmlns:a16="http://schemas.microsoft.com/office/drawing/2014/main" xmlns="" id="{00F23EB7-E336-46EB-A4A0-3DB7A6BF4CE1}"/>
               </a:ext>
             </a:extLst>
           </p:cNvPr>
@@ -14171,7 +14171,7 @@
           <p:cNvPr id="7" name="Subtitle 2">
             <a:extLst>
               <a:ext uri="{FF2B5EF4-FFF2-40B4-BE49-F238E27FC236}">
-                <a16:creationId xmlns:a16="http://schemas.microsoft.com/office/drawing/2014/main" id="{9E4D4535-D519-40ED-B8A4-2EA1276BB652}"/>
+                <a16:creationId xmlns:a16="http://schemas.microsoft.com/office/drawing/2014/main" xmlns="" id="{9E4D4535-D519-40ED-B8A4-2EA1276BB652}"/>
               </a:ext>
             </a:extLst>
           </p:cNvPr>
@@ -14251,7 +14251,7 @@
           <p:cNvPr id="4" name="Footer Placeholder 3">
             <a:extLst>
               <a:ext uri="{FF2B5EF4-FFF2-40B4-BE49-F238E27FC236}">
-                <a16:creationId xmlns:a16="http://schemas.microsoft.com/office/drawing/2014/main" id="{6816FE98-6A12-44EC-8485-8B5EFABDF9B2}"/>
+                <a16:creationId xmlns:a16="http://schemas.microsoft.com/office/drawing/2014/main" xmlns="" id="{6816FE98-6A12-44EC-8485-8B5EFABDF9B2}"/>
               </a:ext>
             </a:extLst>
           </p:cNvPr>
@@ -14279,7 +14279,7 @@
           <p:cNvPr id="8" name="Rectangle 7">
             <a:extLst>
               <a:ext uri="{FF2B5EF4-FFF2-40B4-BE49-F238E27FC236}">
-                <a16:creationId xmlns:a16="http://schemas.microsoft.com/office/drawing/2014/main" id="{51DD44D8-4A8F-4693-B90A-166855B29D25}"/>
+                <a16:creationId xmlns:a16="http://schemas.microsoft.com/office/drawing/2014/main" xmlns="" id="{51DD44D8-4A8F-4693-B90A-166855B29D25}"/>
               </a:ext>
             </a:extLst>
           </p:cNvPr>
@@ -14328,7 +14328,7 @@
           <p:cNvPr id="13" name="Rectangle 12">
             <a:extLst>
               <a:ext uri="{FF2B5EF4-FFF2-40B4-BE49-F238E27FC236}">
-                <a16:creationId xmlns:a16="http://schemas.microsoft.com/office/drawing/2014/main" id="{EC0FBB1B-4F0E-4365-BF27-3150FC6C3B90}"/>
+                <a16:creationId xmlns:a16="http://schemas.microsoft.com/office/drawing/2014/main" xmlns="" id="{EC0FBB1B-4F0E-4365-BF27-3150FC6C3B90}"/>
               </a:ext>
             </a:extLst>
           </p:cNvPr>
@@ -14382,7 +14382,7 @@
           <p:cNvPr id="14" name="Rectangle 13">
             <a:extLst>
               <a:ext uri="{FF2B5EF4-FFF2-40B4-BE49-F238E27FC236}">
-                <a16:creationId xmlns:a16="http://schemas.microsoft.com/office/drawing/2014/main" id="{7A13D8A8-6C3D-4527-959D-41C3213F7F02}"/>
+                <a16:creationId xmlns:a16="http://schemas.microsoft.com/office/drawing/2014/main" xmlns="" id="{7A13D8A8-6C3D-4527-959D-41C3213F7F02}"/>
               </a:ext>
             </a:extLst>
           </p:cNvPr>
@@ -14434,7 +14434,7 @@
           <p:cNvPr id="15" name="Rectangle 14">
             <a:extLst>
               <a:ext uri="{FF2B5EF4-FFF2-40B4-BE49-F238E27FC236}">
-                <a16:creationId xmlns:a16="http://schemas.microsoft.com/office/drawing/2014/main" id="{9504A767-1C0B-484E-BF7D-CD42D30A52EE}"/>
+                <a16:creationId xmlns:a16="http://schemas.microsoft.com/office/drawing/2014/main" xmlns="" id="{9504A767-1C0B-484E-BF7D-CD42D30A52EE}"/>
               </a:ext>
             </a:extLst>
           </p:cNvPr>
@@ -14486,7 +14486,7 @@
           <p:cNvPr id="5" name="Slide Number Placeholder 4">
             <a:extLst>
               <a:ext uri="{FF2B5EF4-FFF2-40B4-BE49-F238E27FC236}">
-                <a16:creationId xmlns:a16="http://schemas.microsoft.com/office/drawing/2014/main" id="{F50EF489-F21B-4E7C-9A44-D3CC8DC34F5F}"/>
+                <a16:creationId xmlns:a16="http://schemas.microsoft.com/office/drawing/2014/main" xmlns="" id="{F50EF489-F21B-4E7C-9A44-D3CC8DC34F5F}"/>
               </a:ext>
             </a:extLst>
           </p:cNvPr>
@@ -14546,7 +14546,7 @@
           <p:cNvPr id="2" name="Title 1">
             <a:extLst>
               <a:ext uri="{FF2B5EF4-FFF2-40B4-BE49-F238E27FC236}">
-                <a16:creationId xmlns:a16="http://schemas.microsoft.com/office/drawing/2014/main" id="{3F288DD7-6DAF-436D-B04A-EBCCAA36917C}"/>
+                <a16:creationId xmlns:a16="http://schemas.microsoft.com/office/drawing/2014/main" xmlns="" id="{3F288DD7-6DAF-436D-B04A-EBCCAA36917C}"/>
               </a:ext>
             </a:extLst>
           </p:cNvPr>
@@ -14590,7 +14590,7 @@
           <p:cNvPr id="9" name="Subtitle 2">
             <a:extLst>
               <a:ext uri="{FF2B5EF4-FFF2-40B4-BE49-F238E27FC236}">
-                <a16:creationId xmlns:a16="http://schemas.microsoft.com/office/drawing/2014/main" id="{E4633398-8EC3-417B-BEA6-101D8F224678}"/>
+                <a16:creationId xmlns:a16="http://schemas.microsoft.com/office/drawing/2014/main" xmlns="" id="{E4633398-8EC3-417B-BEA6-101D8F224678}"/>
               </a:ext>
             </a:extLst>
           </p:cNvPr>
@@ -14645,7 +14645,7 @@
           <p:cNvPr id="3" name="Comparison Left Placeholder 1">
             <a:extLst>
               <a:ext uri="{FF2B5EF4-FFF2-40B4-BE49-F238E27FC236}">
-                <a16:creationId xmlns:a16="http://schemas.microsoft.com/office/drawing/2014/main" id="{9322B50D-6A7D-41C6-BA57-613BC231DF36}"/>
+                <a16:creationId xmlns:a16="http://schemas.microsoft.com/office/drawing/2014/main" xmlns="" id="{9322B50D-6A7D-41C6-BA57-613BC231DF36}"/>
               </a:ext>
             </a:extLst>
           </p:cNvPr>
@@ -14723,7 +14723,7 @@
           <p:cNvPr id="4" name="Content Placeholder 2">
             <a:extLst>
               <a:ext uri="{FF2B5EF4-FFF2-40B4-BE49-F238E27FC236}">
-                <a16:creationId xmlns:a16="http://schemas.microsoft.com/office/drawing/2014/main" id="{9FD584DA-F775-47B8-A1D7-6556AD5FCBD2}"/>
+                <a16:creationId xmlns:a16="http://schemas.microsoft.com/office/drawing/2014/main" xmlns="" id="{9FD584DA-F775-47B8-A1D7-6556AD5FCBD2}"/>
               </a:ext>
             </a:extLst>
           </p:cNvPr>
@@ -14836,7 +14836,7 @@
           <p:cNvPr id="12" name="Comparison Left Placeholder 2">
             <a:extLst>
               <a:ext uri="{FF2B5EF4-FFF2-40B4-BE49-F238E27FC236}">
-                <a16:creationId xmlns:a16="http://schemas.microsoft.com/office/drawing/2014/main" id="{78A963F8-6F6E-440E-B3B3-DDE13C083A36}"/>
+                <a16:creationId xmlns:a16="http://schemas.microsoft.com/office/drawing/2014/main" xmlns="" id="{78A963F8-6F6E-440E-B3B3-DDE13C083A36}"/>
               </a:ext>
             </a:extLst>
           </p:cNvPr>
@@ -14875,7 +14875,7 @@
           <p:cNvPr id="8" name="Text Placeholder 4">
             <a:extLst>
               <a:ext uri="{FF2B5EF4-FFF2-40B4-BE49-F238E27FC236}">
-                <a16:creationId xmlns:a16="http://schemas.microsoft.com/office/drawing/2014/main" id="{DF0A5256-B267-47DA-858A-0F3867CB6139}"/>
+                <a16:creationId xmlns:a16="http://schemas.microsoft.com/office/drawing/2014/main" xmlns="" id="{DF0A5256-B267-47DA-858A-0F3867CB6139}"/>
               </a:ext>
             </a:extLst>
           </p:cNvPr>
@@ -14937,7 +14937,7 @@
           <p:cNvPr id="5" name="Footer Placeholder 4">
             <a:extLst>
               <a:ext uri="{FF2B5EF4-FFF2-40B4-BE49-F238E27FC236}">
-                <a16:creationId xmlns:a16="http://schemas.microsoft.com/office/drawing/2014/main" id="{646B8F99-FAB0-4B33-87ED-9FF46D11A907}"/>
+                <a16:creationId xmlns:a16="http://schemas.microsoft.com/office/drawing/2014/main" xmlns="" id="{646B8F99-FAB0-4B33-87ED-9FF46D11A907}"/>
               </a:ext>
             </a:extLst>
           </p:cNvPr>
@@ -14965,7 +14965,7 @@
           <p:cNvPr id="6" name="Slide Number Placeholder 5">
             <a:extLst>
               <a:ext uri="{FF2B5EF4-FFF2-40B4-BE49-F238E27FC236}">
-                <a16:creationId xmlns:a16="http://schemas.microsoft.com/office/drawing/2014/main" id="{18733E7E-50D2-4F6C-9DF2-CF4C98C4B847}"/>
+                <a16:creationId xmlns:a16="http://schemas.microsoft.com/office/drawing/2014/main" xmlns="" id="{18733E7E-50D2-4F6C-9DF2-CF4C98C4B847}"/>
               </a:ext>
             </a:extLst>
           </p:cNvPr>
@@ -14995,10 +14995,10 @@
           <p:cNvPr id="10" name="Rectangle 9" descr="Accent block left">
             <a:extLst>
               <a:ext uri="{FF2B5EF4-FFF2-40B4-BE49-F238E27FC236}">
-                <a16:creationId xmlns:a16="http://schemas.microsoft.com/office/drawing/2014/main" id="{BBC0CAF5-0DE6-4BEA-824E-124A54A76AC6}"/>
+                <a16:creationId xmlns:a16="http://schemas.microsoft.com/office/drawing/2014/main" xmlns="" id="{BBC0CAF5-0DE6-4BEA-824E-124A54A76AC6}"/>
               </a:ext>
               <a:ext uri="{C183D7F6-B498-43B3-948B-1728B52AA6E4}">
-                <adec:decorative xmlns:adec="http://schemas.microsoft.com/office/drawing/2017/decorative" val="1"/>
+                <adec:decorative xmlns:adec="http://schemas.microsoft.com/office/drawing/2017/decorative" xmlns="" val="1"/>
               </a:ext>
             </a:extLst>
           </p:cNvPr>
@@ -15050,10 +15050,10 @@
           <p:cNvPr id="11" name="Rectangle 10" descr="Accent bar right&#10;">
             <a:extLst>
               <a:ext uri="{FF2B5EF4-FFF2-40B4-BE49-F238E27FC236}">
-                <a16:creationId xmlns:a16="http://schemas.microsoft.com/office/drawing/2014/main" id="{ED008080-B2F5-441A-8B15-30AE86BBF943}"/>
+                <a16:creationId xmlns:a16="http://schemas.microsoft.com/office/drawing/2014/main" xmlns="" id="{ED008080-B2F5-441A-8B15-30AE86BBF943}"/>
               </a:ext>
               <a:ext uri="{C183D7F6-B498-43B3-948B-1728B52AA6E4}">
-                <adec:decorative xmlns:adec="http://schemas.microsoft.com/office/drawing/2017/decorative" val="1"/>
+                <adec:decorative xmlns:adec="http://schemas.microsoft.com/office/drawing/2017/decorative" xmlns="" val="1"/>
               </a:ext>
             </a:extLst>
           </p:cNvPr>
@@ -15146,7 +15146,7 @@
           <p:cNvPr id="41" name="Picture Placeholder 40">
             <a:extLst>
               <a:ext uri="{FF2B5EF4-FFF2-40B4-BE49-F238E27FC236}">
-                <a16:creationId xmlns:a16="http://schemas.microsoft.com/office/drawing/2014/main" id="{EB7F0EE8-BE52-4A79-8FC8-4A2487FA01FC}"/>
+                <a16:creationId xmlns:a16="http://schemas.microsoft.com/office/drawing/2014/main" xmlns="" id="{EB7F0EE8-BE52-4A79-8FC8-4A2487FA01FC}"/>
               </a:ext>
             </a:extLst>
           </p:cNvPr>
@@ -15199,7 +15199,7 @@
           <p:cNvPr id="3" name="Title 1">
             <a:extLst>
               <a:ext uri="{FF2B5EF4-FFF2-40B4-BE49-F238E27FC236}">
-                <a16:creationId xmlns:a16="http://schemas.microsoft.com/office/drawing/2014/main" id="{E473AB13-DFF9-4538-9907-E261659E0E01}"/>
+                <a16:creationId xmlns:a16="http://schemas.microsoft.com/office/drawing/2014/main" xmlns="" id="{E473AB13-DFF9-4538-9907-E261659E0E01}"/>
               </a:ext>
             </a:extLst>
           </p:cNvPr>
@@ -15247,7 +15247,7 @@
           <p:cNvPr id="7" name="Subtitle 2">
             <a:extLst>
               <a:ext uri="{FF2B5EF4-FFF2-40B4-BE49-F238E27FC236}">
-                <a16:creationId xmlns:a16="http://schemas.microsoft.com/office/drawing/2014/main" id="{9E4D4535-D519-40ED-B8A4-2EA1276BB652}"/>
+                <a16:creationId xmlns:a16="http://schemas.microsoft.com/office/drawing/2014/main" xmlns="" id="{9E4D4535-D519-40ED-B8A4-2EA1276BB652}"/>
               </a:ext>
             </a:extLst>
           </p:cNvPr>
@@ -15327,7 +15327,7 @@
           <p:cNvPr id="4" name="Footer Placeholder 3">
             <a:extLst>
               <a:ext uri="{FF2B5EF4-FFF2-40B4-BE49-F238E27FC236}">
-                <a16:creationId xmlns:a16="http://schemas.microsoft.com/office/drawing/2014/main" id="{6816FE98-6A12-44EC-8485-8B5EFABDF9B2}"/>
+                <a16:creationId xmlns:a16="http://schemas.microsoft.com/office/drawing/2014/main" xmlns="" id="{6816FE98-6A12-44EC-8485-8B5EFABDF9B2}"/>
               </a:ext>
             </a:extLst>
           </p:cNvPr>
@@ -15355,7 +15355,7 @@
           <p:cNvPr id="8" name="Rectangle 7">
             <a:extLst>
               <a:ext uri="{FF2B5EF4-FFF2-40B4-BE49-F238E27FC236}">
-                <a16:creationId xmlns:a16="http://schemas.microsoft.com/office/drawing/2014/main" id="{51DD44D8-4A8F-4693-B90A-166855B29D25}"/>
+                <a16:creationId xmlns:a16="http://schemas.microsoft.com/office/drawing/2014/main" xmlns="" id="{51DD44D8-4A8F-4693-B90A-166855B29D25}"/>
               </a:ext>
             </a:extLst>
           </p:cNvPr>
@@ -15407,7 +15407,7 @@
           <p:cNvPr id="13" name="Rectangle 12">
             <a:extLst>
               <a:ext uri="{FF2B5EF4-FFF2-40B4-BE49-F238E27FC236}">
-                <a16:creationId xmlns:a16="http://schemas.microsoft.com/office/drawing/2014/main" id="{EC0FBB1B-4F0E-4365-BF27-3150FC6C3B90}"/>
+                <a16:creationId xmlns:a16="http://schemas.microsoft.com/office/drawing/2014/main" xmlns="" id="{EC0FBB1B-4F0E-4365-BF27-3150FC6C3B90}"/>
               </a:ext>
             </a:extLst>
           </p:cNvPr>
@@ -15461,7 +15461,7 @@
           <p:cNvPr id="14" name="Rectangle 13">
             <a:extLst>
               <a:ext uri="{FF2B5EF4-FFF2-40B4-BE49-F238E27FC236}">
-                <a16:creationId xmlns:a16="http://schemas.microsoft.com/office/drawing/2014/main" id="{7A13D8A8-6C3D-4527-959D-41C3213F7F02}"/>
+                <a16:creationId xmlns:a16="http://schemas.microsoft.com/office/drawing/2014/main" xmlns="" id="{7A13D8A8-6C3D-4527-959D-41C3213F7F02}"/>
               </a:ext>
             </a:extLst>
           </p:cNvPr>
@@ -15513,7 +15513,7 @@
           <p:cNvPr id="15" name="Rectangle 14">
             <a:extLst>
               <a:ext uri="{FF2B5EF4-FFF2-40B4-BE49-F238E27FC236}">
-                <a16:creationId xmlns:a16="http://schemas.microsoft.com/office/drawing/2014/main" id="{9504A767-1C0B-484E-BF7D-CD42D30A52EE}"/>
+                <a16:creationId xmlns:a16="http://schemas.microsoft.com/office/drawing/2014/main" xmlns="" id="{9504A767-1C0B-484E-BF7D-CD42D30A52EE}"/>
               </a:ext>
             </a:extLst>
           </p:cNvPr>
@@ -15565,7 +15565,7 @@
           <p:cNvPr id="5" name="Slide Number Placeholder 4">
             <a:extLst>
               <a:ext uri="{FF2B5EF4-FFF2-40B4-BE49-F238E27FC236}">
-                <a16:creationId xmlns:a16="http://schemas.microsoft.com/office/drawing/2014/main" id="{F50EF489-F21B-4E7C-9A44-D3CC8DC34F5F}"/>
+                <a16:creationId xmlns:a16="http://schemas.microsoft.com/office/drawing/2014/main" xmlns="" id="{F50EF489-F21B-4E7C-9A44-D3CC8DC34F5F}"/>
               </a:ext>
             </a:extLst>
           </p:cNvPr>
@@ -15625,7 +15625,7 @@
           <p:cNvPr id="13" name="Content Placeholder 10">
             <a:extLst>
               <a:ext uri="{FF2B5EF4-FFF2-40B4-BE49-F238E27FC236}">
-                <a16:creationId xmlns:a16="http://schemas.microsoft.com/office/drawing/2014/main" id="{454B80C6-ACBE-4877-BC36-02B9C42A2DA0}"/>
+                <a16:creationId xmlns:a16="http://schemas.microsoft.com/office/drawing/2014/main" xmlns="" id="{454B80C6-ACBE-4877-BC36-02B9C42A2DA0}"/>
               </a:ext>
             </a:extLst>
           </p:cNvPr>
@@ -15687,7 +15687,7 @@
           <p:cNvPr id="12" name="Content Placeholder 10">
             <a:extLst>
               <a:ext uri="{FF2B5EF4-FFF2-40B4-BE49-F238E27FC236}">
-                <a16:creationId xmlns:a16="http://schemas.microsoft.com/office/drawing/2014/main" id="{2D5A5AA1-9589-4EC6-B469-1EE7724E7DD3}"/>
+                <a16:creationId xmlns:a16="http://schemas.microsoft.com/office/drawing/2014/main" xmlns="" id="{2D5A5AA1-9589-4EC6-B469-1EE7724E7DD3}"/>
               </a:ext>
             </a:extLst>
           </p:cNvPr>
@@ -15749,7 +15749,7 @@
           <p:cNvPr id="11" name="Content Placeholder 10">
             <a:extLst>
               <a:ext uri="{FF2B5EF4-FFF2-40B4-BE49-F238E27FC236}">
-                <a16:creationId xmlns:a16="http://schemas.microsoft.com/office/drawing/2014/main" id="{A9557FF2-93A3-48A1-AB68-35D6813B3A91}"/>
+                <a16:creationId xmlns:a16="http://schemas.microsoft.com/office/drawing/2014/main" xmlns="" id="{A9557FF2-93A3-48A1-AB68-35D6813B3A91}"/>
               </a:ext>
             </a:extLst>
           </p:cNvPr>
@@ -15811,7 +15811,7 @@
           <p:cNvPr id="2" name="Title 1">
             <a:extLst>
               <a:ext uri="{FF2B5EF4-FFF2-40B4-BE49-F238E27FC236}">
-                <a16:creationId xmlns:a16="http://schemas.microsoft.com/office/drawing/2014/main" id="{5FC626A5-4FF6-42BD-858A-AE4B2C23A6BC}"/>
+                <a16:creationId xmlns:a16="http://schemas.microsoft.com/office/drawing/2014/main" xmlns="" id="{5FC626A5-4FF6-42BD-858A-AE4B2C23A6BC}"/>
               </a:ext>
             </a:extLst>
           </p:cNvPr>
@@ -15850,7 +15850,7 @@
           <p:cNvPr id="5" name="Subtitle 2">
             <a:extLst>
               <a:ext uri="{FF2B5EF4-FFF2-40B4-BE49-F238E27FC236}">
-                <a16:creationId xmlns:a16="http://schemas.microsoft.com/office/drawing/2014/main" id="{10727B06-56A8-44A2-B6C2-9ED183D107F3}"/>
+                <a16:creationId xmlns:a16="http://schemas.microsoft.com/office/drawing/2014/main" xmlns="" id="{10727B06-56A8-44A2-B6C2-9ED183D107F3}"/>
               </a:ext>
             </a:extLst>
           </p:cNvPr>
@@ -15905,7 +15905,7 @@
           <p:cNvPr id="3" name="Footer Placeholder 2">
             <a:extLst>
               <a:ext uri="{FF2B5EF4-FFF2-40B4-BE49-F238E27FC236}">
-                <a16:creationId xmlns:a16="http://schemas.microsoft.com/office/drawing/2014/main" id="{08CCB8C2-B6A2-4C69-8D3A-57420A034BA4}"/>
+                <a16:creationId xmlns:a16="http://schemas.microsoft.com/office/drawing/2014/main" xmlns="" id="{08CCB8C2-B6A2-4C69-8D3A-57420A034BA4}"/>
               </a:ext>
             </a:extLst>
           </p:cNvPr>
@@ -15933,7 +15933,7 @@
           <p:cNvPr id="4" name="Slide Number Placeholder 3">
             <a:extLst>
               <a:ext uri="{FF2B5EF4-FFF2-40B4-BE49-F238E27FC236}">
-                <a16:creationId xmlns:a16="http://schemas.microsoft.com/office/drawing/2014/main" id="{853CF994-8B2C-443F-B695-7378DD360DAA}"/>
+                <a16:creationId xmlns:a16="http://schemas.microsoft.com/office/drawing/2014/main" xmlns="" id="{853CF994-8B2C-443F-B695-7378DD360DAA}"/>
               </a:ext>
             </a:extLst>
           </p:cNvPr>
@@ -15993,7 +15993,7 @@
           <p:cNvPr id="2" name="Title 1">
             <a:extLst>
               <a:ext uri="{FF2B5EF4-FFF2-40B4-BE49-F238E27FC236}">
-                <a16:creationId xmlns:a16="http://schemas.microsoft.com/office/drawing/2014/main" id="{5FC626A5-4FF6-42BD-858A-AE4B2C23A6BC}"/>
+                <a16:creationId xmlns:a16="http://schemas.microsoft.com/office/drawing/2014/main" xmlns="" id="{5FC626A5-4FF6-42BD-858A-AE4B2C23A6BC}"/>
               </a:ext>
             </a:extLst>
           </p:cNvPr>
@@ -16032,7 +16032,7 @@
           <p:cNvPr id="5" name="Subtitle 2">
             <a:extLst>
               <a:ext uri="{FF2B5EF4-FFF2-40B4-BE49-F238E27FC236}">
-                <a16:creationId xmlns:a16="http://schemas.microsoft.com/office/drawing/2014/main" id="{10727B06-56A8-44A2-B6C2-9ED183D107F3}"/>
+                <a16:creationId xmlns:a16="http://schemas.microsoft.com/office/drawing/2014/main" xmlns="" id="{10727B06-56A8-44A2-B6C2-9ED183D107F3}"/>
               </a:ext>
             </a:extLst>
           </p:cNvPr>
@@ -16087,7 +16087,7 @@
           <p:cNvPr id="3" name="Footer Placeholder 2">
             <a:extLst>
               <a:ext uri="{FF2B5EF4-FFF2-40B4-BE49-F238E27FC236}">
-                <a16:creationId xmlns:a16="http://schemas.microsoft.com/office/drawing/2014/main" id="{08CCB8C2-B6A2-4C69-8D3A-57420A034BA4}"/>
+                <a16:creationId xmlns:a16="http://schemas.microsoft.com/office/drawing/2014/main" xmlns="" id="{08CCB8C2-B6A2-4C69-8D3A-57420A034BA4}"/>
               </a:ext>
             </a:extLst>
           </p:cNvPr>
@@ -16115,7 +16115,7 @@
           <p:cNvPr id="4" name="Slide Number Placeholder 3">
             <a:extLst>
               <a:ext uri="{FF2B5EF4-FFF2-40B4-BE49-F238E27FC236}">
-                <a16:creationId xmlns:a16="http://schemas.microsoft.com/office/drawing/2014/main" id="{853CF994-8B2C-443F-B695-7378DD360DAA}"/>
+                <a16:creationId xmlns:a16="http://schemas.microsoft.com/office/drawing/2014/main" xmlns="" id="{853CF994-8B2C-443F-B695-7378DD360DAA}"/>
               </a:ext>
             </a:extLst>
           </p:cNvPr>
@@ -16145,7 +16145,7 @@
           <p:cNvPr id="7" name="Content Placeholder 6">
             <a:extLst>
               <a:ext uri="{FF2B5EF4-FFF2-40B4-BE49-F238E27FC236}">
-                <a16:creationId xmlns:a16="http://schemas.microsoft.com/office/drawing/2014/main" id="{0D32884E-EBB5-47FA-9B0A-E32B264BC5A1}"/>
+                <a16:creationId xmlns:a16="http://schemas.microsoft.com/office/drawing/2014/main" xmlns="" id="{0D32884E-EBB5-47FA-9B0A-E32B264BC5A1}"/>
               </a:ext>
             </a:extLst>
           </p:cNvPr>
@@ -16237,7 +16237,7 @@
           <p:cNvPr id="7" name="Picture Placeholder 6">
             <a:extLst>
               <a:ext uri="{FF2B5EF4-FFF2-40B4-BE49-F238E27FC236}">
-                <a16:creationId xmlns:a16="http://schemas.microsoft.com/office/drawing/2014/main" id="{890ED7CE-A9D2-4D19-B978-56BFB74E657C}"/>
+                <a16:creationId xmlns:a16="http://schemas.microsoft.com/office/drawing/2014/main" xmlns="" id="{890ED7CE-A9D2-4D19-B978-56BFB74E657C}"/>
               </a:ext>
             </a:extLst>
           </p:cNvPr>
@@ -16283,7 +16283,7 @@
           <p:cNvPr id="3" name="Content Placeholder 2">
             <a:extLst>
               <a:ext uri="{FF2B5EF4-FFF2-40B4-BE49-F238E27FC236}">
-                <a16:creationId xmlns:a16="http://schemas.microsoft.com/office/drawing/2014/main" id="{A22238F2-C6EC-476F-8371-119AECBA5622}"/>
+                <a16:creationId xmlns:a16="http://schemas.microsoft.com/office/drawing/2014/main" xmlns="" id="{A22238F2-C6EC-476F-8371-119AECBA5622}"/>
               </a:ext>
             </a:extLst>
           </p:cNvPr>
@@ -16369,7 +16369,7 @@
           <p:cNvPr id="4" name="Footer Placeholder 3">
             <a:extLst>
               <a:ext uri="{FF2B5EF4-FFF2-40B4-BE49-F238E27FC236}">
-                <a16:creationId xmlns:a16="http://schemas.microsoft.com/office/drawing/2014/main" id="{57847F90-9DB6-4832-9EB7-393AADAE8B70}"/>
+                <a16:creationId xmlns:a16="http://schemas.microsoft.com/office/drawing/2014/main" xmlns="" id="{57847F90-9DB6-4832-9EB7-393AADAE8B70}"/>
               </a:ext>
             </a:extLst>
           </p:cNvPr>
@@ -16397,7 +16397,7 @@
           <p:cNvPr id="2" name="Slide Number Placeholder 1">
             <a:extLst>
               <a:ext uri="{FF2B5EF4-FFF2-40B4-BE49-F238E27FC236}">
-                <a16:creationId xmlns:a16="http://schemas.microsoft.com/office/drawing/2014/main" id="{8B3D119C-DBF5-4B4F-BE38-7BD7B5C8A5D0}"/>
+                <a16:creationId xmlns:a16="http://schemas.microsoft.com/office/drawing/2014/main" xmlns="" id="{8B3D119C-DBF5-4B4F-BE38-7BD7B5C8A5D0}"/>
               </a:ext>
             </a:extLst>
           </p:cNvPr>
@@ -16427,7 +16427,7 @@
           <p:cNvPr id="5" name="Title 4">
             <a:extLst>
               <a:ext uri="{FF2B5EF4-FFF2-40B4-BE49-F238E27FC236}">
-                <a16:creationId xmlns:a16="http://schemas.microsoft.com/office/drawing/2014/main" id="{7F8E7C83-06D7-4C5B-85B7-0E5713B4FAB3}"/>
+                <a16:creationId xmlns:a16="http://schemas.microsoft.com/office/drawing/2014/main" xmlns="" id="{7F8E7C83-06D7-4C5B-85B7-0E5713B4FAB3}"/>
               </a:ext>
             </a:extLst>
           </p:cNvPr>
@@ -16490,7 +16490,7 @@
           <p:cNvPr id="7" name="Rectangle 6">
             <a:extLst>
               <a:ext uri="{FF2B5EF4-FFF2-40B4-BE49-F238E27FC236}">
-                <a16:creationId xmlns:a16="http://schemas.microsoft.com/office/drawing/2014/main" id="{3EB0D177-9AA4-42F4-9CD7-CD206217CA6D}"/>
+                <a16:creationId xmlns:a16="http://schemas.microsoft.com/office/drawing/2014/main" xmlns="" id="{3EB0D177-9AA4-42F4-9CD7-CD206217CA6D}"/>
               </a:ext>
             </a:extLst>
           </p:cNvPr>
@@ -16542,7 +16542,7 @@
           <p:cNvPr id="28" name="Rectangle 27">
             <a:extLst>
               <a:ext uri="{FF2B5EF4-FFF2-40B4-BE49-F238E27FC236}">
-                <a16:creationId xmlns:a16="http://schemas.microsoft.com/office/drawing/2014/main" id="{C825DB53-D610-4A40-AFDC-EBC47DB613CE}"/>
+                <a16:creationId xmlns:a16="http://schemas.microsoft.com/office/drawing/2014/main" xmlns="" id="{C825DB53-D610-4A40-AFDC-EBC47DB613CE}"/>
               </a:ext>
             </a:extLst>
           </p:cNvPr>
@@ -16596,7 +16596,7 @@
           <p:cNvPr id="31" name="Freeform: Shape 30">
             <a:extLst>
               <a:ext uri="{FF2B5EF4-FFF2-40B4-BE49-F238E27FC236}">
-                <a16:creationId xmlns:a16="http://schemas.microsoft.com/office/drawing/2014/main" id="{C2B9A6A4-83D0-40B1-8B15-964C84BF0705}"/>
+                <a16:creationId xmlns:a16="http://schemas.microsoft.com/office/drawing/2014/main" xmlns="" id="{C2B9A6A4-83D0-40B1-8B15-964C84BF0705}"/>
               </a:ext>
             </a:extLst>
           </p:cNvPr>
@@ -16693,7 +16693,7 @@
           <p:cNvPr id="2" name="Title Placeholder 1">
             <a:extLst>
               <a:ext uri="{FF2B5EF4-FFF2-40B4-BE49-F238E27FC236}">
-                <a16:creationId xmlns:a16="http://schemas.microsoft.com/office/drawing/2014/main" id="{090F41A2-6535-4CA6-81E4-026A5B56D9D7}"/>
+                <a16:creationId xmlns:a16="http://schemas.microsoft.com/office/drawing/2014/main" xmlns="" id="{090F41A2-6535-4CA6-81E4-026A5B56D9D7}"/>
               </a:ext>
             </a:extLst>
           </p:cNvPr>
@@ -16731,7 +16731,7 @@
           <p:cNvPr id="3" name="Text Placeholder 2">
             <a:extLst>
               <a:ext uri="{FF2B5EF4-FFF2-40B4-BE49-F238E27FC236}">
-                <a16:creationId xmlns:a16="http://schemas.microsoft.com/office/drawing/2014/main" id="{213AB95C-7DD4-4796-80E4-1B7466A2A037}"/>
+                <a16:creationId xmlns:a16="http://schemas.microsoft.com/office/drawing/2014/main" xmlns="" id="{213AB95C-7DD4-4796-80E4-1B7466A2A037}"/>
               </a:ext>
             </a:extLst>
           </p:cNvPr>
@@ -16798,7 +16798,7 @@
           <p:cNvPr id="5" name="Footer Placeholder 4">
             <a:extLst>
               <a:ext uri="{FF2B5EF4-FFF2-40B4-BE49-F238E27FC236}">
-                <a16:creationId xmlns:a16="http://schemas.microsoft.com/office/drawing/2014/main" id="{58879C91-B77F-4273-9A27-A3535FB889DB}"/>
+                <a16:creationId xmlns:a16="http://schemas.microsoft.com/office/drawing/2014/main" xmlns="" id="{58879C91-B77F-4273-9A27-A3535FB889DB}"/>
               </a:ext>
             </a:extLst>
           </p:cNvPr>
@@ -16846,7 +16846,7 @@
           <p:cNvPr id="6" name="Slide Number Placeholder 5">
             <a:extLst>
               <a:ext uri="{FF2B5EF4-FFF2-40B4-BE49-F238E27FC236}">
-                <a16:creationId xmlns:a16="http://schemas.microsoft.com/office/drawing/2014/main" id="{5ECA3099-A94F-4C3E-BC29-780EDD38F722}"/>
+                <a16:creationId xmlns:a16="http://schemas.microsoft.com/office/drawing/2014/main" xmlns="" id="{5ECA3099-A94F-4C3E-BC29-780EDD38F722}"/>
               </a:ext>
             </a:extLst>
           </p:cNvPr>
@@ -16899,7 +16899,7 @@
           <p:cNvPr id="9" name="Rectangle 8">
             <a:extLst>
               <a:ext uri="{FF2B5EF4-FFF2-40B4-BE49-F238E27FC236}">
-                <a16:creationId xmlns:a16="http://schemas.microsoft.com/office/drawing/2014/main" id="{4BC39664-EB8B-4A32-915A-D4308F792772}"/>
+                <a16:creationId xmlns:a16="http://schemas.microsoft.com/office/drawing/2014/main" xmlns="" id="{4BC39664-EB8B-4A32-915A-D4308F792772}"/>
               </a:ext>
             </a:extLst>
           </p:cNvPr>
@@ -16951,7 +16951,7 @@
           <p:cNvPr id="29" name="Rectangle 28">
             <a:extLst>
               <a:ext uri="{FF2B5EF4-FFF2-40B4-BE49-F238E27FC236}">
-                <a16:creationId xmlns:a16="http://schemas.microsoft.com/office/drawing/2014/main" id="{9B49670D-8F18-44A8-B217-67B412095C0D}"/>
+                <a16:creationId xmlns:a16="http://schemas.microsoft.com/office/drawing/2014/main" xmlns="" id="{9B49670D-8F18-44A8-B217-67B412095C0D}"/>
               </a:ext>
             </a:extLst>
           </p:cNvPr>
@@ -17003,7 +17003,7 @@
           <p:cNvPr id="18" name="Straight Connector 17">
             <a:extLst>
               <a:ext uri="{FF2B5EF4-FFF2-40B4-BE49-F238E27FC236}">
-                <a16:creationId xmlns:a16="http://schemas.microsoft.com/office/drawing/2014/main" id="{030FA059-EC32-4FFF-9673-48849B2FA43A}"/>
+                <a16:creationId xmlns:a16="http://schemas.microsoft.com/office/drawing/2014/main" xmlns="" id="{030FA059-EC32-4FFF-9673-48849B2FA43A}"/>
               </a:ext>
             </a:extLst>
           </p:cNvPr>
@@ -17402,7 +17402,7 @@
           <p:cNvPr id="12" name="Picture Placeholder 11">
             <a:extLst>
               <a:ext uri="{FF2B5EF4-FFF2-40B4-BE49-F238E27FC236}">
-                <a16:creationId xmlns:a16="http://schemas.microsoft.com/office/drawing/2014/main" id="{AA8A1CBA-9BB5-2246-9F4B-98EAD7C90158}"/>
+                <a16:creationId xmlns:a16="http://schemas.microsoft.com/office/drawing/2014/main" xmlns="" id="{AA8A1CBA-9BB5-2246-9F4B-98EAD7C90158}"/>
               </a:ext>
             </a:extLst>
           </p:cNvPr>
@@ -17432,7 +17432,7 @@
           <p:cNvPr id="3" name="Title 2">
             <a:extLst>
               <a:ext uri="{FF2B5EF4-FFF2-40B4-BE49-F238E27FC236}">
-                <a16:creationId xmlns:a16="http://schemas.microsoft.com/office/drawing/2014/main" id="{200B3D2B-613A-41BE-987D-E6A1324B456D}"/>
+                <a16:creationId xmlns:a16="http://schemas.microsoft.com/office/drawing/2014/main" xmlns="" id="{200B3D2B-613A-41BE-987D-E6A1324B456D}"/>
               </a:ext>
             </a:extLst>
           </p:cNvPr>
@@ -17472,7 +17472,7 @@
           <p:cNvPr id="4" name="Subtitle 3">
             <a:extLst>
               <a:ext uri="{FF2B5EF4-FFF2-40B4-BE49-F238E27FC236}">
-                <a16:creationId xmlns:a16="http://schemas.microsoft.com/office/drawing/2014/main" id="{4772945D-CA91-4CFE-8EB7-941C7618C994}"/>
+                <a16:creationId xmlns:a16="http://schemas.microsoft.com/office/drawing/2014/main" xmlns="" id="{4772945D-CA91-4CFE-8EB7-941C7618C994}"/>
               </a:ext>
             </a:extLst>
           </p:cNvPr>
@@ -17511,7 +17511,7 @@
           <p:cNvPr id="51" name="TextBox 50">
             <a:extLst>
               <a:ext uri="{FF2B5EF4-FFF2-40B4-BE49-F238E27FC236}">
-                <a16:creationId xmlns:a16="http://schemas.microsoft.com/office/drawing/2014/main" id="{66C1DE0A-7865-466B-B5D7-781C92357026}"/>
+                <a16:creationId xmlns:a16="http://schemas.microsoft.com/office/drawing/2014/main" xmlns="" id="{66C1DE0A-7865-466B-B5D7-781C92357026}"/>
               </a:ext>
             </a:extLst>
           </p:cNvPr>
@@ -17598,7 +17598,7 @@
           <p:cNvPr id="8" name="Slide Number Placeholder 7">
             <a:extLst>
               <a:ext uri="{FF2B5EF4-FFF2-40B4-BE49-F238E27FC236}">
-                <a16:creationId xmlns:a16="http://schemas.microsoft.com/office/drawing/2014/main" id="{E6AC9832-FB01-464A-9824-61887B77997E}"/>
+                <a16:creationId xmlns:a16="http://schemas.microsoft.com/office/drawing/2014/main" xmlns="" id="{E6AC9832-FB01-464A-9824-61887B77997E}"/>
               </a:ext>
             </a:extLst>
           </p:cNvPr>
@@ -17628,7 +17628,7 @@
           <p:cNvPr id="2" name="Title 1">
             <a:extLst>
               <a:ext uri="{FF2B5EF4-FFF2-40B4-BE49-F238E27FC236}">
-                <a16:creationId xmlns:a16="http://schemas.microsoft.com/office/drawing/2014/main" id="{19304E83-A4F0-49C5-BB01-F5773509A2B3}"/>
+                <a16:creationId xmlns:a16="http://schemas.microsoft.com/office/drawing/2014/main" xmlns="" id="{19304E83-A4F0-49C5-BB01-F5773509A2B3}"/>
               </a:ext>
             </a:extLst>
           </p:cNvPr>
@@ -17656,7 +17656,7 @@
           <p:cNvPr id="3" name="Text Placeholder 2">
             <a:extLst>
               <a:ext uri="{FF2B5EF4-FFF2-40B4-BE49-F238E27FC236}">
-                <a16:creationId xmlns:a16="http://schemas.microsoft.com/office/drawing/2014/main" id="{7CA42D59-EAD6-4F95-84F1-32A30F057856}"/>
+                <a16:creationId xmlns:a16="http://schemas.microsoft.com/office/drawing/2014/main" xmlns="" id="{7CA42D59-EAD6-4F95-84F1-32A30F057856}"/>
               </a:ext>
             </a:extLst>
           </p:cNvPr>
@@ -17707,10 +17707,10 @@
           <p:cNvPr id="11" name="Straight Connector 10">
             <a:extLst>
               <a:ext uri="{FF2B5EF4-FFF2-40B4-BE49-F238E27FC236}">
-                <a16:creationId xmlns:a16="http://schemas.microsoft.com/office/drawing/2014/main" id="{5A563457-1EC8-4978-BCCB-AFD88C9ED04C}"/>
+                <a16:creationId xmlns:a16="http://schemas.microsoft.com/office/drawing/2014/main" xmlns="" id="{5A563457-1EC8-4978-BCCB-AFD88C9ED04C}"/>
               </a:ext>
               <a:ext uri="{C183D7F6-B498-43B3-948B-1728B52AA6E4}">
-                <adec:decorative xmlns:adec="http://schemas.microsoft.com/office/drawing/2017/decorative" val="1"/>
+                <adec:decorative xmlns:adec="http://schemas.microsoft.com/office/drawing/2017/decorative" xmlns="" val="1"/>
               </a:ext>
             </a:extLst>
           </p:cNvPr>
@@ -17753,7 +17753,7 @@
           <p:cNvPr id="4" name="Picture 4" descr="Table&#10;&#10;Description automatically generated">
             <a:extLst>
               <a:ext uri="{FF2B5EF4-FFF2-40B4-BE49-F238E27FC236}">
-                <a16:creationId xmlns:a16="http://schemas.microsoft.com/office/drawing/2014/main" id="{48D5720F-2518-FE8D-9827-A6D03AF8ED84}"/>
+                <a16:creationId xmlns:a16="http://schemas.microsoft.com/office/drawing/2014/main" xmlns="" id="{48D5720F-2518-FE8D-9827-A6D03AF8ED84}"/>
               </a:ext>
             </a:extLst>
           </p:cNvPr>
@@ -17783,7 +17783,7 @@
           <p:cNvPr id="5" name="Picture 5">
             <a:extLst>
               <a:ext uri="{FF2B5EF4-FFF2-40B4-BE49-F238E27FC236}">
-                <a16:creationId xmlns:a16="http://schemas.microsoft.com/office/drawing/2014/main" id="{8B0921F6-0EA7-8CFE-E6A8-40F8B76C36A7}"/>
+                <a16:creationId xmlns:a16="http://schemas.microsoft.com/office/drawing/2014/main" xmlns="" id="{8B0921F6-0EA7-8CFE-E6A8-40F8B76C36A7}"/>
               </a:ext>
             </a:extLst>
           </p:cNvPr>
@@ -17813,7 +17813,7 @@
           <p:cNvPr id="7" name="Text Placeholder 2">
             <a:extLst>
               <a:ext uri="{FF2B5EF4-FFF2-40B4-BE49-F238E27FC236}">
-                <a16:creationId xmlns:a16="http://schemas.microsoft.com/office/drawing/2014/main" id="{1E48C311-961D-89AA-735C-47ACE8E376F1}"/>
+                <a16:creationId xmlns:a16="http://schemas.microsoft.com/office/drawing/2014/main" xmlns="" id="{1E48C311-961D-89AA-735C-47ACE8E376F1}"/>
               </a:ext>
             </a:extLst>
           </p:cNvPr>
@@ -18044,7 +18044,7 @@
           <p:cNvPr id="9" name="Text Placeholder 2">
             <a:extLst>
               <a:ext uri="{FF2B5EF4-FFF2-40B4-BE49-F238E27FC236}">
-                <a16:creationId xmlns:a16="http://schemas.microsoft.com/office/drawing/2014/main" id="{FAA52E4A-9240-6DE3-678D-7192837A4AA7}"/>
+                <a16:creationId xmlns:a16="http://schemas.microsoft.com/office/drawing/2014/main" xmlns="" id="{FAA52E4A-9240-6DE3-678D-7192837A4AA7}"/>
               </a:ext>
             </a:extLst>
           </p:cNvPr>
@@ -18298,7 +18298,7 @@
           <p:cNvPr id="8" name="Slide Number Placeholder 7">
             <a:extLst>
               <a:ext uri="{FF2B5EF4-FFF2-40B4-BE49-F238E27FC236}">
-                <a16:creationId xmlns:a16="http://schemas.microsoft.com/office/drawing/2014/main" id="{E6AC9832-FB01-464A-9824-61887B77997E}"/>
+                <a16:creationId xmlns:a16="http://schemas.microsoft.com/office/drawing/2014/main" xmlns="" id="{E6AC9832-FB01-464A-9824-61887B77997E}"/>
               </a:ext>
             </a:extLst>
           </p:cNvPr>
@@ -18328,7 +18328,7 @@
           <p:cNvPr id="2" name="Title 1">
             <a:extLst>
               <a:ext uri="{FF2B5EF4-FFF2-40B4-BE49-F238E27FC236}">
-                <a16:creationId xmlns:a16="http://schemas.microsoft.com/office/drawing/2014/main" id="{19304E83-A4F0-49C5-BB01-F5773509A2B3}"/>
+                <a16:creationId xmlns:a16="http://schemas.microsoft.com/office/drawing/2014/main" xmlns="" id="{19304E83-A4F0-49C5-BB01-F5773509A2B3}"/>
               </a:ext>
             </a:extLst>
           </p:cNvPr>
@@ -18356,10 +18356,10 @@
           <p:cNvPr id="11" name="Straight Connector 10">
             <a:extLst>
               <a:ext uri="{FF2B5EF4-FFF2-40B4-BE49-F238E27FC236}">
-                <a16:creationId xmlns:a16="http://schemas.microsoft.com/office/drawing/2014/main" id="{5A563457-1EC8-4978-BCCB-AFD88C9ED04C}"/>
+                <a16:creationId xmlns:a16="http://schemas.microsoft.com/office/drawing/2014/main" xmlns="" id="{5A563457-1EC8-4978-BCCB-AFD88C9ED04C}"/>
               </a:ext>
               <a:ext uri="{C183D7F6-B498-43B3-948B-1728B52AA6E4}">
-                <adec:decorative xmlns:adec="http://schemas.microsoft.com/office/drawing/2017/decorative" val="1"/>
+                <adec:decorative xmlns:adec="http://schemas.microsoft.com/office/drawing/2017/decorative" xmlns="" val="1"/>
               </a:ext>
             </a:extLst>
           </p:cNvPr>
@@ -18402,7 +18402,7 @@
           <p:cNvPr id="9" name="Text Placeholder 2">
             <a:extLst>
               <a:ext uri="{FF2B5EF4-FFF2-40B4-BE49-F238E27FC236}">
-                <a16:creationId xmlns:a16="http://schemas.microsoft.com/office/drawing/2014/main" id="{6841058F-2F02-B0AC-9F2A-7F8B0CB64829}"/>
+                <a16:creationId xmlns:a16="http://schemas.microsoft.com/office/drawing/2014/main" xmlns="" id="{6841058F-2F02-B0AC-9F2A-7F8B0CB64829}"/>
               </a:ext>
             </a:extLst>
           </p:cNvPr>
@@ -18725,7 +18725,7 @@
   </p:clrMapOvr>
   <p:extLst>
     <p:ext uri="{6950BFC3-D8DA-4A85-94F7-54DA5524770B}">
-      <p188:commentRel xmlns:p188="http://schemas.microsoft.com/office/powerpoint/2018/8/main" r:id="rId2"/>
+      <p188:commentRel xmlns:p188="http://schemas.microsoft.com/office/powerpoint/2018/8/main" xmlns="" r:id="rId2"/>
     </p:ext>
   </p:extLst>
 </p:sld>
@@ -18753,7 +18753,7 @@
           <p:cNvPr id="8" name="Slide Number Placeholder 7">
             <a:extLst>
               <a:ext uri="{FF2B5EF4-FFF2-40B4-BE49-F238E27FC236}">
-                <a16:creationId xmlns:a16="http://schemas.microsoft.com/office/drawing/2014/main" id="{E6AC9832-FB01-464A-9824-61887B77997E}"/>
+                <a16:creationId xmlns:a16="http://schemas.microsoft.com/office/drawing/2014/main" xmlns="" id="{E6AC9832-FB01-464A-9824-61887B77997E}"/>
               </a:ext>
             </a:extLst>
           </p:cNvPr>
@@ -18783,7 +18783,7 @@
           <p:cNvPr id="2" name="Title 1">
             <a:extLst>
               <a:ext uri="{FF2B5EF4-FFF2-40B4-BE49-F238E27FC236}">
-                <a16:creationId xmlns:a16="http://schemas.microsoft.com/office/drawing/2014/main" id="{19304E83-A4F0-49C5-BB01-F5773509A2B3}"/>
+                <a16:creationId xmlns:a16="http://schemas.microsoft.com/office/drawing/2014/main" xmlns="" id="{19304E83-A4F0-49C5-BB01-F5773509A2B3}"/>
               </a:ext>
             </a:extLst>
           </p:cNvPr>
@@ -18811,7 +18811,7 @@
           <p:cNvPr id="3" name="Text Placeholder 2">
             <a:extLst>
               <a:ext uri="{FF2B5EF4-FFF2-40B4-BE49-F238E27FC236}">
-                <a16:creationId xmlns:a16="http://schemas.microsoft.com/office/drawing/2014/main" id="{7CA42D59-EAD6-4F95-84F1-32A30F057856}"/>
+                <a16:creationId xmlns:a16="http://schemas.microsoft.com/office/drawing/2014/main" xmlns="" id="{7CA42D59-EAD6-4F95-84F1-32A30F057856}"/>
               </a:ext>
             </a:extLst>
           </p:cNvPr>
@@ -18849,10 +18849,10 @@
           <p:cNvPr id="11" name="Straight Connector 10">
             <a:extLst>
               <a:ext uri="{FF2B5EF4-FFF2-40B4-BE49-F238E27FC236}">
-                <a16:creationId xmlns:a16="http://schemas.microsoft.com/office/drawing/2014/main" id="{5A563457-1EC8-4978-BCCB-AFD88C9ED04C}"/>
+                <a16:creationId xmlns:a16="http://schemas.microsoft.com/office/drawing/2014/main" xmlns="" id="{5A563457-1EC8-4978-BCCB-AFD88C9ED04C}"/>
               </a:ext>
               <a:ext uri="{C183D7F6-B498-43B3-948B-1728B52AA6E4}">
-                <adec:decorative xmlns:adec="http://schemas.microsoft.com/office/drawing/2017/decorative" val="1"/>
+                <adec:decorative xmlns:adec="http://schemas.microsoft.com/office/drawing/2017/decorative" xmlns="" val="1"/>
               </a:ext>
             </a:extLst>
           </p:cNvPr>
@@ -18895,7 +18895,7 @@
           <p:cNvPr id="6" name="Picture 6" descr="Chart, bar chart&#10;&#10;Description automatically generated">
             <a:extLst>
               <a:ext uri="{FF2B5EF4-FFF2-40B4-BE49-F238E27FC236}">
-                <a16:creationId xmlns:a16="http://schemas.microsoft.com/office/drawing/2014/main" id="{342715B5-8D0E-6456-DE4A-0B9C8A7D6CCA}"/>
+                <a16:creationId xmlns:a16="http://schemas.microsoft.com/office/drawing/2014/main" xmlns="" id="{342715B5-8D0E-6456-DE4A-0B9C8A7D6CCA}"/>
               </a:ext>
             </a:extLst>
           </p:cNvPr>
@@ -18925,7 +18925,7 @@
           <p:cNvPr id="9" name="Text Placeholder 2">
             <a:extLst>
               <a:ext uri="{FF2B5EF4-FFF2-40B4-BE49-F238E27FC236}">
-                <a16:creationId xmlns:a16="http://schemas.microsoft.com/office/drawing/2014/main" id="{6841058F-2F02-B0AC-9F2A-7F8B0CB64829}"/>
+                <a16:creationId xmlns:a16="http://schemas.microsoft.com/office/drawing/2014/main" xmlns="" id="{6841058F-2F02-B0AC-9F2A-7F8B0CB64829}"/>
               </a:ext>
             </a:extLst>
           </p:cNvPr>
@@ -19145,7 +19145,7 @@
           <p:cNvPr id="4" name="Picture 4" descr="Table&#10;&#10;Description automatically generated">
             <a:extLst>
               <a:ext uri="{FF2B5EF4-FFF2-40B4-BE49-F238E27FC236}">
-                <a16:creationId xmlns:a16="http://schemas.microsoft.com/office/drawing/2014/main" id="{79FE37C5-68BF-8265-7472-D068BB55E99C}"/>
+                <a16:creationId xmlns:a16="http://schemas.microsoft.com/office/drawing/2014/main" xmlns="" id="{79FE37C5-68BF-8265-7472-D068BB55E99C}"/>
               </a:ext>
             </a:extLst>
           </p:cNvPr>
@@ -19205,7 +19205,7 @@
           <p:cNvPr id="8" name="Slide Number Placeholder 7">
             <a:extLst>
               <a:ext uri="{FF2B5EF4-FFF2-40B4-BE49-F238E27FC236}">
-                <a16:creationId xmlns:a16="http://schemas.microsoft.com/office/drawing/2014/main" id="{E6AC9832-FB01-464A-9824-61887B77997E}"/>
+                <a16:creationId xmlns:a16="http://schemas.microsoft.com/office/drawing/2014/main" xmlns="" id="{E6AC9832-FB01-464A-9824-61887B77997E}"/>
               </a:ext>
             </a:extLst>
           </p:cNvPr>
@@ -19235,7 +19235,7 @@
           <p:cNvPr id="2" name="Title 1">
             <a:extLst>
               <a:ext uri="{FF2B5EF4-FFF2-40B4-BE49-F238E27FC236}">
-                <a16:creationId xmlns:a16="http://schemas.microsoft.com/office/drawing/2014/main" id="{19304E83-A4F0-49C5-BB01-F5773509A2B3}"/>
+                <a16:creationId xmlns:a16="http://schemas.microsoft.com/office/drawing/2014/main" xmlns="" id="{19304E83-A4F0-49C5-BB01-F5773509A2B3}"/>
               </a:ext>
             </a:extLst>
           </p:cNvPr>
@@ -19263,7 +19263,7 @@
           <p:cNvPr id="3" name="Text Placeholder 2">
             <a:extLst>
               <a:ext uri="{FF2B5EF4-FFF2-40B4-BE49-F238E27FC236}">
-                <a16:creationId xmlns:a16="http://schemas.microsoft.com/office/drawing/2014/main" id="{7CA42D59-EAD6-4F95-84F1-32A30F057856}"/>
+                <a16:creationId xmlns:a16="http://schemas.microsoft.com/office/drawing/2014/main" xmlns="" id="{7CA42D59-EAD6-4F95-84F1-32A30F057856}"/>
               </a:ext>
             </a:extLst>
           </p:cNvPr>
@@ -19324,10 +19324,10 @@
           <p:cNvPr id="11" name="Straight Connector 10">
             <a:extLst>
               <a:ext uri="{FF2B5EF4-FFF2-40B4-BE49-F238E27FC236}">
-                <a16:creationId xmlns:a16="http://schemas.microsoft.com/office/drawing/2014/main" id="{5A563457-1EC8-4978-BCCB-AFD88C9ED04C}"/>
+                <a16:creationId xmlns:a16="http://schemas.microsoft.com/office/drawing/2014/main" xmlns="" id="{5A563457-1EC8-4978-BCCB-AFD88C9ED04C}"/>
               </a:ext>
               <a:ext uri="{C183D7F6-B498-43B3-948B-1728B52AA6E4}">
-                <adec:decorative xmlns:adec="http://schemas.microsoft.com/office/drawing/2017/decorative" val="1"/>
+                <adec:decorative xmlns:adec="http://schemas.microsoft.com/office/drawing/2017/decorative" xmlns="" val="1"/>
               </a:ext>
             </a:extLst>
           </p:cNvPr>
@@ -19370,7 +19370,7 @@
           <p:cNvPr id="7" name="Picture 8" descr="Chart, box and whisker chart&#10;&#10;Description automatically generated">
             <a:extLst>
               <a:ext uri="{FF2B5EF4-FFF2-40B4-BE49-F238E27FC236}">
-                <a16:creationId xmlns:a16="http://schemas.microsoft.com/office/drawing/2014/main" id="{3B03A3FE-8B11-DB98-57A3-52A3EEBD2699}"/>
+                <a16:creationId xmlns:a16="http://schemas.microsoft.com/office/drawing/2014/main" xmlns="" id="{3B03A3FE-8B11-DB98-57A3-52A3EEBD2699}"/>
               </a:ext>
             </a:extLst>
           </p:cNvPr>
@@ -19400,7 +19400,7 @@
           <p:cNvPr id="9" name="Picture 9" descr="Chart, box and whisker chart&#10;&#10;Description automatically generated">
             <a:extLst>
               <a:ext uri="{FF2B5EF4-FFF2-40B4-BE49-F238E27FC236}">
-                <a16:creationId xmlns:a16="http://schemas.microsoft.com/office/drawing/2014/main" id="{D3148792-2E55-DCE9-D969-EF6C5381DF91}"/>
+                <a16:creationId xmlns:a16="http://schemas.microsoft.com/office/drawing/2014/main" xmlns="" id="{D3148792-2E55-DCE9-D969-EF6C5381DF91}"/>
               </a:ext>
             </a:extLst>
           </p:cNvPr>
@@ -19460,7 +19460,7 @@
           <p:cNvPr id="8" name="Slide Number Placeholder 7">
             <a:extLst>
               <a:ext uri="{FF2B5EF4-FFF2-40B4-BE49-F238E27FC236}">
-                <a16:creationId xmlns:a16="http://schemas.microsoft.com/office/drawing/2014/main" id="{E6AC9832-FB01-464A-9824-61887B77997E}"/>
+                <a16:creationId xmlns:a16="http://schemas.microsoft.com/office/drawing/2014/main" xmlns="" id="{E6AC9832-FB01-464A-9824-61887B77997E}"/>
               </a:ext>
             </a:extLst>
           </p:cNvPr>
@@ -19490,7 +19490,7 @@
           <p:cNvPr id="2" name="Title 1">
             <a:extLst>
               <a:ext uri="{FF2B5EF4-FFF2-40B4-BE49-F238E27FC236}">
-                <a16:creationId xmlns:a16="http://schemas.microsoft.com/office/drawing/2014/main" id="{19304E83-A4F0-49C5-BB01-F5773509A2B3}"/>
+                <a16:creationId xmlns:a16="http://schemas.microsoft.com/office/drawing/2014/main" xmlns="" id="{19304E83-A4F0-49C5-BB01-F5773509A2B3}"/>
               </a:ext>
             </a:extLst>
           </p:cNvPr>
@@ -19518,7 +19518,7 @@
           <p:cNvPr id="3" name="Text Placeholder 2">
             <a:extLst>
               <a:ext uri="{FF2B5EF4-FFF2-40B4-BE49-F238E27FC236}">
-                <a16:creationId xmlns:a16="http://schemas.microsoft.com/office/drawing/2014/main" id="{7CA42D59-EAD6-4F95-84F1-32A30F057856}"/>
+                <a16:creationId xmlns:a16="http://schemas.microsoft.com/office/drawing/2014/main" xmlns="" id="{7CA42D59-EAD6-4F95-84F1-32A30F057856}"/>
               </a:ext>
             </a:extLst>
           </p:cNvPr>
@@ -19556,10 +19556,10 @@
           <p:cNvPr id="11" name="Straight Connector 10">
             <a:extLst>
               <a:ext uri="{FF2B5EF4-FFF2-40B4-BE49-F238E27FC236}">
-                <a16:creationId xmlns:a16="http://schemas.microsoft.com/office/drawing/2014/main" id="{5A563457-1EC8-4978-BCCB-AFD88C9ED04C}"/>
+                <a16:creationId xmlns:a16="http://schemas.microsoft.com/office/drawing/2014/main" xmlns="" id="{5A563457-1EC8-4978-BCCB-AFD88C9ED04C}"/>
               </a:ext>
               <a:ext uri="{C183D7F6-B498-43B3-948B-1728B52AA6E4}">
-                <adec:decorative xmlns:adec="http://schemas.microsoft.com/office/drawing/2017/decorative" val="1"/>
+                <adec:decorative xmlns:adec="http://schemas.microsoft.com/office/drawing/2017/decorative" xmlns="" val="1"/>
               </a:ext>
             </a:extLst>
           </p:cNvPr>
@@ -19602,7 +19602,7 @@
           <p:cNvPr id="9" name="Text Placeholder 2">
             <a:extLst>
               <a:ext uri="{FF2B5EF4-FFF2-40B4-BE49-F238E27FC236}">
-                <a16:creationId xmlns:a16="http://schemas.microsoft.com/office/drawing/2014/main" id="{6841058F-2F02-B0AC-9F2A-7F8B0CB64829}"/>
+                <a16:creationId xmlns:a16="http://schemas.microsoft.com/office/drawing/2014/main" xmlns="" id="{6841058F-2F02-B0AC-9F2A-7F8B0CB64829}"/>
               </a:ext>
             </a:extLst>
           </p:cNvPr>
@@ -19822,7 +19822,7 @@
           <p:cNvPr id="5" name="Picture 6" descr="Chart, scatter chart&#10;&#10;Description automatically generated">
             <a:extLst>
               <a:ext uri="{FF2B5EF4-FFF2-40B4-BE49-F238E27FC236}">
-                <a16:creationId xmlns:a16="http://schemas.microsoft.com/office/drawing/2014/main" id="{BBD2392D-2FC2-0B5B-5F99-E5FCAB05B4C1}"/>
+                <a16:creationId xmlns:a16="http://schemas.microsoft.com/office/drawing/2014/main" xmlns="" id="{BBD2392D-2FC2-0B5B-5F99-E5FCAB05B4C1}"/>
               </a:ext>
             </a:extLst>
           </p:cNvPr>
@@ -19852,7 +19852,7 @@
           <p:cNvPr id="4" name="Rectangle 3">
             <a:extLst>
               <a:ext uri="{FF2B5EF4-FFF2-40B4-BE49-F238E27FC236}">
-                <a16:creationId xmlns:a16="http://schemas.microsoft.com/office/drawing/2014/main" id="{F5EA8FB7-618D-DE81-A2A6-9DC7868EF3F9}"/>
+                <a16:creationId xmlns:a16="http://schemas.microsoft.com/office/drawing/2014/main" xmlns="" id="{F5EA8FB7-618D-DE81-A2A6-9DC7868EF3F9}"/>
               </a:ext>
             </a:extLst>
           </p:cNvPr>
@@ -19934,7 +19934,7 @@
           <p:cNvPr id="8" name="Slide Number Placeholder 7">
             <a:extLst>
               <a:ext uri="{FF2B5EF4-FFF2-40B4-BE49-F238E27FC236}">
-                <a16:creationId xmlns:a16="http://schemas.microsoft.com/office/drawing/2014/main" id="{E6AC9832-FB01-464A-9824-61887B77997E}"/>
+                <a16:creationId xmlns:a16="http://schemas.microsoft.com/office/drawing/2014/main" xmlns="" id="{E6AC9832-FB01-464A-9824-61887B77997E}"/>
               </a:ext>
             </a:extLst>
           </p:cNvPr>
@@ -19964,7 +19964,7 @@
           <p:cNvPr id="2" name="Title 1">
             <a:extLst>
               <a:ext uri="{FF2B5EF4-FFF2-40B4-BE49-F238E27FC236}">
-                <a16:creationId xmlns:a16="http://schemas.microsoft.com/office/drawing/2014/main" id="{19304E83-A4F0-49C5-BB01-F5773509A2B3}"/>
+                <a16:creationId xmlns:a16="http://schemas.microsoft.com/office/drawing/2014/main" xmlns="" id="{19304E83-A4F0-49C5-BB01-F5773509A2B3}"/>
               </a:ext>
             </a:extLst>
           </p:cNvPr>
@@ -19992,7 +19992,7 @@
           <p:cNvPr id="3" name="Text Placeholder 2">
             <a:extLst>
               <a:ext uri="{FF2B5EF4-FFF2-40B4-BE49-F238E27FC236}">
-                <a16:creationId xmlns:a16="http://schemas.microsoft.com/office/drawing/2014/main" id="{7CA42D59-EAD6-4F95-84F1-32A30F057856}"/>
+                <a16:creationId xmlns:a16="http://schemas.microsoft.com/office/drawing/2014/main" xmlns="" id="{7CA42D59-EAD6-4F95-84F1-32A30F057856}"/>
               </a:ext>
             </a:extLst>
           </p:cNvPr>
@@ -20073,10 +20073,10 @@
           <p:cNvPr id="11" name="Straight Connector 10">
             <a:extLst>
               <a:ext uri="{FF2B5EF4-FFF2-40B4-BE49-F238E27FC236}">
-                <a16:creationId xmlns:a16="http://schemas.microsoft.com/office/drawing/2014/main" id="{5A563457-1EC8-4978-BCCB-AFD88C9ED04C}"/>
+                <a16:creationId xmlns:a16="http://schemas.microsoft.com/office/drawing/2014/main" xmlns="" id="{5A563457-1EC8-4978-BCCB-AFD88C9ED04C}"/>
               </a:ext>
               <a:ext uri="{C183D7F6-B498-43B3-948B-1728B52AA6E4}">
-                <adec:decorative xmlns:adec="http://schemas.microsoft.com/office/drawing/2017/decorative" val="1"/>
+                <adec:decorative xmlns:adec="http://schemas.microsoft.com/office/drawing/2017/decorative" xmlns="" val="1"/>
               </a:ext>
             </a:extLst>
           </p:cNvPr>
@@ -20119,7 +20119,7 @@
           <p:cNvPr id="9" name="Picture 9" descr="Chart, histogram&#10;&#10;Description automatically generated">
             <a:extLst>
               <a:ext uri="{FF2B5EF4-FFF2-40B4-BE49-F238E27FC236}">
-                <a16:creationId xmlns:a16="http://schemas.microsoft.com/office/drawing/2014/main" id="{5D220DEF-1C26-5ACC-029C-778A47A75D49}"/>
+                <a16:creationId xmlns:a16="http://schemas.microsoft.com/office/drawing/2014/main" xmlns="" id="{5D220DEF-1C26-5ACC-029C-778A47A75D49}"/>
               </a:ext>
             </a:extLst>
           </p:cNvPr>
@@ -20149,7 +20149,7 @@
           <p:cNvPr id="10" name="Picture 11" descr="Chart, histogram&#10;&#10;Description automatically generated">
             <a:extLst>
               <a:ext uri="{FF2B5EF4-FFF2-40B4-BE49-F238E27FC236}">
-                <a16:creationId xmlns:a16="http://schemas.microsoft.com/office/drawing/2014/main" id="{3067E6F3-B57C-624C-2864-FAF02EE7C508}"/>
+                <a16:creationId xmlns:a16="http://schemas.microsoft.com/office/drawing/2014/main" xmlns="" id="{3067E6F3-B57C-624C-2864-FAF02EE7C508}"/>
               </a:ext>
             </a:extLst>
           </p:cNvPr>
@@ -20179,7 +20179,7 @@
           <p:cNvPr id="12" name="Picture 12" descr="Chart, histogram&#10;&#10;Description automatically generated">
             <a:extLst>
               <a:ext uri="{FF2B5EF4-FFF2-40B4-BE49-F238E27FC236}">
-                <a16:creationId xmlns:a16="http://schemas.microsoft.com/office/drawing/2014/main" id="{2523A3FA-F609-2C13-72E6-CCD6476A4DC0}"/>
+                <a16:creationId xmlns:a16="http://schemas.microsoft.com/office/drawing/2014/main" xmlns="" id="{2523A3FA-F609-2C13-72E6-CCD6476A4DC0}"/>
               </a:ext>
             </a:extLst>
           </p:cNvPr>
@@ -20209,7 +20209,7 @@
           <p:cNvPr id="13" name="Picture 13" descr="Chart, histogram&#10;&#10;Description automatically generated">
             <a:extLst>
               <a:ext uri="{FF2B5EF4-FFF2-40B4-BE49-F238E27FC236}">
-                <a16:creationId xmlns:a16="http://schemas.microsoft.com/office/drawing/2014/main" id="{47BD1A88-FB83-2E10-5739-417C613D4DA8}"/>
+                <a16:creationId xmlns:a16="http://schemas.microsoft.com/office/drawing/2014/main" xmlns="" id="{47BD1A88-FB83-2E10-5739-417C613D4DA8}"/>
               </a:ext>
             </a:extLst>
           </p:cNvPr>
@@ -20269,7 +20269,7 @@
           <p:cNvPr id="8" name="Slide Number Placeholder 7">
             <a:extLst>
               <a:ext uri="{FF2B5EF4-FFF2-40B4-BE49-F238E27FC236}">
-                <a16:creationId xmlns:a16="http://schemas.microsoft.com/office/drawing/2014/main" id="{E6AC9832-FB01-464A-9824-61887B77997E}"/>
+                <a16:creationId xmlns:a16="http://schemas.microsoft.com/office/drawing/2014/main" xmlns="" id="{E6AC9832-FB01-464A-9824-61887B77997E}"/>
               </a:ext>
             </a:extLst>
           </p:cNvPr>
@@ -20299,7 +20299,7 @@
           <p:cNvPr id="2" name="Title 1">
             <a:extLst>
               <a:ext uri="{FF2B5EF4-FFF2-40B4-BE49-F238E27FC236}">
-                <a16:creationId xmlns:a16="http://schemas.microsoft.com/office/drawing/2014/main" id="{19304E83-A4F0-49C5-BB01-F5773509A2B3}"/>
+                <a16:creationId xmlns:a16="http://schemas.microsoft.com/office/drawing/2014/main" xmlns="" id="{19304E83-A4F0-49C5-BB01-F5773509A2B3}"/>
               </a:ext>
             </a:extLst>
           </p:cNvPr>
@@ -20327,10 +20327,10 @@
           <p:cNvPr id="11" name="Straight Connector 10">
             <a:extLst>
               <a:ext uri="{FF2B5EF4-FFF2-40B4-BE49-F238E27FC236}">
-                <a16:creationId xmlns:a16="http://schemas.microsoft.com/office/drawing/2014/main" id="{5A563457-1EC8-4978-BCCB-AFD88C9ED04C}"/>
+                <a16:creationId xmlns:a16="http://schemas.microsoft.com/office/drawing/2014/main" xmlns="" id="{5A563457-1EC8-4978-BCCB-AFD88C9ED04C}"/>
               </a:ext>
               <a:ext uri="{C183D7F6-B498-43B3-948B-1728B52AA6E4}">
-                <adec:decorative xmlns:adec="http://schemas.microsoft.com/office/drawing/2017/decorative" val="1"/>
+                <adec:decorative xmlns:adec="http://schemas.microsoft.com/office/drawing/2017/decorative" xmlns="" val="1"/>
               </a:ext>
             </a:extLst>
           </p:cNvPr>
@@ -20373,7 +20373,7 @@
           <p:cNvPr id="3" name="Picture 3" descr="Chart, radar chart&#10;&#10;Description automatically generated">
             <a:extLst>
               <a:ext uri="{FF2B5EF4-FFF2-40B4-BE49-F238E27FC236}">
-                <a16:creationId xmlns:a16="http://schemas.microsoft.com/office/drawing/2014/main" id="{0A2BB61F-0B5D-5B6C-8816-71C71300D0BD}"/>
+                <a16:creationId xmlns:a16="http://schemas.microsoft.com/office/drawing/2014/main" xmlns="" id="{0A2BB61F-0B5D-5B6C-8816-71C71300D0BD}"/>
               </a:ext>
             </a:extLst>
           </p:cNvPr>
@@ -20403,7 +20403,7 @@
           <p:cNvPr id="7" name="Text Placeholder 2">
             <a:extLst>
               <a:ext uri="{FF2B5EF4-FFF2-40B4-BE49-F238E27FC236}">
-                <a16:creationId xmlns:a16="http://schemas.microsoft.com/office/drawing/2014/main" id="{202452E2-8B1F-6D44-FE6C-75C1C2EF8733}"/>
+                <a16:creationId xmlns:a16="http://schemas.microsoft.com/office/drawing/2014/main" xmlns="" id="{202452E2-8B1F-6D44-FE6C-75C1C2EF8733}"/>
               </a:ext>
             </a:extLst>
           </p:cNvPr>
@@ -20672,7 +20672,7 @@
           <p:cNvPr id="11" name="Picture Placeholder 10" descr="Chart, histogram&#10;&#10;Description automatically generated">
             <a:extLst>
               <a:ext uri="{FF2B5EF4-FFF2-40B4-BE49-F238E27FC236}">
-                <a16:creationId xmlns:a16="http://schemas.microsoft.com/office/drawing/2014/main" id="{2E7ADBC3-DECA-9F4C-9289-9E43C727592F}"/>
+                <a16:creationId xmlns:a16="http://schemas.microsoft.com/office/drawing/2014/main" xmlns="" id="{2E7ADBC3-DECA-9F4C-9289-9E43C727592F}"/>
               </a:ext>
             </a:extLst>
           </p:cNvPr>
@@ -20702,7 +20702,7 @@
           <p:cNvPr id="3" name="Title 2">
             <a:extLst>
               <a:ext uri="{FF2B5EF4-FFF2-40B4-BE49-F238E27FC236}">
-                <a16:creationId xmlns:a16="http://schemas.microsoft.com/office/drawing/2014/main" id="{200B3D2B-613A-41BE-987D-E6A1324B456D}"/>
+                <a16:creationId xmlns:a16="http://schemas.microsoft.com/office/drawing/2014/main" xmlns="" id="{200B3D2B-613A-41BE-987D-E6A1324B456D}"/>
               </a:ext>
             </a:extLst>
           </p:cNvPr>
@@ -20735,7 +20735,7 @@
           <p:cNvPr id="14" name="Text Placeholder 13">
             <a:extLst>
               <a:ext uri="{FF2B5EF4-FFF2-40B4-BE49-F238E27FC236}">
-                <a16:creationId xmlns:a16="http://schemas.microsoft.com/office/drawing/2014/main" id="{F278402B-CA7D-4F5B-B3FA-ED74AB3CFB6C}"/>
+                <a16:creationId xmlns:a16="http://schemas.microsoft.com/office/drawing/2014/main" xmlns="" id="{F278402B-CA7D-4F5B-B3FA-ED74AB3CFB6C}"/>
               </a:ext>
             </a:extLst>
           </p:cNvPr>
@@ -20765,7 +20765,7 @@
           <p:cNvPr id="5" name="Slide Number Placeholder 4">
             <a:extLst>
               <a:ext uri="{FF2B5EF4-FFF2-40B4-BE49-F238E27FC236}">
-                <a16:creationId xmlns:a16="http://schemas.microsoft.com/office/drawing/2014/main" id="{BDD5A594-D852-43BB-B591-E9D9027253BD}"/>
+                <a16:creationId xmlns:a16="http://schemas.microsoft.com/office/drawing/2014/main" xmlns="" id="{BDD5A594-D852-43BB-B591-E9D9027253BD}"/>
               </a:ext>
             </a:extLst>
           </p:cNvPr>
@@ -20802,7 +20802,7 @@
           <p:cNvPr id="2" name="Picture 3" descr="Diagram&#10;&#10;Description automatically generated">
             <a:extLst>
               <a:ext uri="{FF2B5EF4-FFF2-40B4-BE49-F238E27FC236}">
-                <a16:creationId xmlns:a16="http://schemas.microsoft.com/office/drawing/2014/main" id="{21265356-1C0A-6498-037F-B8330D7D8576}"/>
+                <a16:creationId xmlns:a16="http://schemas.microsoft.com/office/drawing/2014/main" xmlns="" id="{21265356-1C0A-6498-037F-B8330D7D8576}"/>
               </a:ext>
             </a:extLst>
           </p:cNvPr>
@@ -20832,7 +20832,7 @@
           <p:cNvPr id="4" name="Picture 5" descr="Text, letter&#10;&#10;Description automatically generated">
             <a:extLst>
               <a:ext uri="{FF2B5EF4-FFF2-40B4-BE49-F238E27FC236}">
-                <a16:creationId xmlns:a16="http://schemas.microsoft.com/office/drawing/2014/main" id="{CC1E694B-18FF-D03C-4997-40E87726A4F9}"/>
+                <a16:creationId xmlns:a16="http://schemas.microsoft.com/office/drawing/2014/main" xmlns="" id="{CC1E694B-18FF-D03C-4997-40E87726A4F9}"/>
               </a:ext>
             </a:extLst>
           </p:cNvPr>
@@ -20892,7 +20892,7 @@
           <p:cNvPr id="8" name="Slide Number Placeholder 7">
             <a:extLst>
               <a:ext uri="{FF2B5EF4-FFF2-40B4-BE49-F238E27FC236}">
-                <a16:creationId xmlns:a16="http://schemas.microsoft.com/office/drawing/2014/main" id="{E6AC9832-FB01-464A-9824-61887B77997E}"/>
+                <a16:creationId xmlns:a16="http://schemas.microsoft.com/office/drawing/2014/main" xmlns="" id="{E6AC9832-FB01-464A-9824-61887B77997E}"/>
               </a:ext>
             </a:extLst>
           </p:cNvPr>
@@ -20922,7 +20922,7 @@
           <p:cNvPr id="2" name="Title 1">
             <a:extLst>
               <a:ext uri="{FF2B5EF4-FFF2-40B4-BE49-F238E27FC236}">
-                <a16:creationId xmlns:a16="http://schemas.microsoft.com/office/drawing/2014/main" id="{19304E83-A4F0-49C5-BB01-F5773509A2B3}"/>
+                <a16:creationId xmlns:a16="http://schemas.microsoft.com/office/drawing/2014/main" xmlns="" id="{19304E83-A4F0-49C5-BB01-F5773509A2B3}"/>
               </a:ext>
             </a:extLst>
           </p:cNvPr>
@@ -20950,7 +20950,7 @@
           <p:cNvPr id="3" name="Text Placeholder 2">
             <a:extLst>
               <a:ext uri="{FF2B5EF4-FFF2-40B4-BE49-F238E27FC236}">
-                <a16:creationId xmlns:a16="http://schemas.microsoft.com/office/drawing/2014/main" id="{7CA42D59-EAD6-4F95-84F1-32A30F057856}"/>
+                <a16:creationId xmlns:a16="http://schemas.microsoft.com/office/drawing/2014/main" xmlns="" id="{7CA42D59-EAD6-4F95-84F1-32A30F057856}"/>
               </a:ext>
             </a:extLst>
           </p:cNvPr>
@@ -21011,10 +21011,10 @@
           <p:cNvPr id="11" name="Straight Connector 10">
             <a:extLst>
               <a:ext uri="{FF2B5EF4-FFF2-40B4-BE49-F238E27FC236}">
-                <a16:creationId xmlns:a16="http://schemas.microsoft.com/office/drawing/2014/main" id="{5A563457-1EC8-4978-BCCB-AFD88C9ED04C}"/>
+                <a16:creationId xmlns:a16="http://schemas.microsoft.com/office/drawing/2014/main" xmlns="" id="{5A563457-1EC8-4978-BCCB-AFD88C9ED04C}"/>
               </a:ext>
               <a:ext uri="{C183D7F6-B498-43B3-948B-1728B52AA6E4}">
-                <adec:decorative xmlns:adec="http://schemas.microsoft.com/office/drawing/2017/decorative" val="1"/>
+                <adec:decorative xmlns:adec="http://schemas.microsoft.com/office/drawing/2017/decorative" xmlns="" val="1"/>
               </a:ext>
             </a:extLst>
           </p:cNvPr>
@@ -21057,7 +21057,7 @@
           <p:cNvPr id="6" name="Text Placeholder 2">
             <a:extLst>
               <a:ext uri="{FF2B5EF4-FFF2-40B4-BE49-F238E27FC236}">
-                <a16:creationId xmlns:a16="http://schemas.microsoft.com/office/drawing/2014/main" id="{C3A67746-35D3-DEAE-1618-7676E4722B77}"/>
+                <a16:creationId xmlns:a16="http://schemas.microsoft.com/office/drawing/2014/main" xmlns="" id="{C3A67746-35D3-DEAE-1618-7676E4722B77}"/>
               </a:ext>
             </a:extLst>
           </p:cNvPr>
@@ -21302,7 +21302,7 @@
           <p:cNvPr id="10" name="Text Placeholder 2">
             <a:extLst>
               <a:ext uri="{FF2B5EF4-FFF2-40B4-BE49-F238E27FC236}">
-                <a16:creationId xmlns:a16="http://schemas.microsoft.com/office/drawing/2014/main" id="{13E8C25C-CF62-FCDC-BCF6-A5004475A2EC}"/>
+                <a16:creationId xmlns:a16="http://schemas.microsoft.com/office/drawing/2014/main" xmlns="" id="{13E8C25C-CF62-FCDC-BCF6-A5004475A2EC}"/>
               </a:ext>
             </a:extLst>
           </p:cNvPr>
@@ -21559,7 +21559,7 @@
           <p:cNvPr id="5" name="TextBox 4">
             <a:extLst>
               <a:ext uri="{FF2B5EF4-FFF2-40B4-BE49-F238E27FC236}">
-                <a16:creationId xmlns:a16="http://schemas.microsoft.com/office/drawing/2014/main" id="{2ED1A8A7-514A-7675-0E52-42EB41556DBF}"/>
+                <a16:creationId xmlns:a16="http://schemas.microsoft.com/office/drawing/2014/main" xmlns="" id="{2ED1A8A7-514A-7675-0E52-42EB41556DBF}"/>
               </a:ext>
             </a:extLst>
           </p:cNvPr>
@@ -21609,7 +21609,7 @@
           <p:cNvPr id="7" name="Picture 11">
             <a:extLst>
               <a:ext uri="{FF2B5EF4-FFF2-40B4-BE49-F238E27FC236}">
-                <a16:creationId xmlns:a16="http://schemas.microsoft.com/office/drawing/2014/main" id="{7CE74A57-715B-B892-DBF9-786CC43484E7}"/>
+                <a16:creationId xmlns:a16="http://schemas.microsoft.com/office/drawing/2014/main" xmlns="" id="{7CE74A57-715B-B892-DBF9-786CC43484E7}"/>
               </a:ext>
             </a:extLst>
           </p:cNvPr>
@@ -21669,7 +21669,7 @@
           <p:cNvPr id="4" name="Picture 6" descr="Chart&#10;&#10;Description automatically generated">
             <a:extLst>
               <a:ext uri="{FF2B5EF4-FFF2-40B4-BE49-F238E27FC236}">
-                <a16:creationId xmlns:a16="http://schemas.microsoft.com/office/drawing/2014/main" id="{F2190068-6FF6-1787-C7F6-10D9CAC102B0}"/>
+                <a16:creationId xmlns:a16="http://schemas.microsoft.com/office/drawing/2014/main" xmlns="" id="{F2190068-6FF6-1787-C7F6-10D9CAC102B0}"/>
               </a:ext>
             </a:extLst>
           </p:cNvPr>
@@ -21699,7 +21699,7 @@
           <p:cNvPr id="8" name="Slide Number Placeholder 7">
             <a:extLst>
               <a:ext uri="{FF2B5EF4-FFF2-40B4-BE49-F238E27FC236}">
-                <a16:creationId xmlns:a16="http://schemas.microsoft.com/office/drawing/2014/main" id="{E6AC9832-FB01-464A-9824-61887B77997E}"/>
+                <a16:creationId xmlns:a16="http://schemas.microsoft.com/office/drawing/2014/main" xmlns="" id="{E6AC9832-FB01-464A-9824-61887B77997E}"/>
               </a:ext>
             </a:extLst>
           </p:cNvPr>
@@ -21729,7 +21729,7 @@
           <p:cNvPr id="2" name="Title 1">
             <a:extLst>
               <a:ext uri="{FF2B5EF4-FFF2-40B4-BE49-F238E27FC236}">
-                <a16:creationId xmlns:a16="http://schemas.microsoft.com/office/drawing/2014/main" id="{19304E83-A4F0-49C5-BB01-F5773509A2B3}"/>
+                <a16:creationId xmlns:a16="http://schemas.microsoft.com/office/drawing/2014/main" xmlns="" id="{19304E83-A4F0-49C5-BB01-F5773509A2B3}"/>
               </a:ext>
             </a:extLst>
           </p:cNvPr>
@@ -21757,7 +21757,7 @@
           <p:cNvPr id="3" name="Text Placeholder 2">
             <a:extLst>
               <a:ext uri="{FF2B5EF4-FFF2-40B4-BE49-F238E27FC236}">
-                <a16:creationId xmlns:a16="http://schemas.microsoft.com/office/drawing/2014/main" id="{7CA42D59-EAD6-4F95-84F1-32A30F057856}"/>
+                <a16:creationId xmlns:a16="http://schemas.microsoft.com/office/drawing/2014/main" xmlns="" id="{7CA42D59-EAD6-4F95-84F1-32A30F057856}"/>
               </a:ext>
             </a:extLst>
           </p:cNvPr>
@@ -21831,10 +21831,10 @@
           <p:cNvPr id="11" name="Straight Connector 10">
             <a:extLst>
               <a:ext uri="{FF2B5EF4-FFF2-40B4-BE49-F238E27FC236}">
-                <a16:creationId xmlns:a16="http://schemas.microsoft.com/office/drawing/2014/main" id="{5A563457-1EC8-4978-BCCB-AFD88C9ED04C}"/>
+                <a16:creationId xmlns:a16="http://schemas.microsoft.com/office/drawing/2014/main" xmlns="" id="{5A563457-1EC8-4978-BCCB-AFD88C9ED04C}"/>
               </a:ext>
               <a:ext uri="{C183D7F6-B498-43B3-948B-1728B52AA6E4}">
-                <adec:decorative xmlns:adec="http://schemas.microsoft.com/office/drawing/2017/decorative" val="1"/>
+                <adec:decorative xmlns:adec="http://schemas.microsoft.com/office/drawing/2017/decorative" xmlns="" val="1"/>
               </a:ext>
             </a:extLst>
           </p:cNvPr>
@@ -21877,7 +21877,7 @@
           <p:cNvPr id="6" name="Text Placeholder 2">
             <a:extLst>
               <a:ext uri="{FF2B5EF4-FFF2-40B4-BE49-F238E27FC236}">
-                <a16:creationId xmlns:a16="http://schemas.microsoft.com/office/drawing/2014/main" id="{C3A67746-35D3-DEAE-1618-7676E4722B77}"/>
+                <a16:creationId xmlns:a16="http://schemas.microsoft.com/office/drawing/2014/main" xmlns="" id="{C3A67746-35D3-DEAE-1618-7676E4722B77}"/>
               </a:ext>
             </a:extLst>
           </p:cNvPr>
@@ -22121,7 +22121,7 @@
           <p:cNvPr id="10" name="Text Placeholder 2">
             <a:extLst>
               <a:ext uri="{FF2B5EF4-FFF2-40B4-BE49-F238E27FC236}">
-                <a16:creationId xmlns:a16="http://schemas.microsoft.com/office/drawing/2014/main" id="{13E8C25C-CF62-FCDC-BCF6-A5004475A2EC}"/>
+                <a16:creationId xmlns:a16="http://schemas.microsoft.com/office/drawing/2014/main" xmlns="" id="{13E8C25C-CF62-FCDC-BCF6-A5004475A2EC}"/>
               </a:ext>
             </a:extLst>
           </p:cNvPr>
@@ -22390,7 +22390,7 @@
           <p:cNvPr id="9" name="TextBox 8">
             <a:extLst>
               <a:ext uri="{FF2B5EF4-FFF2-40B4-BE49-F238E27FC236}">
-                <a16:creationId xmlns:a16="http://schemas.microsoft.com/office/drawing/2014/main" id="{D61EF905-AB0E-6C8F-1547-F5F59C25DAE3}"/>
+                <a16:creationId xmlns:a16="http://schemas.microsoft.com/office/drawing/2014/main" xmlns="" id="{D61EF905-AB0E-6C8F-1547-F5F59C25DAE3}"/>
               </a:ext>
             </a:extLst>
           </p:cNvPr>
@@ -22466,7 +22466,7 @@
           <p:cNvPr id="9" name="Picture Placeholder 8" descr="A group of people posing for a photo&#10;&#10;Description automatically generated">
             <a:extLst>
               <a:ext uri="{FF2B5EF4-FFF2-40B4-BE49-F238E27FC236}">
-                <a16:creationId xmlns:a16="http://schemas.microsoft.com/office/drawing/2014/main" id="{A9A75888-22E3-1D43-9112-DA02186070B5}"/>
+                <a16:creationId xmlns:a16="http://schemas.microsoft.com/office/drawing/2014/main" xmlns="" id="{A9A75888-22E3-1D43-9112-DA02186070B5}"/>
               </a:ext>
             </a:extLst>
           </p:cNvPr>
@@ -22496,10 +22496,10 @@
           <p:cNvPr id="20" name="Rectangle 19">
             <a:extLst>
               <a:ext uri="{FF2B5EF4-FFF2-40B4-BE49-F238E27FC236}">
-                <a16:creationId xmlns:a16="http://schemas.microsoft.com/office/drawing/2014/main" id="{EFA08948-2B6F-46B1-9D2D-8D7B2B3FBD56}"/>
+                <a16:creationId xmlns:a16="http://schemas.microsoft.com/office/drawing/2014/main" xmlns="" id="{EFA08948-2B6F-46B1-9D2D-8D7B2B3FBD56}"/>
               </a:ext>
               <a:ext uri="{C183D7F6-B498-43B3-948B-1728B52AA6E4}">
-                <adec:decorative xmlns:adec="http://schemas.microsoft.com/office/drawing/2017/decorative" val="1"/>
+                <adec:decorative xmlns:adec="http://schemas.microsoft.com/office/drawing/2017/decorative" xmlns="" val="1"/>
               </a:ext>
             </a:extLst>
           </p:cNvPr>
@@ -22551,7 +22551,7 @@
           <p:cNvPr id="2" name="Title 1">
             <a:extLst>
               <a:ext uri="{FF2B5EF4-FFF2-40B4-BE49-F238E27FC236}">
-                <a16:creationId xmlns:a16="http://schemas.microsoft.com/office/drawing/2014/main" id="{3560F281-4FF6-4617-A809-AC9C15ECF18A}"/>
+                <a16:creationId xmlns:a16="http://schemas.microsoft.com/office/drawing/2014/main" xmlns="" id="{3560F281-4FF6-4617-A809-AC9C15ECF18A}"/>
               </a:ext>
             </a:extLst>
           </p:cNvPr>
@@ -22579,7 +22579,7 @@
           <p:cNvPr id="6" name="Slide Number Placeholder 5">
             <a:extLst>
               <a:ext uri="{FF2B5EF4-FFF2-40B4-BE49-F238E27FC236}">
-                <a16:creationId xmlns:a16="http://schemas.microsoft.com/office/drawing/2014/main" id="{1C554D9F-1895-486E-BFBA-905BB2D29E08}"/>
+                <a16:creationId xmlns:a16="http://schemas.microsoft.com/office/drawing/2014/main" xmlns="" id="{1C554D9F-1895-486E-BFBA-905BB2D29E08}"/>
               </a:ext>
             </a:extLst>
           </p:cNvPr>
@@ -22608,1242 +22608,6 @@
               <a:t>2</a:t>
             </a:fld>
             <a:endParaRPr lang="en-US"/>
-          </a:p>
-        </p:txBody>
-      </p:sp>
-      <p:sp>
-        <p:nvSpPr>
-          <p:cNvPr id="7" name="Content Placeholder 3">
-            <a:extLst>
-              <a:ext uri="{FF2B5EF4-FFF2-40B4-BE49-F238E27FC236}">
-                <a16:creationId xmlns:a16="http://schemas.microsoft.com/office/drawing/2014/main" id="{79AB5882-D576-13FF-A0D2-8BFF1654215F}"/>
-              </a:ext>
-            </a:extLst>
-          </p:cNvPr>
-          <p:cNvSpPr txBox="1">
-            <a:spLocks/>
-          </p:cNvSpPr>
-          <p:nvPr/>
-        </p:nvSpPr>
-        <p:spPr>
-          <a:xfrm>
-            <a:off x="5844" y="1720421"/>
-            <a:ext cx="1732557" cy="854537"/>
-          </a:xfrm>
-          <a:prstGeom prst="rect">
-            <a:avLst/>
-          </a:prstGeom>
-        </p:spPr>
-        <p:txBody>
-          <a:bodyPr vert="horz" lIns="0" tIns="0" rIns="0" bIns="0" rtlCol="0" anchor="t">
-            <a:noAutofit/>
-          </a:bodyPr>
-          <a:lstStyle>
-            <a:lvl1pPr marL="266700" indent="-266700" algn="l" defTabSz="914400" rtl="0" eaLnBrk="1" latinLnBrk="0" hangingPunct="1">
-              <a:lnSpc>
-                <a:spcPct val="90000"/>
-              </a:lnSpc>
-              <a:spcBef>
-                <a:spcPts val="1000"/>
-              </a:spcBef>
-              <a:buFont typeface="Arial" panose="020B0604020202020204" pitchFamily="34" charset="0"/>
-              <a:buChar char="•"/>
-              <a:defRPr sz="1800" kern="1200">
-                <a:solidFill>
-                  <a:schemeClr val="tx1">
-                    <a:lumMod val="75000"/>
-                    <a:lumOff val="25000"/>
-                  </a:schemeClr>
-                </a:solidFill>
-                <a:latin typeface="+mn-lt"/>
-                <a:ea typeface="+mn-ea"/>
-                <a:cs typeface="+mn-cs"/>
-              </a:defRPr>
-            </a:lvl1pPr>
-            <a:lvl2pPr marL="542925" indent="-276225" algn="l" defTabSz="914400" rtl="0" eaLnBrk="1" latinLnBrk="0" hangingPunct="1">
-              <a:lnSpc>
-                <a:spcPct val="90000"/>
-              </a:lnSpc>
-              <a:spcBef>
-                <a:spcPts val="500"/>
-              </a:spcBef>
-              <a:buFont typeface="Arial" panose="020B0604020202020204" pitchFamily="34" charset="0"/>
-              <a:buChar char="•"/>
-              <a:defRPr sz="1600" kern="1200">
-                <a:solidFill>
-                  <a:schemeClr val="tx1">
-                    <a:lumMod val="75000"/>
-                    <a:lumOff val="25000"/>
-                  </a:schemeClr>
-                </a:solidFill>
-                <a:latin typeface="+mn-lt"/>
-                <a:ea typeface="+mn-ea"/>
-                <a:cs typeface="+mn-cs"/>
-              </a:defRPr>
-            </a:lvl2pPr>
-            <a:lvl3pPr marL="809625" indent="-266700" algn="l" defTabSz="914400" rtl="0" eaLnBrk="1" latinLnBrk="0" hangingPunct="1">
-              <a:lnSpc>
-                <a:spcPct val="90000"/>
-              </a:lnSpc>
-              <a:spcBef>
-                <a:spcPts val="500"/>
-              </a:spcBef>
-              <a:buFont typeface="Arial" panose="020B0604020202020204" pitchFamily="34" charset="0"/>
-              <a:buChar char="•"/>
-              <a:defRPr sz="1400" kern="1200">
-                <a:solidFill>
-                  <a:schemeClr val="tx1">
-                    <a:lumMod val="75000"/>
-                    <a:lumOff val="25000"/>
-                  </a:schemeClr>
-                </a:solidFill>
-                <a:latin typeface="+mn-lt"/>
-                <a:ea typeface="+mn-ea"/>
-                <a:cs typeface="+mn-cs"/>
-              </a:defRPr>
-            </a:lvl3pPr>
-            <a:lvl4pPr marL="1076325" indent="-266700" algn="l" defTabSz="914400" rtl="0" eaLnBrk="1" latinLnBrk="0" hangingPunct="1">
-              <a:lnSpc>
-                <a:spcPct val="90000"/>
-              </a:lnSpc>
-              <a:spcBef>
-                <a:spcPts val="500"/>
-              </a:spcBef>
-              <a:buFont typeface="Arial" panose="020B0604020202020204" pitchFamily="34" charset="0"/>
-              <a:buChar char="•"/>
-              <a:defRPr sz="1400" kern="1200">
-                <a:solidFill>
-                  <a:schemeClr val="tx1">
-                    <a:lumMod val="75000"/>
-                    <a:lumOff val="25000"/>
-                  </a:schemeClr>
-                </a:solidFill>
-                <a:latin typeface="+mn-lt"/>
-                <a:ea typeface="+mn-ea"/>
-                <a:cs typeface="+mn-cs"/>
-              </a:defRPr>
-            </a:lvl4pPr>
-            <a:lvl5pPr marL="1343025" indent="-266700" algn="l" defTabSz="914400" rtl="0" eaLnBrk="1" latinLnBrk="0" hangingPunct="1">
-              <a:lnSpc>
-                <a:spcPct val="90000"/>
-              </a:lnSpc>
-              <a:spcBef>
-                <a:spcPts val="500"/>
-              </a:spcBef>
-              <a:buFont typeface="Arial" panose="020B0604020202020204" pitchFamily="34" charset="0"/>
-              <a:buChar char="•"/>
-              <a:defRPr sz="1400" kern="1200">
-                <a:solidFill>
-                  <a:schemeClr val="tx1">
-                    <a:lumMod val="75000"/>
-                    <a:lumOff val="25000"/>
-                  </a:schemeClr>
-                </a:solidFill>
-                <a:latin typeface="+mn-lt"/>
-                <a:ea typeface="+mn-ea"/>
-                <a:cs typeface="+mn-cs"/>
-              </a:defRPr>
-            </a:lvl5pPr>
-            <a:lvl6pPr marL="2514600" indent="-228600" algn="l" defTabSz="914400" rtl="0" eaLnBrk="1" latinLnBrk="0" hangingPunct="1">
-              <a:lnSpc>
-                <a:spcPct val="90000"/>
-              </a:lnSpc>
-              <a:spcBef>
-                <a:spcPts val="500"/>
-              </a:spcBef>
-              <a:buFont typeface="Arial" panose="020B0604020202020204" pitchFamily="34" charset="0"/>
-              <a:buChar char="•"/>
-              <a:defRPr sz="1800" kern="1200">
-                <a:solidFill>
-                  <a:schemeClr val="tx1"/>
-                </a:solidFill>
-                <a:latin typeface="+mn-lt"/>
-                <a:ea typeface="+mn-ea"/>
-                <a:cs typeface="+mn-cs"/>
-              </a:defRPr>
-            </a:lvl6pPr>
-            <a:lvl7pPr marL="2971800" indent="-228600" algn="l" defTabSz="914400" rtl="0" eaLnBrk="1" latinLnBrk="0" hangingPunct="1">
-              <a:lnSpc>
-                <a:spcPct val="90000"/>
-              </a:lnSpc>
-              <a:spcBef>
-                <a:spcPts val="500"/>
-              </a:spcBef>
-              <a:buFont typeface="Arial" panose="020B0604020202020204" pitchFamily="34" charset="0"/>
-              <a:buChar char="•"/>
-              <a:defRPr sz="1800" kern="1200">
-                <a:solidFill>
-                  <a:schemeClr val="tx1"/>
-                </a:solidFill>
-                <a:latin typeface="+mn-lt"/>
-                <a:ea typeface="+mn-ea"/>
-                <a:cs typeface="+mn-cs"/>
-              </a:defRPr>
-            </a:lvl7pPr>
-            <a:lvl8pPr marL="3429000" indent="-228600" algn="l" defTabSz="914400" rtl="0" eaLnBrk="1" latinLnBrk="0" hangingPunct="1">
-              <a:lnSpc>
-                <a:spcPct val="90000"/>
-              </a:lnSpc>
-              <a:spcBef>
-                <a:spcPts val="500"/>
-              </a:spcBef>
-              <a:buFont typeface="Arial" panose="020B0604020202020204" pitchFamily="34" charset="0"/>
-              <a:buChar char="•"/>
-              <a:defRPr sz="1800" kern="1200">
-                <a:solidFill>
-                  <a:schemeClr val="tx1"/>
-                </a:solidFill>
-                <a:latin typeface="+mn-lt"/>
-                <a:ea typeface="+mn-ea"/>
-                <a:cs typeface="+mn-cs"/>
-              </a:defRPr>
-            </a:lvl8pPr>
-            <a:lvl9pPr marL="3886200" indent="-228600" algn="l" defTabSz="914400" rtl="0" eaLnBrk="1" latinLnBrk="0" hangingPunct="1">
-              <a:lnSpc>
-                <a:spcPct val="90000"/>
-              </a:lnSpc>
-              <a:spcBef>
-                <a:spcPts val="500"/>
-              </a:spcBef>
-              <a:buFont typeface="Arial" panose="020B0604020202020204" pitchFamily="34" charset="0"/>
-              <a:buChar char="•"/>
-              <a:defRPr sz="1800" kern="1200">
-                <a:solidFill>
-                  <a:schemeClr val="tx1"/>
-                </a:solidFill>
-                <a:latin typeface="+mn-lt"/>
-                <a:ea typeface="+mn-ea"/>
-                <a:cs typeface="+mn-cs"/>
-              </a:defRPr>
-            </a:lvl9pPr>
-          </a:lstStyle>
-          <a:p>
-            <a:pPr marL="0" indent="0" algn="ctr">
-              <a:buFont typeface="Arial" panose="020B0604020202020204" pitchFamily="34" charset="0"/>
-              <a:buNone/>
-            </a:pPr>
-            <a:r>
-              <a:rPr lang="en-US" sz="2800">
-                <a:solidFill>
-                  <a:srgbClr val="1698AF"/>
-                </a:solidFill>
-              </a:rPr>
-              <a:t>Ryan Tervo </a:t>
-            </a:r>
-            <a:endParaRPr lang="en-US" sz="2800" b="1">
-              <a:solidFill>
-                <a:srgbClr val="1698AF"/>
-              </a:solidFill>
-            </a:endParaRPr>
-          </a:p>
-          <a:p>
-            <a:pPr marL="0" indent="0" algn="ctr">
-              <a:buFont typeface="Arial" panose="020B0604020202020204" pitchFamily="34" charset="0"/>
-              <a:buNone/>
-            </a:pPr>
-            <a:endParaRPr lang="en-US" sz="2800">
-              <a:solidFill>
-                <a:srgbClr val="1698AF"/>
-              </a:solidFill>
-            </a:endParaRPr>
-          </a:p>
-          <a:p>
-            <a:pPr marL="0" indent="0">
-              <a:buFont typeface="Arial" panose="020B0604020202020204" pitchFamily="34" charset="0"/>
-              <a:buNone/>
-            </a:pPr>
-            <a:endParaRPr lang="en-US" sz="2800">
-              <a:solidFill>
-                <a:srgbClr val="1698AF"/>
-              </a:solidFill>
-            </a:endParaRPr>
-          </a:p>
-        </p:txBody>
-      </p:sp>
-      <p:sp>
-        <p:nvSpPr>
-          <p:cNvPr id="12" name="Content Placeholder 3">
-            <a:extLst>
-              <a:ext uri="{FF2B5EF4-FFF2-40B4-BE49-F238E27FC236}">
-                <a16:creationId xmlns:a16="http://schemas.microsoft.com/office/drawing/2014/main" id="{F0E4A311-07FE-A843-2278-B7DF7AA99DC9}"/>
-              </a:ext>
-            </a:extLst>
-          </p:cNvPr>
-          <p:cNvSpPr txBox="1">
-            <a:spLocks/>
-          </p:cNvSpPr>
-          <p:nvPr/>
-        </p:nvSpPr>
-        <p:spPr>
-          <a:xfrm>
-            <a:off x="7696399" y="309310"/>
-            <a:ext cx="1732557" cy="854537"/>
-          </a:xfrm>
-          <a:prstGeom prst="rect">
-            <a:avLst/>
-          </a:prstGeom>
-        </p:spPr>
-        <p:txBody>
-          <a:bodyPr vert="horz" lIns="0" tIns="0" rIns="0" bIns="0" rtlCol="0" anchor="t">
-            <a:noAutofit/>
-          </a:bodyPr>
-          <a:lstStyle>
-            <a:lvl1pPr marL="266700" indent="-266700" algn="l" defTabSz="914400" rtl="0" eaLnBrk="1" latinLnBrk="0" hangingPunct="1">
-              <a:lnSpc>
-                <a:spcPct val="90000"/>
-              </a:lnSpc>
-              <a:spcBef>
-                <a:spcPts val="1000"/>
-              </a:spcBef>
-              <a:buFont typeface="Arial" panose="020B0604020202020204" pitchFamily="34" charset="0"/>
-              <a:buChar char="•"/>
-              <a:defRPr sz="1800" kern="1200">
-                <a:solidFill>
-                  <a:schemeClr val="tx1">
-                    <a:lumMod val="75000"/>
-                    <a:lumOff val="25000"/>
-                  </a:schemeClr>
-                </a:solidFill>
-                <a:latin typeface="+mn-lt"/>
-                <a:ea typeface="+mn-ea"/>
-                <a:cs typeface="+mn-cs"/>
-              </a:defRPr>
-            </a:lvl1pPr>
-            <a:lvl2pPr marL="542925" indent="-276225" algn="l" defTabSz="914400" rtl="0" eaLnBrk="1" latinLnBrk="0" hangingPunct="1">
-              <a:lnSpc>
-                <a:spcPct val="90000"/>
-              </a:lnSpc>
-              <a:spcBef>
-                <a:spcPts val="500"/>
-              </a:spcBef>
-              <a:buFont typeface="Arial" panose="020B0604020202020204" pitchFamily="34" charset="0"/>
-              <a:buChar char="•"/>
-              <a:defRPr sz="1600" kern="1200">
-                <a:solidFill>
-                  <a:schemeClr val="tx1">
-                    <a:lumMod val="75000"/>
-                    <a:lumOff val="25000"/>
-                  </a:schemeClr>
-                </a:solidFill>
-                <a:latin typeface="+mn-lt"/>
-                <a:ea typeface="+mn-ea"/>
-                <a:cs typeface="+mn-cs"/>
-              </a:defRPr>
-            </a:lvl2pPr>
-            <a:lvl3pPr marL="809625" indent="-266700" algn="l" defTabSz="914400" rtl="0" eaLnBrk="1" latinLnBrk="0" hangingPunct="1">
-              <a:lnSpc>
-                <a:spcPct val="90000"/>
-              </a:lnSpc>
-              <a:spcBef>
-                <a:spcPts val="500"/>
-              </a:spcBef>
-              <a:buFont typeface="Arial" panose="020B0604020202020204" pitchFamily="34" charset="0"/>
-              <a:buChar char="•"/>
-              <a:defRPr sz="1400" kern="1200">
-                <a:solidFill>
-                  <a:schemeClr val="tx1">
-                    <a:lumMod val="75000"/>
-                    <a:lumOff val="25000"/>
-                  </a:schemeClr>
-                </a:solidFill>
-                <a:latin typeface="+mn-lt"/>
-                <a:ea typeface="+mn-ea"/>
-                <a:cs typeface="+mn-cs"/>
-              </a:defRPr>
-            </a:lvl3pPr>
-            <a:lvl4pPr marL="1076325" indent="-266700" algn="l" defTabSz="914400" rtl="0" eaLnBrk="1" latinLnBrk="0" hangingPunct="1">
-              <a:lnSpc>
-                <a:spcPct val="90000"/>
-              </a:lnSpc>
-              <a:spcBef>
-                <a:spcPts val="500"/>
-              </a:spcBef>
-              <a:buFont typeface="Arial" panose="020B0604020202020204" pitchFamily="34" charset="0"/>
-              <a:buChar char="•"/>
-              <a:defRPr sz="1400" kern="1200">
-                <a:solidFill>
-                  <a:schemeClr val="tx1">
-                    <a:lumMod val="75000"/>
-                    <a:lumOff val="25000"/>
-                  </a:schemeClr>
-                </a:solidFill>
-                <a:latin typeface="+mn-lt"/>
-                <a:ea typeface="+mn-ea"/>
-                <a:cs typeface="+mn-cs"/>
-              </a:defRPr>
-            </a:lvl4pPr>
-            <a:lvl5pPr marL="1343025" indent="-266700" algn="l" defTabSz="914400" rtl="0" eaLnBrk="1" latinLnBrk="0" hangingPunct="1">
-              <a:lnSpc>
-                <a:spcPct val="90000"/>
-              </a:lnSpc>
-              <a:spcBef>
-                <a:spcPts val="500"/>
-              </a:spcBef>
-              <a:buFont typeface="Arial" panose="020B0604020202020204" pitchFamily="34" charset="0"/>
-              <a:buChar char="•"/>
-              <a:defRPr sz="1400" kern="1200">
-                <a:solidFill>
-                  <a:schemeClr val="tx1">
-                    <a:lumMod val="75000"/>
-                    <a:lumOff val="25000"/>
-                  </a:schemeClr>
-                </a:solidFill>
-                <a:latin typeface="+mn-lt"/>
-                <a:ea typeface="+mn-ea"/>
-                <a:cs typeface="+mn-cs"/>
-              </a:defRPr>
-            </a:lvl5pPr>
-            <a:lvl6pPr marL="2514600" indent="-228600" algn="l" defTabSz="914400" rtl="0" eaLnBrk="1" latinLnBrk="0" hangingPunct="1">
-              <a:lnSpc>
-                <a:spcPct val="90000"/>
-              </a:lnSpc>
-              <a:spcBef>
-                <a:spcPts val="500"/>
-              </a:spcBef>
-              <a:buFont typeface="Arial" panose="020B0604020202020204" pitchFamily="34" charset="0"/>
-              <a:buChar char="•"/>
-              <a:defRPr sz="1800" kern="1200">
-                <a:solidFill>
-                  <a:schemeClr val="tx1"/>
-                </a:solidFill>
-                <a:latin typeface="+mn-lt"/>
-                <a:ea typeface="+mn-ea"/>
-                <a:cs typeface="+mn-cs"/>
-              </a:defRPr>
-            </a:lvl6pPr>
-            <a:lvl7pPr marL="2971800" indent="-228600" algn="l" defTabSz="914400" rtl="0" eaLnBrk="1" latinLnBrk="0" hangingPunct="1">
-              <a:lnSpc>
-                <a:spcPct val="90000"/>
-              </a:lnSpc>
-              <a:spcBef>
-                <a:spcPts val="500"/>
-              </a:spcBef>
-              <a:buFont typeface="Arial" panose="020B0604020202020204" pitchFamily="34" charset="0"/>
-              <a:buChar char="•"/>
-              <a:defRPr sz="1800" kern="1200">
-                <a:solidFill>
-                  <a:schemeClr val="tx1"/>
-                </a:solidFill>
-                <a:latin typeface="+mn-lt"/>
-                <a:ea typeface="+mn-ea"/>
-                <a:cs typeface="+mn-cs"/>
-              </a:defRPr>
-            </a:lvl7pPr>
-            <a:lvl8pPr marL="3429000" indent="-228600" algn="l" defTabSz="914400" rtl="0" eaLnBrk="1" latinLnBrk="0" hangingPunct="1">
-              <a:lnSpc>
-                <a:spcPct val="90000"/>
-              </a:lnSpc>
-              <a:spcBef>
-                <a:spcPts val="500"/>
-              </a:spcBef>
-              <a:buFont typeface="Arial" panose="020B0604020202020204" pitchFamily="34" charset="0"/>
-              <a:buChar char="•"/>
-              <a:defRPr sz="1800" kern="1200">
-                <a:solidFill>
-                  <a:schemeClr val="tx1"/>
-                </a:solidFill>
-                <a:latin typeface="+mn-lt"/>
-                <a:ea typeface="+mn-ea"/>
-                <a:cs typeface="+mn-cs"/>
-              </a:defRPr>
-            </a:lvl8pPr>
-            <a:lvl9pPr marL="3886200" indent="-228600" algn="l" defTabSz="914400" rtl="0" eaLnBrk="1" latinLnBrk="0" hangingPunct="1">
-              <a:lnSpc>
-                <a:spcPct val="90000"/>
-              </a:lnSpc>
-              <a:spcBef>
-                <a:spcPts val="500"/>
-              </a:spcBef>
-              <a:buFont typeface="Arial" panose="020B0604020202020204" pitchFamily="34" charset="0"/>
-              <a:buChar char="•"/>
-              <a:defRPr sz="1800" kern="1200">
-                <a:solidFill>
-                  <a:schemeClr val="tx1"/>
-                </a:solidFill>
-                <a:latin typeface="+mn-lt"/>
-                <a:ea typeface="+mn-ea"/>
-                <a:cs typeface="+mn-cs"/>
-              </a:defRPr>
-            </a:lvl9pPr>
-          </a:lstStyle>
-          <a:p>
-            <a:pPr marL="0" indent="0" algn="ctr">
-              <a:buNone/>
-            </a:pPr>
-            <a:r>
-              <a:rPr lang="en-US" sz="2800">
-                <a:solidFill>
-                  <a:srgbClr val="1698AF"/>
-                </a:solidFill>
-              </a:rPr>
-              <a:t>Leonard Lasek </a:t>
-            </a:r>
-            <a:endParaRPr lang="en-US" sz="2800" b="1">
-              <a:solidFill>
-                <a:srgbClr val="1698AF"/>
-              </a:solidFill>
-            </a:endParaRPr>
-          </a:p>
-          <a:p>
-            <a:pPr marL="0" indent="0" algn="ctr">
-              <a:buFont typeface="Arial" panose="020B0604020202020204" pitchFamily="34" charset="0"/>
-              <a:buNone/>
-            </a:pPr>
-            <a:endParaRPr lang="en-US" sz="2800">
-              <a:solidFill>
-                <a:srgbClr val="1698AF"/>
-              </a:solidFill>
-            </a:endParaRPr>
-          </a:p>
-          <a:p>
-            <a:pPr marL="0" indent="0">
-              <a:buFont typeface="Arial" panose="020B0604020202020204" pitchFamily="34" charset="0"/>
-              <a:buNone/>
-            </a:pPr>
-            <a:endParaRPr lang="en-US" sz="2800">
-              <a:solidFill>
-                <a:srgbClr val="1698AF"/>
-              </a:solidFill>
-            </a:endParaRPr>
-          </a:p>
-        </p:txBody>
-      </p:sp>
-      <p:sp>
-        <p:nvSpPr>
-          <p:cNvPr id="15" name="Content Placeholder 3">
-            <a:extLst>
-              <a:ext uri="{FF2B5EF4-FFF2-40B4-BE49-F238E27FC236}">
-                <a16:creationId xmlns:a16="http://schemas.microsoft.com/office/drawing/2014/main" id="{28803868-FA83-5218-81E3-A15B6203F828}"/>
-              </a:ext>
-            </a:extLst>
-          </p:cNvPr>
-          <p:cNvSpPr txBox="1">
-            <a:spLocks/>
-          </p:cNvSpPr>
-          <p:nvPr/>
-        </p:nvSpPr>
-        <p:spPr>
-          <a:xfrm>
-            <a:off x="3604178" y="3258531"/>
-            <a:ext cx="1732557" cy="854537"/>
-          </a:xfrm>
-          <a:prstGeom prst="rect">
-            <a:avLst/>
-          </a:prstGeom>
-        </p:spPr>
-        <p:txBody>
-          <a:bodyPr vert="horz" lIns="0" tIns="0" rIns="0" bIns="0" rtlCol="0" anchor="t">
-            <a:noAutofit/>
-          </a:bodyPr>
-          <a:lstStyle>
-            <a:lvl1pPr marL="266700" indent="-266700" algn="l" defTabSz="914400" rtl="0" eaLnBrk="1" latinLnBrk="0" hangingPunct="1">
-              <a:lnSpc>
-                <a:spcPct val="90000"/>
-              </a:lnSpc>
-              <a:spcBef>
-                <a:spcPts val="1000"/>
-              </a:spcBef>
-              <a:buFont typeface="Arial" panose="020B0604020202020204" pitchFamily="34" charset="0"/>
-              <a:buChar char="•"/>
-              <a:defRPr sz="1800" kern="1200">
-                <a:solidFill>
-                  <a:schemeClr val="tx1">
-                    <a:lumMod val="75000"/>
-                    <a:lumOff val="25000"/>
-                  </a:schemeClr>
-                </a:solidFill>
-                <a:latin typeface="+mn-lt"/>
-                <a:ea typeface="+mn-ea"/>
-                <a:cs typeface="+mn-cs"/>
-              </a:defRPr>
-            </a:lvl1pPr>
-            <a:lvl2pPr marL="542925" indent="-276225" algn="l" defTabSz="914400" rtl="0" eaLnBrk="1" latinLnBrk="0" hangingPunct="1">
-              <a:lnSpc>
-                <a:spcPct val="90000"/>
-              </a:lnSpc>
-              <a:spcBef>
-                <a:spcPts val="500"/>
-              </a:spcBef>
-              <a:buFont typeface="Arial" panose="020B0604020202020204" pitchFamily="34" charset="0"/>
-              <a:buChar char="•"/>
-              <a:defRPr sz="1600" kern="1200">
-                <a:solidFill>
-                  <a:schemeClr val="tx1">
-                    <a:lumMod val="75000"/>
-                    <a:lumOff val="25000"/>
-                  </a:schemeClr>
-                </a:solidFill>
-                <a:latin typeface="+mn-lt"/>
-                <a:ea typeface="+mn-ea"/>
-                <a:cs typeface="+mn-cs"/>
-              </a:defRPr>
-            </a:lvl2pPr>
-            <a:lvl3pPr marL="809625" indent="-266700" algn="l" defTabSz="914400" rtl="0" eaLnBrk="1" latinLnBrk="0" hangingPunct="1">
-              <a:lnSpc>
-                <a:spcPct val="90000"/>
-              </a:lnSpc>
-              <a:spcBef>
-                <a:spcPts val="500"/>
-              </a:spcBef>
-              <a:buFont typeface="Arial" panose="020B0604020202020204" pitchFamily="34" charset="0"/>
-              <a:buChar char="•"/>
-              <a:defRPr sz="1400" kern="1200">
-                <a:solidFill>
-                  <a:schemeClr val="tx1">
-                    <a:lumMod val="75000"/>
-                    <a:lumOff val="25000"/>
-                  </a:schemeClr>
-                </a:solidFill>
-                <a:latin typeface="+mn-lt"/>
-                <a:ea typeface="+mn-ea"/>
-                <a:cs typeface="+mn-cs"/>
-              </a:defRPr>
-            </a:lvl3pPr>
-            <a:lvl4pPr marL="1076325" indent="-266700" algn="l" defTabSz="914400" rtl="0" eaLnBrk="1" latinLnBrk="0" hangingPunct="1">
-              <a:lnSpc>
-                <a:spcPct val="90000"/>
-              </a:lnSpc>
-              <a:spcBef>
-                <a:spcPts val="500"/>
-              </a:spcBef>
-              <a:buFont typeface="Arial" panose="020B0604020202020204" pitchFamily="34" charset="0"/>
-              <a:buChar char="•"/>
-              <a:defRPr sz="1400" kern="1200">
-                <a:solidFill>
-                  <a:schemeClr val="tx1">
-                    <a:lumMod val="75000"/>
-                    <a:lumOff val="25000"/>
-                  </a:schemeClr>
-                </a:solidFill>
-                <a:latin typeface="+mn-lt"/>
-                <a:ea typeface="+mn-ea"/>
-                <a:cs typeface="+mn-cs"/>
-              </a:defRPr>
-            </a:lvl4pPr>
-            <a:lvl5pPr marL="1343025" indent="-266700" algn="l" defTabSz="914400" rtl="0" eaLnBrk="1" latinLnBrk="0" hangingPunct="1">
-              <a:lnSpc>
-                <a:spcPct val="90000"/>
-              </a:lnSpc>
-              <a:spcBef>
-                <a:spcPts val="500"/>
-              </a:spcBef>
-              <a:buFont typeface="Arial" panose="020B0604020202020204" pitchFamily="34" charset="0"/>
-              <a:buChar char="•"/>
-              <a:defRPr sz="1400" kern="1200">
-                <a:solidFill>
-                  <a:schemeClr val="tx1">
-                    <a:lumMod val="75000"/>
-                    <a:lumOff val="25000"/>
-                  </a:schemeClr>
-                </a:solidFill>
-                <a:latin typeface="+mn-lt"/>
-                <a:ea typeface="+mn-ea"/>
-                <a:cs typeface="+mn-cs"/>
-              </a:defRPr>
-            </a:lvl5pPr>
-            <a:lvl6pPr marL="2514600" indent="-228600" algn="l" defTabSz="914400" rtl="0" eaLnBrk="1" latinLnBrk="0" hangingPunct="1">
-              <a:lnSpc>
-                <a:spcPct val="90000"/>
-              </a:lnSpc>
-              <a:spcBef>
-                <a:spcPts val="500"/>
-              </a:spcBef>
-              <a:buFont typeface="Arial" panose="020B0604020202020204" pitchFamily="34" charset="0"/>
-              <a:buChar char="•"/>
-              <a:defRPr sz="1800" kern="1200">
-                <a:solidFill>
-                  <a:schemeClr val="tx1"/>
-                </a:solidFill>
-                <a:latin typeface="+mn-lt"/>
-                <a:ea typeface="+mn-ea"/>
-                <a:cs typeface="+mn-cs"/>
-              </a:defRPr>
-            </a:lvl6pPr>
-            <a:lvl7pPr marL="2971800" indent="-228600" algn="l" defTabSz="914400" rtl="0" eaLnBrk="1" latinLnBrk="0" hangingPunct="1">
-              <a:lnSpc>
-                <a:spcPct val="90000"/>
-              </a:lnSpc>
-              <a:spcBef>
-                <a:spcPts val="500"/>
-              </a:spcBef>
-              <a:buFont typeface="Arial" panose="020B0604020202020204" pitchFamily="34" charset="0"/>
-              <a:buChar char="•"/>
-              <a:defRPr sz="1800" kern="1200">
-                <a:solidFill>
-                  <a:schemeClr val="tx1"/>
-                </a:solidFill>
-                <a:latin typeface="+mn-lt"/>
-                <a:ea typeface="+mn-ea"/>
-                <a:cs typeface="+mn-cs"/>
-              </a:defRPr>
-            </a:lvl7pPr>
-            <a:lvl8pPr marL="3429000" indent="-228600" algn="l" defTabSz="914400" rtl="0" eaLnBrk="1" latinLnBrk="0" hangingPunct="1">
-              <a:lnSpc>
-                <a:spcPct val="90000"/>
-              </a:lnSpc>
-              <a:spcBef>
-                <a:spcPts val="500"/>
-              </a:spcBef>
-              <a:buFont typeface="Arial" panose="020B0604020202020204" pitchFamily="34" charset="0"/>
-              <a:buChar char="•"/>
-              <a:defRPr sz="1800" kern="1200">
-                <a:solidFill>
-                  <a:schemeClr val="tx1"/>
-                </a:solidFill>
-                <a:latin typeface="+mn-lt"/>
-                <a:ea typeface="+mn-ea"/>
-                <a:cs typeface="+mn-cs"/>
-              </a:defRPr>
-            </a:lvl8pPr>
-            <a:lvl9pPr marL="3886200" indent="-228600" algn="l" defTabSz="914400" rtl="0" eaLnBrk="1" latinLnBrk="0" hangingPunct="1">
-              <a:lnSpc>
-                <a:spcPct val="90000"/>
-              </a:lnSpc>
-              <a:spcBef>
-                <a:spcPts val="500"/>
-              </a:spcBef>
-              <a:buFont typeface="Arial" panose="020B0604020202020204" pitchFamily="34" charset="0"/>
-              <a:buChar char="•"/>
-              <a:defRPr sz="1800" kern="1200">
-                <a:solidFill>
-                  <a:schemeClr val="tx1"/>
-                </a:solidFill>
-                <a:latin typeface="+mn-lt"/>
-                <a:ea typeface="+mn-ea"/>
-                <a:cs typeface="+mn-cs"/>
-              </a:defRPr>
-            </a:lvl9pPr>
-          </a:lstStyle>
-          <a:p>
-            <a:pPr marL="0" indent="0" algn="ctr">
-              <a:buNone/>
-            </a:pPr>
-            <a:r>
-              <a:rPr lang="en-US" sz="2800">
-                <a:solidFill>
-                  <a:srgbClr val="1698AF"/>
-                </a:solidFill>
-              </a:rPr>
-              <a:t>Keegan Conroy</a:t>
-            </a:r>
-            <a:endParaRPr lang="en-US">
-              <a:solidFill>
-                <a:srgbClr val="1698AF"/>
-              </a:solidFill>
-            </a:endParaRPr>
-          </a:p>
-          <a:p>
-            <a:pPr marL="0" indent="0" algn="ctr">
-              <a:buFont typeface="Arial" panose="020B0604020202020204" pitchFamily="34" charset="0"/>
-              <a:buNone/>
-            </a:pPr>
-            <a:endParaRPr lang="en-US" sz="2800">
-              <a:solidFill>
-                <a:srgbClr val="1698AF"/>
-              </a:solidFill>
-            </a:endParaRPr>
-          </a:p>
-          <a:p>
-            <a:pPr marL="0" indent="0">
-              <a:buFont typeface="Arial" panose="020B0604020202020204" pitchFamily="34" charset="0"/>
-              <a:buNone/>
-            </a:pPr>
-            <a:endParaRPr lang="en-US" sz="2800">
-              <a:solidFill>
-                <a:srgbClr val="1698AF"/>
-              </a:solidFill>
-            </a:endParaRPr>
-          </a:p>
-        </p:txBody>
-      </p:sp>
-      <p:sp>
-        <p:nvSpPr>
-          <p:cNvPr id="16" name="Content Placeholder 3">
-            <a:extLst>
-              <a:ext uri="{FF2B5EF4-FFF2-40B4-BE49-F238E27FC236}">
-                <a16:creationId xmlns:a16="http://schemas.microsoft.com/office/drawing/2014/main" id="{C788B340-9B39-F6CC-6966-421862A820F5}"/>
-              </a:ext>
-            </a:extLst>
-          </p:cNvPr>
-          <p:cNvSpPr txBox="1">
-            <a:spLocks/>
-          </p:cNvSpPr>
-          <p:nvPr/>
-        </p:nvSpPr>
-        <p:spPr>
-          <a:xfrm>
-            <a:off x="5226955" y="873754"/>
-            <a:ext cx="1732557" cy="854537"/>
-          </a:xfrm>
-          <a:prstGeom prst="rect">
-            <a:avLst/>
-          </a:prstGeom>
-        </p:spPr>
-        <p:txBody>
-          <a:bodyPr vert="horz" lIns="0" tIns="0" rIns="0" bIns="0" rtlCol="0" anchor="t">
-            <a:noAutofit/>
-          </a:bodyPr>
-          <a:lstStyle>
-            <a:lvl1pPr marL="266700" indent="-266700" algn="l" defTabSz="914400" rtl="0" eaLnBrk="1" latinLnBrk="0" hangingPunct="1">
-              <a:lnSpc>
-                <a:spcPct val="90000"/>
-              </a:lnSpc>
-              <a:spcBef>
-                <a:spcPts val="1000"/>
-              </a:spcBef>
-              <a:buFont typeface="Arial" panose="020B0604020202020204" pitchFamily="34" charset="0"/>
-              <a:buChar char="•"/>
-              <a:defRPr sz="1800" kern="1200">
-                <a:solidFill>
-                  <a:schemeClr val="tx1">
-                    <a:lumMod val="75000"/>
-                    <a:lumOff val="25000"/>
-                  </a:schemeClr>
-                </a:solidFill>
-                <a:latin typeface="+mn-lt"/>
-                <a:ea typeface="+mn-ea"/>
-                <a:cs typeface="+mn-cs"/>
-              </a:defRPr>
-            </a:lvl1pPr>
-            <a:lvl2pPr marL="542925" indent="-276225" algn="l" defTabSz="914400" rtl="0" eaLnBrk="1" latinLnBrk="0" hangingPunct="1">
-              <a:lnSpc>
-                <a:spcPct val="90000"/>
-              </a:lnSpc>
-              <a:spcBef>
-                <a:spcPts val="500"/>
-              </a:spcBef>
-              <a:buFont typeface="Arial" panose="020B0604020202020204" pitchFamily="34" charset="0"/>
-              <a:buChar char="•"/>
-              <a:defRPr sz="1600" kern="1200">
-                <a:solidFill>
-                  <a:schemeClr val="tx1">
-                    <a:lumMod val="75000"/>
-                    <a:lumOff val="25000"/>
-                  </a:schemeClr>
-                </a:solidFill>
-                <a:latin typeface="+mn-lt"/>
-                <a:ea typeface="+mn-ea"/>
-                <a:cs typeface="+mn-cs"/>
-              </a:defRPr>
-            </a:lvl2pPr>
-            <a:lvl3pPr marL="809625" indent="-266700" algn="l" defTabSz="914400" rtl="0" eaLnBrk="1" latinLnBrk="0" hangingPunct="1">
-              <a:lnSpc>
-                <a:spcPct val="90000"/>
-              </a:lnSpc>
-              <a:spcBef>
-                <a:spcPts val="500"/>
-              </a:spcBef>
-              <a:buFont typeface="Arial" panose="020B0604020202020204" pitchFamily="34" charset="0"/>
-              <a:buChar char="•"/>
-              <a:defRPr sz="1400" kern="1200">
-                <a:solidFill>
-                  <a:schemeClr val="tx1">
-                    <a:lumMod val="75000"/>
-                    <a:lumOff val="25000"/>
-                  </a:schemeClr>
-                </a:solidFill>
-                <a:latin typeface="+mn-lt"/>
-                <a:ea typeface="+mn-ea"/>
-                <a:cs typeface="+mn-cs"/>
-              </a:defRPr>
-            </a:lvl3pPr>
-            <a:lvl4pPr marL="1076325" indent="-266700" algn="l" defTabSz="914400" rtl="0" eaLnBrk="1" latinLnBrk="0" hangingPunct="1">
-              <a:lnSpc>
-                <a:spcPct val="90000"/>
-              </a:lnSpc>
-              <a:spcBef>
-                <a:spcPts val="500"/>
-              </a:spcBef>
-              <a:buFont typeface="Arial" panose="020B0604020202020204" pitchFamily="34" charset="0"/>
-              <a:buChar char="•"/>
-              <a:defRPr sz="1400" kern="1200">
-                <a:solidFill>
-                  <a:schemeClr val="tx1">
-                    <a:lumMod val="75000"/>
-                    <a:lumOff val="25000"/>
-                  </a:schemeClr>
-                </a:solidFill>
-                <a:latin typeface="+mn-lt"/>
-                <a:ea typeface="+mn-ea"/>
-                <a:cs typeface="+mn-cs"/>
-              </a:defRPr>
-            </a:lvl4pPr>
-            <a:lvl5pPr marL="1343025" indent="-266700" algn="l" defTabSz="914400" rtl="0" eaLnBrk="1" latinLnBrk="0" hangingPunct="1">
-              <a:lnSpc>
-                <a:spcPct val="90000"/>
-              </a:lnSpc>
-              <a:spcBef>
-                <a:spcPts val="500"/>
-              </a:spcBef>
-              <a:buFont typeface="Arial" panose="020B0604020202020204" pitchFamily="34" charset="0"/>
-              <a:buChar char="•"/>
-              <a:defRPr sz="1400" kern="1200">
-                <a:solidFill>
-                  <a:schemeClr val="tx1">
-                    <a:lumMod val="75000"/>
-                    <a:lumOff val="25000"/>
-                  </a:schemeClr>
-                </a:solidFill>
-                <a:latin typeface="+mn-lt"/>
-                <a:ea typeface="+mn-ea"/>
-                <a:cs typeface="+mn-cs"/>
-              </a:defRPr>
-            </a:lvl5pPr>
-            <a:lvl6pPr marL="2514600" indent="-228600" algn="l" defTabSz="914400" rtl="0" eaLnBrk="1" latinLnBrk="0" hangingPunct="1">
-              <a:lnSpc>
-                <a:spcPct val="90000"/>
-              </a:lnSpc>
-              <a:spcBef>
-                <a:spcPts val="500"/>
-              </a:spcBef>
-              <a:buFont typeface="Arial" panose="020B0604020202020204" pitchFamily="34" charset="0"/>
-              <a:buChar char="•"/>
-              <a:defRPr sz="1800" kern="1200">
-                <a:solidFill>
-                  <a:schemeClr val="tx1"/>
-                </a:solidFill>
-                <a:latin typeface="+mn-lt"/>
-                <a:ea typeface="+mn-ea"/>
-                <a:cs typeface="+mn-cs"/>
-              </a:defRPr>
-            </a:lvl6pPr>
-            <a:lvl7pPr marL="2971800" indent="-228600" algn="l" defTabSz="914400" rtl="0" eaLnBrk="1" latinLnBrk="0" hangingPunct="1">
-              <a:lnSpc>
-                <a:spcPct val="90000"/>
-              </a:lnSpc>
-              <a:spcBef>
-                <a:spcPts val="500"/>
-              </a:spcBef>
-              <a:buFont typeface="Arial" panose="020B0604020202020204" pitchFamily="34" charset="0"/>
-              <a:buChar char="•"/>
-              <a:defRPr sz="1800" kern="1200">
-                <a:solidFill>
-                  <a:schemeClr val="tx1"/>
-                </a:solidFill>
-                <a:latin typeface="+mn-lt"/>
-                <a:ea typeface="+mn-ea"/>
-                <a:cs typeface="+mn-cs"/>
-              </a:defRPr>
-            </a:lvl7pPr>
-            <a:lvl8pPr marL="3429000" indent="-228600" algn="l" defTabSz="914400" rtl="0" eaLnBrk="1" latinLnBrk="0" hangingPunct="1">
-              <a:lnSpc>
-                <a:spcPct val="90000"/>
-              </a:lnSpc>
-              <a:spcBef>
-                <a:spcPts val="500"/>
-              </a:spcBef>
-              <a:buFont typeface="Arial" panose="020B0604020202020204" pitchFamily="34" charset="0"/>
-              <a:buChar char="•"/>
-              <a:defRPr sz="1800" kern="1200">
-                <a:solidFill>
-                  <a:schemeClr val="tx1"/>
-                </a:solidFill>
-                <a:latin typeface="+mn-lt"/>
-                <a:ea typeface="+mn-ea"/>
-                <a:cs typeface="+mn-cs"/>
-              </a:defRPr>
-            </a:lvl8pPr>
-            <a:lvl9pPr marL="3886200" indent="-228600" algn="l" defTabSz="914400" rtl="0" eaLnBrk="1" latinLnBrk="0" hangingPunct="1">
-              <a:lnSpc>
-                <a:spcPct val="90000"/>
-              </a:lnSpc>
-              <a:spcBef>
-                <a:spcPts val="500"/>
-              </a:spcBef>
-              <a:buFont typeface="Arial" panose="020B0604020202020204" pitchFamily="34" charset="0"/>
-              <a:buChar char="•"/>
-              <a:defRPr sz="1800" kern="1200">
-                <a:solidFill>
-                  <a:schemeClr val="tx1"/>
-                </a:solidFill>
-                <a:latin typeface="+mn-lt"/>
-                <a:ea typeface="+mn-ea"/>
-                <a:cs typeface="+mn-cs"/>
-              </a:defRPr>
-            </a:lvl9pPr>
-          </a:lstStyle>
-          <a:p>
-            <a:pPr marL="0" indent="0" algn="ctr">
-              <a:buNone/>
-            </a:pPr>
-            <a:r>
-              <a:rPr lang="en-US" sz="2800">
-                <a:solidFill>
-                  <a:srgbClr val="1698AF"/>
-                </a:solidFill>
-              </a:rPr>
-              <a:t>Blake Tindol</a:t>
-            </a:r>
-            <a:endParaRPr lang="en-US">
-              <a:solidFill>
-                <a:srgbClr val="1698AF"/>
-              </a:solidFill>
-            </a:endParaRPr>
-          </a:p>
-          <a:p>
-            <a:pPr marL="0" indent="0" algn="ctr">
-              <a:buFont typeface="Arial" panose="020B0604020202020204" pitchFamily="34" charset="0"/>
-              <a:buNone/>
-            </a:pPr>
-            <a:endParaRPr lang="en-US" sz="2800">
-              <a:solidFill>
-                <a:srgbClr val="1698AF"/>
-              </a:solidFill>
-            </a:endParaRPr>
-          </a:p>
-          <a:p>
-            <a:pPr marL="0" indent="0">
-              <a:buFont typeface="Arial" panose="020B0604020202020204" pitchFamily="34" charset="0"/>
-              <a:buNone/>
-            </a:pPr>
-            <a:endParaRPr lang="en-US" sz="2800">
-              <a:solidFill>
-                <a:srgbClr val="1698AF"/>
-              </a:solidFill>
-            </a:endParaRPr>
-          </a:p>
-        </p:txBody>
-      </p:sp>
-      <p:sp>
-        <p:nvSpPr>
-          <p:cNvPr id="17" name="Content Placeholder 3">
-            <a:extLst>
-              <a:ext uri="{FF2B5EF4-FFF2-40B4-BE49-F238E27FC236}">
-                <a16:creationId xmlns:a16="http://schemas.microsoft.com/office/drawing/2014/main" id="{1A9F6301-CBE1-0DED-2C75-2865A0C5E3E2}"/>
-              </a:ext>
-            </a:extLst>
-          </p:cNvPr>
-          <p:cNvSpPr txBox="1">
-            <a:spLocks/>
-          </p:cNvSpPr>
-          <p:nvPr/>
-        </p:nvSpPr>
-        <p:spPr>
-          <a:xfrm>
-            <a:off x="3378400" y="55309"/>
-            <a:ext cx="3087223" cy="401755"/>
-          </a:xfrm>
-          <a:prstGeom prst="rect">
-            <a:avLst/>
-          </a:prstGeom>
-        </p:spPr>
-        <p:txBody>
-          <a:bodyPr vert="horz" lIns="0" tIns="0" rIns="0" bIns="0" rtlCol="0" anchor="t">
-            <a:noAutofit/>
-          </a:bodyPr>
-          <a:lstStyle>
-            <a:lvl1pPr marL="266700" indent="-266700" algn="l" defTabSz="914400" rtl="0" eaLnBrk="1" latinLnBrk="0" hangingPunct="1">
-              <a:lnSpc>
-                <a:spcPct val="90000"/>
-              </a:lnSpc>
-              <a:spcBef>
-                <a:spcPts val="1000"/>
-              </a:spcBef>
-              <a:buFont typeface="Arial" panose="020B0604020202020204" pitchFamily="34" charset="0"/>
-              <a:buChar char="•"/>
-              <a:defRPr sz="1800" kern="1200">
-                <a:solidFill>
-                  <a:schemeClr val="tx1">
-                    <a:lumMod val="75000"/>
-                    <a:lumOff val="25000"/>
-                  </a:schemeClr>
-                </a:solidFill>
-                <a:latin typeface="+mn-lt"/>
-                <a:ea typeface="+mn-ea"/>
-                <a:cs typeface="+mn-cs"/>
-              </a:defRPr>
-            </a:lvl1pPr>
-            <a:lvl2pPr marL="542925" indent="-276225" algn="l" defTabSz="914400" rtl="0" eaLnBrk="1" latinLnBrk="0" hangingPunct="1">
-              <a:lnSpc>
-                <a:spcPct val="90000"/>
-              </a:lnSpc>
-              <a:spcBef>
-                <a:spcPts val="500"/>
-              </a:spcBef>
-              <a:buFont typeface="Arial" panose="020B0604020202020204" pitchFamily="34" charset="0"/>
-              <a:buChar char="•"/>
-              <a:defRPr sz="1600" kern="1200">
-                <a:solidFill>
-                  <a:schemeClr val="tx1">
-                    <a:lumMod val="75000"/>
-                    <a:lumOff val="25000"/>
-                  </a:schemeClr>
-                </a:solidFill>
-                <a:latin typeface="+mn-lt"/>
-                <a:ea typeface="+mn-ea"/>
-                <a:cs typeface="+mn-cs"/>
-              </a:defRPr>
-            </a:lvl2pPr>
-            <a:lvl3pPr marL="809625" indent="-266700" algn="l" defTabSz="914400" rtl="0" eaLnBrk="1" latinLnBrk="0" hangingPunct="1">
-              <a:lnSpc>
-                <a:spcPct val="90000"/>
-              </a:lnSpc>
-              <a:spcBef>
-                <a:spcPts val="500"/>
-              </a:spcBef>
-              <a:buFont typeface="Arial" panose="020B0604020202020204" pitchFamily="34" charset="0"/>
-              <a:buChar char="•"/>
-              <a:defRPr sz="1400" kern="1200">
-                <a:solidFill>
-                  <a:schemeClr val="tx1">
-                    <a:lumMod val="75000"/>
-                    <a:lumOff val="25000"/>
-                  </a:schemeClr>
-                </a:solidFill>
-                <a:latin typeface="+mn-lt"/>
-                <a:ea typeface="+mn-ea"/>
-                <a:cs typeface="+mn-cs"/>
-              </a:defRPr>
-            </a:lvl3pPr>
-            <a:lvl4pPr marL="1076325" indent="-266700" algn="l" defTabSz="914400" rtl="0" eaLnBrk="1" latinLnBrk="0" hangingPunct="1">
-              <a:lnSpc>
-                <a:spcPct val="90000"/>
-              </a:lnSpc>
-              <a:spcBef>
-                <a:spcPts val="500"/>
-              </a:spcBef>
-              <a:buFont typeface="Arial" panose="020B0604020202020204" pitchFamily="34" charset="0"/>
-              <a:buChar char="•"/>
-              <a:defRPr sz="1400" kern="1200">
-                <a:solidFill>
-                  <a:schemeClr val="tx1">
-                    <a:lumMod val="75000"/>
-                    <a:lumOff val="25000"/>
-                  </a:schemeClr>
-                </a:solidFill>
-                <a:latin typeface="+mn-lt"/>
-                <a:ea typeface="+mn-ea"/>
-                <a:cs typeface="+mn-cs"/>
-              </a:defRPr>
-            </a:lvl4pPr>
-            <a:lvl5pPr marL="1343025" indent="-266700" algn="l" defTabSz="914400" rtl="0" eaLnBrk="1" latinLnBrk="0" hangingPunct="1">
-              <a:lnSpc>
-                <a:spcPct val="90000"/>
-              </a:lnSpc>
-              <a:spcBef>
-                <a:spcPts val="500"/>
-              </a:spcBef>
-              <a:buFont typeface="Arial" panose="020B0604020202020204" pitchFamily="34" charset="0"/>
-              <a:buChar char="•"/>
-              <a:defRPr sz="1400" kern="1200">
-                <a:solidFill>
-                  <a:schemeClr val="tx1">
-                    <a:lumMod val="75000"/>
-                    <a:lumOff val="25000"/>
-                  </a:schemeClr>
-                </a:solidFill>
-                <a:latin typeface="+mn-lt"/>
-                <a:ea typeface="+mn-ea"/>
-                <a:cs typeface="+mn-cs"/>
-              </a:defRPr>
-            </a:lvl5pPr>
-            <a:lvl6pPr marL="2514600" indent="-228600" algn="l" defTabSz="914400" rtl="0" eaLnBrk="1" latinLnBrk="0" hangingPunct="1">
-              <a:lnSpc>
-                <a:spcPct val="90000"/>
-              </a:lnSpc>
-              <a:spcBef>
-                <a:spcPts val="500"/>
-              </a:spcBef>
-              <a:buFont typeface="Arial" panose="020B0604020202020204" pitchFamily="34" charset="0"/>
-              <a:buChar char="•"/>
-              <a:defRPr sz="1800" kern="1200">
-                <a:solidFill>
-                  <a:schemeClr val="tx1"/>
-                </a:solidFill>
-                <a:latin typeface="+mn-lt"/>
-                <a:ea typeface="+mn-ea"/>
-                <a:cs typeface="+mn-cs"/>
-              </a:defRPr>
-            </a:lvl6pPr>
-            <a:lvl7pPr marL="2971800" indent="-228600" algn="l" defTabSz="914400" rtl="0" eaLnBrk="1" latinLnBrk="0" hangingPunct="1">
-              <a:lnSpc>
-                <a:spcPct val="90000"/>
-              </a:lnSpc>
-              <a:spcBef>
-                <a:spcPts val="500"/>
-              </a:spcBef>
-              <a:buFont typeface="Arial" panose="020B0604020202020204" pitchFamily="34" charset="0"/>
-              <a:buChar char="•"/>
-              <a:defRPr sz="1800" kern="1200">
-                <a:solidFill>
-                  <a:schemeClr val="tx1"/>
-                </a:solidFill>
-                <a:latin typeface="+mn-lt"/>
-                <a:ea typeface="+mn-ea"/>
-                <a:cs typeface="+mn-cs"/>
-              </a:defRPr>
-            </a:lvl7pPr>
-            <a:lvl8pPr marL="3429000" indent="-228600" algn="l" defTabSz="914400" rtl="0" eaLnBrk="1" latinLnBrk="0" hangingPunct="1">
-              <a:lnSpc>
-                <a:spcPct val="90000"/>
-              </a:lnSpc>
-              <a:spcBef>
-                <a:spcPts val="500"/>
-              </a:spcBef>
-              <a:buFont typeface="Arial" panose="020B0604020202020204" pitchFamily="34" charset="0"/>
-              <a:buChar char="•"/>
-              <a:defRPr sz="1800" kern="1200">
-                <a:solidFill>
-                  <a:schemeClr val="tx1"/>
-                </a:solidFill>
-                <a:latin typeface="+mn-lt"/>
-                <a:ea typeface="+mn-ea"/>
-                <a:cs typeface="+mn-cs"/>
-              </a:defRPr>
-            </a:lvl8pPr>
-            <a:lvl9pPr marL="3886200" indent="-228600" algn="l" defTabSz="914400" rtl="0" eaLnBrk="1" latinLnBrk="0" hangingPunct="1">
-              <a:lnSpc>
-                <a:spcPct val="90000"/>
-              </a:lnSpc>
-              <a:spcBef>
-                <a:spcPts val="500"/>
-              </a:spcBef>
-              <a:buFont typeface="Arial" panose="020B0604020202020204" pitchFamily="34" charset="0"/>
-              <a:buChar char="•"/>
-              <a:defRPr sz="1800" kern="1200">
-                <a:solidFill>
-                  <a:schemeClr val="tx1"/>
-                </a:solidFill>
-                <a:latin typeface="+mn-lt"/>
-                <a:ea typeface="+mn-ea"/>
-                <a:cs typeface="+mn-cs"/>
-              </a:defRPr>
-            </a:lvl9pPr>
-          </a:lstStyle>
-          <a:p>
-            <a:pPr marL="0" indent="0" algn="ctr">
-              <a:buNone/>
-            </a:pPr>
-            <a:r>
-              <a:rPr lang="en-US" sz="2800">
-                <a:solidFill>
-                  <a:srgbClr val="1698AF"/>
-                </a:solidFill>
-              </a:rPr>
-              <a:t>Christian Dobish</a:t>
-            </a:r>
-          </a:p>
-          <a:p>
-            <a:pPr marL="0" indent="0" algn="ctr">
-              <a:buFont typeface="Arial" panose="020B0604020202020204" pitchFamily="34" charset="0"/>
-              <a:buNone/>
-            </a:pPr>
-            <a:endParaRPr lang="en-US" sz="2800">
-              <a:solidFill>
-                <a:srgbClr val="1698AF"/>
-              </a:solidFill>
-            </a:endParaRPr>
-          </a:p>
-          <a:p>
-            <a:pPr marL="0" indent="0">
-              <a:buFont typeface="Arial" panose="020B0604020202020204" pitchFamily="34" charset="0"/>
-              <a:buNone/>
-            </a:pPr>
-            <a:endParaRPr lang="en-US" sz="2800">
-              <a:solidFill>
-                <a:srgbClr val="1698AF"/>
-              </a:solidFill>
-            </a:endParaRPr>
           </a:p>
         </p:txBody>
       </p:sp>
@@ -23882,7 +22646,7 @@
           <p:cNvPr id="8" name="Slide Number Placeholder 7">
             <a:extLst>
               <a:ext uri="{FF2B5EF4-FFF2-40B4-BE49-F238E27FC236}">
-                <a16:creationId xmlns:a16="http://schemas.microsoft.com/office/drawing/2014/main" id="{E6AC9832-FB01-464A-9824-61887B77997E}"/>
+                <a16:creationId xmlns:a16="http://schemas.microsoft.com/office/drawing/2014/main" xmlns="" id="{E6AC9832-FB01-464A-9824-61887B77997E}"/>
               </a:ext>
             </a:extLst>
           </p:cNvPr>
@@ -23912,7 +22676,7 @@
           <p:cNvPr id="2" name="Title 1">
             <a:extLst>
               <a:ext uri="{FF2B5EF4-FFF2-40B4-BE49-F238E27FC236}">
-                <a16:creationId xmlns:a16="http://schemas.microsoft.com/office/drawing/2014/main" id="{19304E83-A4F0-49C5-BB01-F5773509A2B3}"/>
+                <a16:creationId xmlns:a16="http://schemas.microsoft.com/office/drawing/2014/main" xmlns="" id="{19304E83-A4F0-49C5-BB01-F5773509A2B3}"/>
               </a:ext>
             </a:extLst>
           </p:cNvPr>
@@ -23940,10 +22704,10 @@
           <p:cNvPr id="11" name="Straight Connector 10">
             <a:extLst>
               <a:ext uri="{FF2B5EF4-FFF2-40B4-BE49-F238E27FC236}">
-                <a16:creationId xmlns:a16="http://schemas.microsoft.com/office/drawing/2014/main" id="{5A563457-1EC8-4978-BCCB-AFD88C9ED04C}"/>
+                <a16:creationId xmlns:a16="http://schemas.microsoft.com/office/drawing/2014/main" xmlns="" id="{5A563457-1EC8-4978-BCCB-AFD88C9ED04C}"/>
               </a:ext>
               <a:ext uri="{C183D7F6-B498-43B3-948B-1728B52AA6E4}">
-                <adec:decorative xmlns:adec="http://schemas.microsoft.com/office/drawing/2017/decorative" val="1"/>
+                <adec:decorative xmlns:adec="http://schemas.microsoft.com/office/drawing/2017/decorative" xmlns="" val="1"/>
               </a:ext>
             </a:extLst>
           </p:cNvPr>
@@ -23986,7 +22750,7 @@
           <p:cNvPr id="10" name="Text Placeholder 2">
             <a:extLst>
               <a:ext uri="{FF2B5EF4-FFF2-40B4-BE49-F238E27FC236}">
-                <a16:creationId xmlns:a16="http://schemas.microsoft.com/office/drawing/2014/main" id="{13E8C25C-CF62-FCDC-BCF6-A5004475A2EC}"/>
+                <a16:creationId xmlns:a16="http://schemas.microsoft.com/office/drawing/2014/main" xmlns="" id="{13E8C25C-CF62-FCDC-BCF6-A5004475A2EC}"/>
               </a:ext>
             </a:extLst>
           </p:cNvPr>
@@ -24252,7 +23016,7 @@
           <p:cNvPr id="6" name="Picture 6" descr="A picture containing table&#10;&#10;Description automatically generated">
             <a:extLst>
               <a:ext uri="{FF2B5EF4-FFF2-40B4-BE49-F238E27FC236}">
-                <a16:creationId xmlns:a16="http://schemas.microsoft.com/office/drawing/2014/main" id="{96DF3A99-57E9-9A62-4812-A44B4A4D2A67}"/>
+                <a16:creationId xmlns:a16="http://schemas.microsoft.com/office/drawing/2014/main" xmlns="" id="{96DF3A99-57E9-9A62-4812-A44B4A4D2A67}"/>
               </a:ext>
             </a:extLst>
           </p:cNvPr>
@@ -24312,7 +23076,7 @@
           <p:cNvPr id="8" name="Slide Number Placeholder 7">
             <a:extLst>
               <a:ext uri="{FF2B5EF4-FFF2-40B4-BE49-F238E27FC236}">
-                <a16:creationId xmlns:a16="http://schemas.microsoft.com/office/drawing/2014/main" id="{E6AC9832-FB01-464A-9824-61887B77997E}"/>
+                <a16:creationId xmlns:a16="http://schemas.microsoft.com/office/drawing/2014/main" xmlns="" id="{E6AC9832-FB01-464A-9824-61887B77997E}"/>
               </a:ext>
             </a:extLst>
           </p:cNvPr>
@@ -24342,7 +23106,7 @@
           <p:cNvPr id="2" name="Title 1">
             <a:extLst>
               <a:ext uri="{FF2B5EF4-FFF2-40B4-BE49-F238E27FC236}">
-                <a16:creationId xmlns:a16="http://schemas.microsoft.com/office/drawing/2014/main" id="{19304E83-A4F0-49C5-BB01-F5773509A2B3}"/>
+                <a16:creationId xmlns:a16="http://schemas.microsoft.com/office/drawing/2014/main" xmlns="" id="{19304E83-A4F0-49C5-BB01-F5773509A2B3}"/>
               </a:ext>
             </a:extLst>
           </p:cNvPr>
@@ -24370,7 +23134,7 @@
           <p:cNvPr id="3" name="Text Placeholder 2">
             <a:extLst>
               <a:ext uri="{FF2B5EF4-FFF2-40B4-BE49-F238E27FC236}">
-                <a16:creationId xmlns:a16="http://schemas.microsoft.com/office/drawing/2014/main" id="{7CA42D59-EAD6-4F95-84F1-32A30F057856}"/>
+                <a16:creationId xmlns:a16="http://schemas.microsoft.com/office/drawing/2014/main" xmlns="" id="{7CA42D59-EAD6-4F95-84F1-32A30F057856}"/>
               </a:ext>
             </a:extLst>
           </p:cNvPr>
@@ -24467,10 +23231,10 @@
           <p:cNvPr id="11" name="Straight Connector 10">
             <a:extLst>
               <a:ext uri="{FF2B5EF4-FFF2-40B4-BE49-F238E27FC236}">
-                <a16:creationId xmlns:a16="http://schemas.microsoft.com/office/drawing/2014/main" id="{5A563457-1EC8-4978-BCCB-AFD88C9ED04C}"/>
+                <a16:creationId xmlns:a16="http://schemas.microsoft.com/office/drawing/2014/main" xmlns="" id="{5A563457-1EC8-4978-BCCB-AFD88C9ED04C}"/>
               </a:ext>
               <a:ext uri="{C183D7F6-B498-43B3-948B-1728B52AA6E4}">
-                <adec:decorative xmlns:adec="http://schemas.microsoft.com/office/drawing/2017/decorative" val="1"/>
+                <adec:decorative xmlns:adec="http://schemas.microsoft.com/office/drawing/2017/decorative" xmlns="" val="1"/>
               </a:ext>
             </a:extLst>
           </p:cNvPr>
@@ -24513,7 +23277,7 @@
           <p:cNvPr id="9" name="Text Placeholder 2">
             <a:extLst>
               <a:ext uri="{FF2B5EF4-FFF2-40B4-BE49-F238E27FC236}">
-                <a16:creationId xmlns:a16="http://schemas.microsoft.com/office/drawing/2014/main" id="{310D46F8-84A6-3137-5CBE-4FA8088A3E8B}"/>
+                <a16:creationId xmlns:a16="http://schemas.microsoft.com/office/drawing/2014/main" xmlns="" id="{310D46F8-84A6-3137-5CBE-4FA8088A3E8B}"/>
               </a:ext>
             </a:extLst>
           </p:cNvPr>
@@ -24734,7 +23498,7 @@
           <p:cNvPr id="14" name="Text Placeholder 2">
             <a:extLst>
               <a:ext uri="{FF2B5EF4-FFF2-40B4-BE49-F238E27FC236}">
-                <a16:creationId xmlns:a16="http://schemas.microsoft.com/office/drawing/2014/main" id="{08C311E8-C4AC-443F-7F2C-718CA7854B02}"/>
+                <a16:creationId xmlns:a16="http://schemas.microsoft.com/office/drawing/2014/main" xmlns="" id="{08C311E8-C4AC-443F-7F2C-718CA7854B02}"/>
               </a:ext>
             </a:extLst>
           </p:cNvPr>
@@ -24958,7 +23722,7 @@
           <p:cNvPr id="5" name="Picture 5">
             <a:extLst>
               <a:ext uri="{FF2B5EF4-FFF2-40B4-BE49-F238E27FC236}">
-                <a16:creationId xmlns:a16="http://schemas.microsoft.com/office/drawing/2014/main" id="{EF0BF836-82DF-BCC3-BC0A-1BF867FB811F}"/>
+                <a16:creationId xmlns:a16="http://schemas.microsoft.com/office/drawing/2014/main" xmlns="" id="{EF0BF836-82DF-BCC3-BC0A-1BF867FB811F}"/>
               </a:ext>
             </a:extLst>
           </p:cNvPr>
@@ -24968,7 +23732,7 @@
           <p:nvPr/>
         </p:nvPicPr>
         <p:blipFill>
-          <a:blip r:embed="rId3"/>
+          <a:blip r:embed="rId2"/>
           <a:stretch>
             <a:fillRect/>
           </a:stretch>
@@ -24988,7 +23752,7 @@
           <p:cNvPr id="7" name="Picture 9" descr="Table&#10;&#10;Description automatically generated">
             <a:extLst>
               <a:ext uri="{FF2B5EF4-FFF2-40B4-BE49-F238E27FC236}">
-                <a16:creationId xmlns:a16="http://schemas.microsoft.com/office/drawing/2014/main" id="{D8511CE3-8F28-F38B-F27B-75E2ACCD8B11}"/>
+                <a16:creationId xmlns:a16="http://schemas.microsoft.com/office/drawing/2014/main" xmlns="" id="{D8511CE3-8F28-F38B-F27B-75E2ACCD8B11}"/>
               </a:ext>
             </a:extLst>
           </p:cNvPr>
@@ -24998,7 +23762,7 @@
           <p:nvPr/>
         </p:nvPicPr>
         <p:blipFill>
-          <a:blip r:embed="rId4"/>
+          <a:blip r:embed="rId3"/>
           <a:stretch>
             <a:fillRect/>
           </a:stretch>
@@ -25025,7 +23789,7 @@
   </p:clrMapOvr>
   <p:extLst>
     <p:ext uri="{6950BFC3-D8DA-4A85-94F7-54DA5524770B}">
-      <p188:commentRel xmlns:p188="http://schemas.microsoft.com/office/powerpoint/2018/8/main" r:id="rId2"/>
+      <p188:commentRel xmlns:p188="http://schemas.microsoft.com/office/powerpoint/2018/8/main" xmlns="" r:id="rId4"/>
     </p:ext>
   </p:extLst>
 </p:sld>
@@ -25053,7 +23817,7 @@
           <p:cNvPr id="8" name="Slide Number Placeholder 7">
             <a:extLst>
               <a:ext uri="{FF2B5EF4-FFF2-40B4-BE49-F238E27FC236}">
-                <a16:creationId xmlns:a16="http://schemas.microsoft.com/office/drawing/2014/main" id="{E6AC9832-FB01-464A-9824-61887B77997E}"/>
+                <a16:creationId xmlns:a16="http://schemas.microsoft.com/office/drawing/2014/main" xmlns="" id="{E6AC9832-FB01-464A-9824-61887B77997E}"/>
               </a:ext>
             </a:extLst>
           </p:cNvPr>
@@ -25083,7 +23847,7 @@
           <p:cNvPr id="2" name="Title 1">
             <a:extLst>
               <a:ext uri="{FF2B5EF4-FFF2-40B4-BE49-F238E27FC236}">
-                <a16:creationId xmlns:a16="http://schemas.microsoft.com/office/drawing/2014/main" id="{19304E83-A4F0-49C5-BB01-F5773509A2B3}"/>
+                <a16:creationId xmlns:a16="http://schemas.microsoft.com/office/drawing/2014/main" xmlns="" id="{19304E83-A4F0-49C5-BB01-F5773509A2B3}"/>
               </a:ext>
             </a:extLst>
           </p:cNvPr>
@@ -25132,10 +23896,10 @@
           <p:cNvPr id="11" name="Straight Connector 10">
             <a:extLst>
               <a:ext uri="{FF2B5EF4-FFF2-40B4-BE49-F238E27FC236}">
-                <a16:creationId xmlns:a16="http://schemas.microsoft.com/office/drawing/2014/main" id="{5A563457-1EC8-4978-BCCB-AFD88C9ED04C}"/>
+                <a16:creationId xmlns:a16="http://schemas.microsoft.com/office/drawing/2014/main" xmlns="" id="{5A563457-1EC8-4978-BCCB-AFD88C9ED04C}"/>
               </a:ext>
               <a:ext uri="{C183D7F6-B498-43B3-948B-1728B52AA6E4}">
-                <adec:decorative xmlns:adec="http://schemas.microsoft.com/office/drawing/2017/decorative" val="1"/>
+                <adec:decorative xmlns:adec="http://schemas.microsoft.com/office/drawing/2017/decorative" xmlns="" val="1"/>
               </a:ext>
             </a:extLst>
           </p:cNvPr>
@@ -25178,7 +23942,7 @@
           <p:cNvPr id="6" name="Text Placeholder 2">
             <a:extLst>
               <a:ext uri="{FF2B5EF4-FFF2-40B4-BE49-F238E27FC236}">
-                <a16:creationId xmlns:a16="http://schemas.microsoft.com/office/drawing/2014/main" id="{C3A67746-35D3-DEAE-1618-7676E4722B77}"/>
+                <a16:creationId xmlns:a16="http://schemas.microsoft.com/office/drawing/2014/main" xmlns="" id="{C3A67746-35D3-DEAE-1618-7676E4722B77}"/>
               </a:ext>
             </a:extLst>
           </p:cNvPr>
@@ -25433,7 +24197,7 @@
           <p:cNvPr id="10" name="Text Placeholder 2">
             <a:extLst>
               <a:ext uri="{FF2B5EF4-FFF2-40B4-BE49-F238E27FC236}">
-                <a16:creationId xmlns:a16="http://schemas.microsoft.com/office/drawing/2014/main" id="{13E8C25C-CF62-FCDC-BCF6-A5004475A2EC}"/>
+                <a16:creationId xmlns:a16="http://schemas.microsoft.com/office/drawing/2014/main" xmlns="" id="{13E8C25C-CF62-FCDC-BCF6-A5004475A2EC}"/>
               </a:ext>
             </a:extLst>
           </p:cNvPr>
@@ -25670,7 +24434,7 @@
           <p:cNvPr id="7" name="Picture 8" descr="Diagram&#10;&#10;Description automatically generated">
             <a:extLst>
               <a:ext uri="{FF2B5EF4-FFF2-40B4-BE49-F238E27FC236}">
-                <a16:creationId xmlns:a16="http://schemas.microsoft.com/office/drawing/2014/main" id="{18F9E71B-B6B4-79B4-C939-BB7D2ED7FDBA}"/>
+                <a16:creationId xmlns:a16="http://schemas.microsoft.com/office/drawing/2014/main" xmlns="" id="{18F9E71B-B6B4-79B4-C939-BB7D2ED7FDBA}"/>
               </a:ext>
             </a:extLst>
           </p:cNvPr>
@@ -25700,7 +24464,7 @@
           <p:cNvPr id="9" name="Picture 11">
             <a:extLst>
               <a:ext uri="{FF2B5EF4-FFF2-40B4-BE49-F238E27FC236}">
-                <a16:creationId xmlns:a16="http://schemas.microsoft.com/office/drawing/2014/main" id="{CFB672E1-BD7C-4568-DDCB-68F953DE3B21}"/>
+                <a16:creationId xmlns:a16="http://schemas.microsoft.com/office/drawing/2014/main" xmlns="" id="{CFB672E1-BD7C-4568-DDCB-68F953DE3B21}"/>
               </a:ext>
             </a:extLst>
           </p:cNvPr>
@@ -25760,7 +24524,7 @@
           <p:cNvPr id="11" name="Picture Placeholder 10" descr="A picture containing text&#10;&#10;Description automatically generated">
             <a:extLst>
               <a:ext uri="{FF2B5EF4-FFF2-40B4-BE49-F238E27FC236}">
-                <a16:creationId xmlns:a16="http://schemas.microsoft.com/office/drawing/2014/main" id="{2E7ADBC3-DECA-9F4C-9289-9E43C727592F}"/>
+                <a16:creationId xmlns:a16="http://schemas.microsoft.com/office/drawing/2014/main" xmlns="" id="{2E7ADBC3-DECA-9F4C-9289-9E43C727592F}"/>
               </a:ext>
             </a:extLst>
           </p:cNvPr>
@@ -25790,7 +24554,7 @@
           <p:cNvPr id="3" name="Title 2">
             <a:extLst>
               <a:ext uri="{FF2B5EF4-FFF2-40B4-BE49-F238E27FC236}">
-                <a16:creationId xmlns:a16="http://schemas.microsoft.com/office/drawing/2014/main" id="{200B3D2B-613A-41BE-987D-E6A1324B456D}"/>
+                <a16:creationId xmlns:a16="http://schemas.microsoft.com/office/drawing/2014/main" xmlns="" id="{200B3D2B-613A-41BE-987D-E6A1324B456D}"/>
               </a:ext>
             </a:extLst>
           </p:cNvPr>
@@ -25823,7 +24587,7 @@
           <p:cNvPr id="14" name="Text Placeholder 13">
             <a:extLst>
               <a:ext uri="{FF2B5EF4-FFF2-40B4-BE49-F238E27FC236}">
-                <a16:creationId xmlns:a16="http://schemas.microsoft.com/office/drawing/2014/main" id="{F278402B-CA7D-4F5B-B3FA-ED74AB3CFB6C}"/>
+                <a16:creationId xmlns:a16="http://schemas.microsoft.com/office/drawing/2014/main" xmlns="" id="{F278402B-CA7D-4F5B-B3FA-ED74AB3CFB6C}"/>
               </a:ext>
             </a:extLst>
           </p:cNvPr>
@@ -25858,7 +24622,7 @@
           <p:cNvPr id="5" name="Slide Number Placeholder 4">
             <a:extLst>
               <a:ext uri="{FF2B5EF4-FFF2-40B4-BE49-F238E27FC236}">
-                <a16:creationId xmlns:a16="http://schemas.microsoft.com/office/drawing/2014/main" id="{BDD5A594-D852-43BB-B591-E9D9027253BD}"/>
+                <a16:creationId xmlns:a16="http://schemas.microsoft.com/office/drawing/2014/main" xmlns="" id="{BDD5A594-D852-43BB-B591-E9D9027253BD}"/>
               </a:ext>
             </a:extLst>
           </p:cNvPr>
@@ -25925,7 +24689,7 @@
           <p:cNvPr id="8" name="Slide Number Placeholder 7">
             <a:extLst>
               <a:ext uri="{FF2B5EF4-FFF2-40B4-BE49-F238E27FC236}">
-                <a16:creationId xmlns:a16="http://schemas.microsoft.com/office/drawing/2014/main" id="{E6AC9832-FB01-464A-9824-61887B77997E}"/>
+                <a16:creationId xmlns:a16="http://schemas.microsoft.com/office/drawing/2014/main" xmlns="" id="{E6AC9832-FB01-464A-9824-61887B77997E}"/>
               </a:ext>
             </a:extLst>
           </p:cNvPr>
@@ -25955,7 +24719,7 @@
           <p:cNvPr id="2" name="Title 1">
             <a:extLst>
               <a:ext uri="{FF2B5EF4-FFF2-40B4-BE49-F238E27FC236}">
-                <a16:creationId xmlns:a16="http://schemas.microsoft.com/office/drawing/2014/main" id="{19304E83-A4F0-49C5-BB01-F5773509A2B3}"/>
+                <a16:creationId xmlns:a16="http://schemas.microsoft.com/office/drawing/2014/main" xmlns="" id="{19304E83-A4F0-49C5-BB01-F5773509A2B3}"/>
               </a:ext>
             </a:extLst>
           </p:cNvPr>
@@ -25983,10 +24747,10 @@
           <p:cNvPr id="11" name="Straight Connector 10">
             <a:extLst>
               <a:ext uri="{FF2B5EF4-FFF2-40B4-BE49-F238E27FC236}">
-                <a16:creationId xmlns:a16="http://schemas.microsoft.com/office/drawing/2014/main" id="{5A563457-1EC8-4978-BCCB-AFD88C9ED04C}"/>
+                <a16:creationId xmlns:a16="http://schemas.microsoft.com/office/drawing/2014/main" xmlns="" id="{5A563457-1EC8-4978-BCCB-AFD88C9ED04C}"/>
               </a:ext>
               <a:ext uri="{C183D7F6-B498-43B3-948B-1728B52AA6E4}">
-                <adec:decorative xmlns:adec="http://schemas.microsoft.com/office/drawing/2017/decorative" val="1"/>
+                <adec:decorative xmlns:adec="http://schemas.microsoft.com/office/drawing/2017/decorative" xmlns="" val="1"/>
               </a:ext>
             </a:extLst>
           </p:cNvPr>
@@ -26029,7 +24793,7 @@
           <p:cNvPr id="10" name="Text Placeholder 2">
             <a:extLst>
               <a:ext uri="{FF2B5EF4-FFF2-40B4-BE49-F238E27FC236}">
-                <a16:creationId xmlns:a16="http://schemas.microsoft.com/office/drawing/2014/main" id="{13E8C25C-CF62-FCDC-BCF6-A5004475A2EC}"/>
+                <a16:creationId xmlns:a16="http://schemas.microsoft.com/office/drawing/2014/main" xmlns="" id="{13E8C25C-CF62-FCDC-BCF6-A5004475A2EC}"/>
               </a:ext>
             </a:extLst>
           </p:cNvPr>
@@ -26246,7 +25010,7 @@
           <p:cNvPr id="4" name="Title 1">
             <a:extLst>
               <a:ext uri="{FF2B5EF4-FFF2-40B4-BE49-F238E27FC236}">
-                <a16:creationId xmlns:a16="http://schemas.microsoft.com/office/drawing/2014/main" id="{72732E40-C3E7-13F4-FF66-6DC24EF3503F}"/>
+                <a16:creationId xmlns:a16="http://schemas.microsoft.com/office/drawing/2014/main" xmlns="" id="{72732E40-C3E7-13F4-FF66-6DC24EF3503F}"/>
               </a:ext>
             </a:extLst>
           </p:cNvPr>
@@ -26300,7 +25064,7 @@
           <p:cNvPr id="5" name="Table 5">
             <a:extLst>
               <a:ext uri="{FF2B5EF4-FFF2-40B4-BE49-F238E27FC236}">
-                <a16:creationId xmlns:a16="http://schemas.microsoft.com/office/drawing/2014/main" id="{8D4A063B-24A1-4626-A70D-DFBCC89E44C2}"/>
+                <a16:creationId xmlns:a16="http://schemas.microsoft.com/office/drawing/2014/main" xmlns="" id="{8D4A063B-24A1-4626-A70D-DFBCC89E44C2}"/>
               </a:ext>
             </a:extLst>
           </p:cNvPr>
@@ -26329,35 +25093,35 @@
                 <a:gridCol w="2375064">
                   <a:extLst>
                     <a:ext uri="{9D8B030D-6E8A-4147-A177-3AD203B41FA5}">
-                      <a16:colId xmlns:a16="http://schemas.microsoft.com/office/drawing/2014/main" val="3962640933"/>
+                      <a16:colId xmlns:a16="http://schemas.microsoft.com/office/drawing/2014/main" xmlns="" val="3962640933"/>
                     </a:ext>
                   </a:extLst>
                 </a:gridCol>
                 <a:gridCol w="1743503">
                   <a:extLst>
                     <a:ext uri="{9D8B030D-6E8A-4147-A177-3AD203B41FA5}">
-                      <a16:colId xmlns:a16="http://schemas.microsoft.com/office/drawing/2014/main" val="1491063524"/>
+                      <a16:colId xmlns:a16="http://schemas.microsoft.com/office/drawing/2014/main" xmlns="" val="1491063524"/>
                     </a:ext>
                   </a:extLst>
                 </a:gridCol>
                 <a:gridCol w="2059284">
                   <a:extLst>
                     <a:ext uri="{9D8B030D-6E8A-4147-A177-3AD203B41FA5}">
-                      <a16:colId xmlns:a16="http://schemas.microsoft.com/office/drawing/2014/main" val="2613000793"/>
+                      <a16:colId xmlns:a16="http://schemas.microsoft.com/office/drawing/2014/main" xmlns="" val="2613000793"/>
                     </a:ext>
                   </a:extLst>
                 </a:gridCol>
                 <a:gridCol w="2059284">
                   <a:extLst>
                     <a:ext uri="{9D8B030D-6E8A-4147-A177-3AD203B41FA5}">
-                      <a16:colId xmlns:a16="http://schemas.microsoft.com/office/drawing/2014/main" val="2308932570"/>
+                      <a16:colId xmlns:a16="http://schemas.microsoft.com/office/drawing/2014/main" xmlns="" val="2308932570"/>
                     </a:ext>
                   </a:extLst>
                 </a:gridCol>
                 <a:gridCol w="2059284">
                   <a:extLst>
                     <a:ext uri="{9D8B030D-6E8A-4147-A177-3AD203B41FA5}">
-                      <a16:colId xmlns:a16="http://schemas.microsoft.com/office/drawing/2014/main" val="596421979"/>
+                      <a16:colId xmlns:a16="http://schemas.microsoft.com/office/drawing/2014/main" xmlns="" val="596421979"/>
                     </a:ext>
                   </a:extLst>
                 </a:gridCol>
@@ -26439,7 +25203,7 @@
                 </a:tc>
                 <a:extLst>
                   <a:ext uri="{0D108BD9-81ED-4DB2-BD59-A6C34878D82A}">
-                    <a16:rowId xmlns:a16="http://schemas.microsoft.com/office/drawing/2014/main" val="3600536725"/>
+                    <a16:rowId xmlns:a16="http://schemas.microsoft.com/office/drawing/2014/main" xmlns="" val="3600536725"/>
                   </a:ext>
                 </a:extLst>
               </a:tr>
@@ -26517,7 +25281,7 @@
                 </a:tc>
                 <a:extLst>
                   <a:ext uri="{0D108BD9-81ED-4DB2-BD59-A6C34878D82A}">
-                    <a16:rowId xmlns:a16="http://schemas.microsoft.com/office/drawing/2014/main" val="1235869978"/>
+                    <a16:rowId xmlns:a16="http://schemas.microsoft.com/office/drawing/2014/main" xmlns="" val="1235869978"/>
                   </a:ext>
                 </a:extLst>
               </a:tr>
@@ -26606,7 +25370,7 @@
                 </a:tc>
                 <a:extLst>
                   <a:ext uri="{0D108BD9-81ED-4DB2-BD59-A6C34878D82A}">
-                    <a16:rowId xmlns:a16="http://schemas.microsoft.com/office/drawing/2014/main" val="27814275"/>
+                    <a16:rowId xmlns:a16="http://schemas.microsoft.com/office/drawing/2014/main" xmlns="" val="27814275"/>
                   </a:ext>
                 </a:extLst>
               </a:tr>
@@ -26693,7 +25457,7 @@
                 </a:tc>
                 <a:extLst>
                   <a:ext uri="{0D108BD9-81ED-4DB2-BD59-A6C34878D82A}">
-                    <a16:rowId xmlns:a16="http://schemas.microsoft.com/office/drawing/2014/main" val="3031794498"/>
+                    <a16:rowId xmlns:a16="http://schemas.microsoft.com/office/drawing/2014/main" xmlns="" val="3031794498"/>
                   </a:ext>
                 </a:extLst>
               </a:tr>
@@ -26780,7 +25544,7 @@
                 </a:tc>
                 <a:extLst>
                   <a:ext uri="{0D108BD9-81ED-4DB2-BD59-A6C34878D82A}">
-                    <a16:rowId xmlns:a16="http://schemas.microsoft.com/office/drawing/2014/main" val="2596145257"/>
+                    <a16:rowId xmlns:a16="http://schemas.microsoft.com/office/drawing/2014/main" xmlns="" val="2596145257"/>
                   </a:ext>
                 </a:extLst>
               </a:tr>
@@ -26793,7 +25557,7 @@
           <p:cNvPr id="3" name="TextBox 2">
             <a:extLst>
               <a:ext uri="{FF2B5EF4-FFF2-40B4-BE49-F238E27FC236}">
-                <a16:creationId xmlns:a16="http://schemas.microsoft.com/office/drawing/2014/main" id="{D7186A0B-B3C9-5468-3E6E-C72A44B947F0}"/>
+                <a16:creationId xmlns:a16="http://schemas.microsoft.com/office/drawing/2014/main" xmlns="" id="{D7186A0B-B3C9-5468-3E6E-C72A44B947F0}"/>
               </a:ext>
             </a:extLst>
           </p:cNvPr>
@@ -26896,7 +25660,7 @@
           <p:cNvPr id="8" name="Slide Number Placeholder 7">
             <a:extLst>
               <a:ext uri="{FF2B5EF4-FFF2-40B4-BE49-F238E27FC236}">
-                <a16:creationId xmlns:a16="http://schemas.microsoft.com/office/drawing/2014/main" id="{E6AC9832-FB01-464A-9824-61887B77997E}"/>
+                <a16:creationId xmlns:a16="http://schemas.microsoft.com/office/drawing/2014/main" xmlns="" id="{E6AC9832-FB01-464A-9824-61887B77997E}"/>
               </a:ext>
             </a:extLst>
           </p:cNvPr>
@@ -26926,7 +25690,7 @@
           <p:cNvPr id="2" name="Title 1">
             <a:extLst>
               <a:ext uri="{FF2B5EF4-FFF2-40B4-BE49-F238E27FC236}">
-                <a16:creationId xmlns:a16="http://schemas.microsoft.com/office/drawing/2014/main" id="{19304E83-A4F0-49C5-BB01-F5773509A2B3}"/>
+                <a16:creationId xmlns:a16="http://schemas.microsoft.com/office/drawing/2014/main" xmlns="" id="{19304E83-A4F0-49C5-BB01-F5773509A2B3}"/>
               </a:ext>
             </a:extLst>
           </p:cNvPr>
@@ -26954,10 +25718,10 @@
           <p:cNvPr id="11" name="Straight Connector 10">
             <a:extLst>
               <a:ext uri="{FF2B5EF4-FFF2-40B4-BE49-F238E27FC236}">
-                <a16:creationId xmlns:a16="http://schemas.microsoft.com/office/drawing/2014/main" id="{5A563457-1EC8-4978-BCCB-AFD88C9ED04C}"/>
+                <a16:creationId xmlns:a16="http://schemas.microsoft.com/office/drawing/2014/main" xmlns="" id="{5A563457-1EC8-4978-BCCB-AFD88C9ED04C}"/>
               </a:ext>
               <a:ext uri="{C183D7F6-B498-43B3-948B-1728B52AA6E4}">
-                <adec:decorative xmlns:adec="http://schemas.microsoft.com/office/drawing/2017/decorative" val="1"/>
+                <adec:decorative xmlns:adec="http://schemas.microsoft.com/office/drawing/2017/decorative" xmlns="" val="1"/>
               </a:ext>
             </a:extLst>
           </p:cNvPr>
@@ -27000,7 +25764,7 @@
           <p:cNvPr id="10" name="Text Placeholder 2">
             <a:extLst>
               <a:ext uri="{FF2B5EF4-FFF2-40B4-BE49-F238E27FC236}">
-                <a16:creationId xmlns:a16="http://schemas.microsoft.com/office/drawing/2014/main" id="{13E8C25C-CF62-FCDC-BCF6-A5004475A2EC}"/>
+                <a16:creationId xmlns:a16="http://schemas.microsoft.com/office/drawing/2014/main" xmlns="" id="{13E8C25C-CF62-FCDC-BCF6-A5004475A2EC}"/>
               </a:ext>
             </a:extLst>
           </p:cNvPr>
@@ -27217,7 +25981,7 @@
           <p:cNvPr id="4" name="Title 1">
             <a:extLst>
               <a:ext uri="{FF2B5EF4-FFF2-40B4-BE49-F238E27FC236}">
-                <a16:creationId xmlns:a16="http://schemas.microsoft.com/office/drawing/2014/main" id="{72732E40-C3E7-13F4-FF66-6DC24EF3503F}"/>
+                <a16:creationId xmlns:a16="http://schemas.microsoft.com/office/drawing/2014/main" xmlns="" id="{72732E40-C3E7-13F4-FF66-6DC24EF3503F}"/>
               </a:ext>
             </a:extLst>
           </p:cNvPr>
@@ -27271,7 +26035,7 @@
           <p:cNvPr id="3" name="TextBox 2">
             <a:extLst>
               <a:ext uri="{FF2B5EF4-FFF2-40B4-BE49-F238E27FC236}">
-                <a16:creationId xmlns:a16="http://schemas.microsoft.com/office/drawing/2014/main" id="{D7186A0B-B3C9-5468-3E6E-C72A44B947F0}"/>
+                <a16:creationId xmlns:a16="http://schemas.microsoft.com/office/drawing/2014/main" xmlns="" id="{D7186A0B-B3C9-5468-3E6E-C72A44B947F0}"/>
               </a:ext>
             </a:extLst>
           </p:cNvPr>
@@ -27312,7 +26076,7 @@
           <p:cNvPr id="12" name="Content Placeholder 4">
             <a:extLst>
               <a:ext uri="{FF2B5EF4-FFF2-40B4-BE49-F238E27FC236}">
-                <a16:creationId xmlns:a16="http://schemas.microsoft.com/office/drawing/2014/main" id="{803DF6E4-F8B6-2B32-9748-114E61ED1EBC}"/>
+                <a16:creationId xmlns:a16="http://schemas.microsoft.com/office/drawing/2014/main" xmlns="" id="{803DF6E4-F8B6-2B32-9748-114E61ED1EBC}"/>
               </a:ext>
             </a:extLst>
           </p:cNvPr>
@@ -27639,7 +26403,7 @@
           <p:cNvPr id="11" name="Picture Placeholder 10">
             <a:extLst>
               <a:ext uri="{FF2B5EF4-FFF2-40B4-BE49-F238E27FC236}">
-                <a16:creationId xmlns:a16="http://schemas.microsoft.com/office/drawing/2014/main" id="{2E7ADBC3-DECA-9F4C-9289-9E43C727592F}"/>
+                <a16:creationId xmlns:a16="http://schemas.microsoft.com/office/drawing/2014/main" xmlns="" id="{2E7ADBC3-DECA-9F4C-9289-9E43C727592F}"/>
               </a:ext>
             </a:extLst>
           </p:cNvPr>
@@ -27654,7 +26418,7 @@
           <a:blip r:embed="rId2">
             <a:extLst>
               <a:ext uri="{96DAC541-7B7A-43D3-8B79-37D633B846F1}">
-                <asvg:svgBlip xmlns:asvg="http://schemas.microsoft.com/office/drawing/2016/SVG/main" r:embed="rId3"/>
+                <asvg:svgBlip xmlns:asvg="http://schemas.microsoft.com/office/drawing/2016/SVG/main" xmlns="" r:embed="rId3"/>
               </a:ext>
             </a:extLst>
           </a:blip>
@@ -27674,7 +26438,7 @@
           <p:cNvPr id="3" name="Title 2">
             <a:extLst>
               <a:ext uri="{FF2B5EF4-FFF2-40B4-BE49-F238E27FC236}">
-                <a16:creationId xmlns:a16="http://schemas.microsoft.com/office/drawing/2014/main" id="{200B3D2B-613A-41BE-987D-E6A1324B456D}"/>
+                <a16:creationId xmlns:a16="http://schemas.microsoft.com/office/drawing/2014/main" xmlns="" id="{200B3D2B-613A-41BE-987D-E6A1324B456D}"/>
               </a:ext>
             </a:extLst>
           </p:cNvPr>
@@ -27716,7 +26480,7 @@
           <p:cNvPr id="14" name="Text Placeholder 13">
             <a:extLst>
               <a:ext uri="{FF2B5EF4-FFF2-40B4-BE49-F238E27FC236}">
-                <a16:creationId xmlns:a16="http://schemas.microsoft.com/office/drawing/2014/main" id="{F278402B-CA7D-4F5B-B3FA-ED74AB3CFB6C}"/>
+                <a16:creationId xmlns:a16="http://schemas.microsoft.com/office/drawing/2014/main" xmlns="" id="{F278402B-CA7D-4F5B-B3FA-ED74AB3CFB6C}"/>
               </a:ext>
             </a:extLst>
           </p:cNvPr>
@@ -27751,7 +26515,7 @@
           <p:cNvPr id="19" name="Footer Placeholder 4">
             <a:extLst>
               <a:ext uri="{FF2B5EF4-FFF2-40B4-BE49-F238E27FC236}">
-                <a16:creationId xmlns:a16="http://schemas.microsoft.com/office/drawing/2014/main" id="{37FD7EC4-90A8-A972-BA30-8F1E93A445AF}"/>
+                <a16:creationId xmlns:a16="http://schemas.microsoft.com/office/drawing/2014/main" xmlns="" id="{37FD7EC4-90A8-A972-BA30-8F1E93A445AF}"/>
               </a:ext>
             </a:extLst>
           </p:cNvPr>
@@ -27789,7 +26553,7 @@
           <p:cNvPr id="5" name="Slide Number Placeholder 4">
             <a:extLst>
               <a:ext uri="{FF2B5EF4-FFF2-40B4-BE49-F238E27FC236}">
-                <a16:creationId xmlns:a16="http://schemas.microsoft.com/office/drawing/2014/main" id="{BDD5A594-D852-43BB-B591-E9D9027253BD}"/>
+                <a16:creationId xmlns:a16="http://schemas.microsoft.com/office/drawing/2014/main" xmlns="" id="{BDD5A594-D852-43BB-B591-E9D9027253BD}"/>
               </a:ext>
             </a:extLst>
           </p:cNvPr>
@@ -27865,7 +26629,7 @@
           <p:cNvPr id="2" name="Title 1">
             <a:extLst>
               <a:ext uri="{FF2B5EF4-FFF2-40B4-BE49-F238E27FC236}">
-                <a16:creationId xmlns:a16="http://schemas.microsoft.com/office/drawing/2014/main" id="{19304E83-A4F0-49C5-BB01-F5773509A2B3}"/>
+                <a16:creationId xmlns:a16="http://schemas.microsoft.com/office/drawing/2014/main" xmlns="" id="{19304E83-A4F0-49C5-BB01-F5773509A2B3}"/>
               </a:ext>
             </a:extLst>
           </p:cNvPr>
@@ -27893,7 +26657,7 @@
           <p:cNvPr id="3" name="Text Placeholder 2">
             <a:extLst>
               <a:ext uri="{FF2B5EF4-FFF2-40B4-BE49-F238E27FC236}">
-                <a16:creationId xmlns:a16="http://schemas.microsoft.com/office/drawing/2014/main" id="{7CA42D59-EAD6-4F95-84F1-32A30F057856}"/>
+                <a16:creationId xmlns:a16="http://schemas.microsoft.com/office/drawing/2014/main" xmlns="" id="{7CA42D59-EAD6-4F95-84F1-32A30F057856}"/>
               </a:ext>
             </a:extLst>
           </p:cNvPr>
@@ -27932,7 +26696,7 @@
           <p:cNvPr id="4" name="Text Placeholder 3">
             <a:extLst>
               <a:ext uri="{FF2B5EF4-FFF2-40B4-BE49-F238E27FC236}">
-                <a16:creationId xmlns:a16="http://schemas.microsoft.com/office/drawing/2014/main" id="{6AB259A0-0017-492F-A0DC-4B70C7052AE0}"/>
+                <a16:creationId xmlns:a16="http://schemas.microsoft.com/office/drawing/2014/main" xmlns="" id="{6AB259A0-0017-492F-A0DC-4B70C7052AE0}"/>
               </a:ext>
             </a:extLst>
           </p:cNvPr>
@@ -27965,7 +26729,7 @@
           <p:cNvPr id="5" name="Content Placeholder 4">
             <a:extLst>
               <a:ext uri="{FF2B5EF4-FFF2-40B4-BE49-F238E27FC236}">
-                <a16:creationId xmlns:a16="http://schemas.microsoft.com/office/drawing/2014/main" id="{CEEB3BAE-C0B2-447C-B8BE-96C6BD84D658}"/>
+                <a16:creationId xmlns:a16="http://schemas.microsoft.com/office/drawing/2014/main" xmlns="" id="{CEEB3BAE-C0B2-447C-B8BE-96C6BD84D658}"/>
               </a:ext>
             </a:extLst>
           </p:cNvPr>
@@ -28032,7 +26796,7 @@
           <p:cNvPr id="6" name="Text Placeholder 5">
             <a:extLst>
               <a:ext uri="{FF2B5EF4-FFF2-40B4-BE49-F238E27FC236}">
-                <a16:creationId xmlns:a16="http://schemas.microsoft.com/office/drawing/2014/main" id="{B237D1CA-B91A-410E-A968-D017BBE99F99}"/>
+                <a16:creationId xmlns:a16="http://schemas.microsoft.com/office/drawing/2014/main" xmlns="" id="{B237D1CA-B91A-410E-A968-D017BBE99F99}"/>
               </a:ext>
             </a:extLst>
           </p:cNvPr>
@@ -28067,7 +26831,7 @@
           <p:cNvPr id="7" name="Text Placeholder 6">
             <a:extLst>
               <a:ext uri="{FF2B5EF4-FFF2-40B4-BE49-F238E27FC236}">
-                <a16:creationId xmlns:a16="http://schemas.microsoft.com/office/drawing/2014/main" id="{26A87885-D672-4CF9-A78D-CFE98385B03A}"/>
+                <a16:creationId xmlns:a16="http://schemas.microsoft.com/office/drawing/2014/main" xmlns="" id="{26A87885-D672-4CF9-A78D-CFE98385B03A}"/>
               </a:ext>
             </a:extLst>
           </p:cNvPr>
@@ -28103,7 +26867,7 @@
           <p:cNvPr id="8" name="Slide Number Placeholder 7">
             <a:extLst>
               <a:ext uri="{FF2B5EF4-FFF2-40B4-BE49-F238E27FC236}">
-                <a16:creationId xmlns:a16="http://schemas.microsoft.com/office/drawing/2014/main" id="{E6AC9832-FB01-464A-9824-61887B77997E}"/>
+                <a16:creationId xmlns:a16="http://schemas.microsoft.com/office/drawing/2014/main" xmlns="" id="{E6AC9832-FB01-464A-9824-61887B77997E}"/>
               </a:ext>
             </a:extLst>
           </p:cNvPr>
@@ -28133,10 +26897,10 @@
           <p:cNvPr id="12" name="Rectangle 11">
             <a:extLst>
               <a:ext uri="{FF2B5EF4-FFF2-40B4-BE49-F238E27FC236}">
-                <a16:creationId xmlns:a16="http://schemas.microsoft.com/office/drawing/2014/main" id="{7F65E93D-09FF-42EE-B9DD-750638966686}"/>
+                <a16:creationId xmlns:a16="http://schemas.microsoft.com/office/drawing/2014/main" xmlns="" id="{7F65E93D-09FF-42EE-B9DD-750638966686}"/>
               </a:ext>
               <a:ext uri="{C183D7F6-B498-43B3-948B-1728B52AA6E4}">
-                <adec:decorative xmlns:adec="http://schemas.microsoft.com/office/drawing/2017/decorative" val="1"/>
+                <adec:decorative xmlns:adec="http://schemas.microsoft.com/office/drawing/2017/decorative" xmlns="" val="1"/>
               </a:ext>
             </a:extLst>
           </p:cNvPr>
@@ -28188,10 +26952,10 @@
           <p:cNvPr id="11" name="Straight Connector 10">
             <a:extLst>
               <a:ext uri="{FF2B5EF4-FFF2-40B4-BE49-F238E27FC236}">
-                <a16:creationId xmlns:a16="http://schemas.microsoft.com/office/drawing/2014/main" id="{5A563457-1EC8-4978-BCCB-AFD88C9ED04C}"/>
+                <a16:creationId xmlns:a16="http://schemas.microsoft.com/office/drawing/2014/main" xmlns="" id="{5A563457-1EC8-4978-BCCB-AFD88C9ED04C}"/>
               </a:ext>
               <a:ext uri="{C183D7F6-B498-43B3-948B-1728B52AA6E4}">
-                <adec:decorative xmlns:adec="http://schemas.microsoft.com/office/drawing/2017/decorative" val="1"/>
+                <adec:decorative xmlns:adec="http://schemas.microsoft.com/office/drawing/2017/decorative" xmlns="" val="1"/>
               </a:ext>
             </a:extLst>
           </p:cNvPr>
@@ -28234,10 +26998,10 @@
           <p:cNvPr id="13" name="Rectangle 12">
             <a:extLst>
               <a:ext uri="{FF2B5EF4-FFF2-40B4-BE49-F238E27FC236}">
-                <a16:creationId xmlns:a16="http://schemas.microsoft.com/office/drawing/2014/main" id="{A7CD04AE-9A8B-4DED-855D-F51B510D0B69}"/>
+                <a16:creationId xmlns:a16="http://schemas.microsoft.com/office/drawing/2014/main" xmlns="" id="{A7CD04AE-9A8B-4DED-855D-F51B510D0B69}"/>
               </a:ext>
               <a:ext uri="{C183D7F6-B498-43B3-948B-1728B52AA6E4}">
-                <adec:decorative xmlns:adec="http://schemas.microsoft.com/office/drawing/2017/decorative" val="1"/>
+                <adec:decorative xmlns:adec="http://schemas.microsoft.com/office/drawing/2017/decorative" xmlns="" val="1"/>
               </a:ext>
             </a:extLst>
           </p:cNvPr>
@@ -28319,7 +27083,7 @@
           <p:cNvPr id="11" name="Picture Placeholder 10" descr="A picture containing text, book, linedrawing&#10;&#10;Description automatically generated">
             <a:extLst>
               <a:ext uri="{FF2B5EF4-FFF2-40B4-BE49-F238E27FC236}">
-                <a16:creationId xmlns:a16="http://schemas.microsoft.com/office/drawing/2014/main" id="{2E7ADBC3-DECA-9F4C-9289-9E43C727592F}"/>
+                <a16:creationId xmlns:a16="http://schemas.microsoft.com/office/drawing/2014/main" xmlns="" id="{2E7ADBC3-DECA-9F4C-9289-9E43C727592F}"/>
               </a:ext>
             </a:extLst>
           </p:cNvPr>
@@ -28348,7 +27112,7 @@
           <p:cNvPr id="3" name="Title 2">
             <a:extLst>
               <a:ext uri="{FF2B5EF4-FFF2-40B4-BE49-F238E27FC236}">
-                <a16:creationId xmlns:a16="http://schemas.microsoft.com/office/drawing/2014/main" id="{200B3D2B-613A-41BE-987D-E6A1324B456D}"/>
+                <a16:creationId xmlns:a16="http://schemas.microsoft.com/office/drawing/2014/main" xmlns="" id="{200B3D2B-613A-41BE-987D-E6A1324B456D}"/>
               </a:ext>
             </a:extLst>
           </p:cNvPr>
@@ -28383,7 +27147,7 @@
           <p:cNvPr id="14" name="Text Placeholder 13">
             <a:extLst>
               <a:ext uri="{FF2B5EF4-FFF2-40B4-BE49-F238E27FC236}">
-                <a16:creationId xmlns:a16="http://schemas.microsoft.com/office/drawing/2014/main" id="{F278402B-CA7D-4F5B-B3FA-ED74AB3CFB6C}"/>
+                <a16:creationId xmlns:a16="http://schemas.microsoft.com/office/drawing/2014/main" xmlns="" id="{F278402B-CA7D-4F5B-B3FA-ED74AB3CFB6C}"/>
               </a:ext>
             </a:extLst>
           </p:cNvPr>
@@ -28418,7 +27182,7 @@
           <p:cNvPr id="21" name="Footer Placeholder 5">
             <a:extLst>
               <a:ext uri="{FF2B5EF4-FFF2-40B4-BE49-F238E27FC236}">
-                <a16:creationId xmlns:a16="http://schemas.microsoft.com/office/drawing/2014/main" id="{B3620364-936A-2C47-9928-1D61B451EE23}"/>
+                <a16:creationId xmlns:a16="http://schemas.microsoft.com/office/drawing/2014/main" xmlns="" id="{B3620364-936A-2C47-9928-1D61B451EE23}"/>
               </a:ext>
             </a:extLst>
           </p:cNvPr>
@@ -28458,7 +27222,7 @@
           <p:cNvPr id="5" name="Slide Number Placeholder 4">
             <a:extLst>
               <a:ext uri="{FF2B5EF4-FFF2-40B4-BE49-F238E27FC236}">
-                <a16:creationId xmlns:a16="http://schemas.microsoft.com/office/drawing/2014/main" id="{BDD5A594-D852-43BB-B591-E9D9027253BD}"/>
+                <a16:creationId xmlns:a16="http://schemas.microsoft.com/office/drawing/2014/main" xmlns="" id="{BDD5A594-D852-43BB-B591-E9D9027253BD}"/>
               </a:ext>
             </a:extLst>
           </p:cNvPr>
@@ -28534,7 +27298,7 @@
           <p:cNvPr id="8" name="Slide Number Placeholder 7">
             <a:extLst>
               <a:ext uri="{FF2B5EF4-FFF2-40B4-BE49-F238E27FC236}">
-                <a16:creationId xmlns:a16="http://schemas.microsoft.com/office/drawing/2014/main" id="{E6AC9832-FB01-464A-9824-61887B77997E}"/>
+                <a16:creationId xmlns:a16="http://schemas.microsoft.com/office/drawing/2014/main" xmlns="" id="{E6AC9832-FB01-464A-9824-61887B77997E}"/>
               </a:ext>
             </a:extLst>
           </p:cNvPr>
@@ -28564,7 +27328,7 @@
           <p:cNvPr id="2" name="Title 1">
             <a:extLst>
               <a:ext uri="{FF2B5EF4-FFF2-40B4-BE49-F238E27FC236}">
-                <a16:creationId xmlns:a16="http://schemas.microsoft.com/office/drawing/2014/main" id="{19304E83-A4F0-49C5-BB01-F5773509A2B3}"/>
+                <a16:creationId xmlns:a16="http://schemas.microsoft.com/office/drawing/2014/main" xmlns="" id="{19304E83-A4F0-49C5-BB01-F5773509A2B3}"/>
               </a:ext>
             </a:extLst>
           </p:cNvPr>
@@ -28597,7 +27361,7 @@
           <p:cNvPr id="3" name="Text Placeholder 2">
             <a:extLst>
               <a:ext uri="{FF2B5EF4-FFF2-40B4-BE49-F238E27FC236}">
-                <a16:creationId xmlns:a16="http://schemas.microsoft.com/office/drawing/2014/main" id="{7CA42D59-EAD6-4F95-84F1-32A30F057856}"/>
+                <a16:creationId xmlns:a16="http://schemas.microsoft.com/office/drawing/2014/main" xmlns="" id="{7CA42D59-EAD6-4F95-84F1-32A30F057856}"/>
               </a:ext>
             </a:extLst>
           </p:cNvPr>
@@ -28771,7 +27535,7 @@
           <p:cNvPr id="11" name="Picture Placeholder 10">
             <a:extLst>
               <a:ext uri="{FF2B5EF4-FFF2-40B4-BE49-F238E27FC236}">
-                <a16:creationId xmlns:a16="http://schemas.microsoft.com/office/drawing/2014/main" id="{2E7ADBC3-DECA-9F4C-9289-9E43C727592F}"/>
+                <a16:creationId xmlns:a16="http://schemas.microsoft.com/office/drawing/2014/main" xmlns="" id="{2E7ADBC3-DECA-9F4C-9289-9E43C727592F}"/>
               </a:ext>
             </a:extLst>
           </p:cNvPr>
@@ -28800,7 +27564,7 @@
           <p:cNvPr id="3" name="Title 2">
             <a:extLst>
               <a:ext uri="{FF2B5EF4-FFF2-40B4-BE49-F238E27FC236}">
-                <a16:creationId xmlns:a16="http://schemas.microsoft.com/office/drawing/2014/main" id="{200B3D2B-613A-41BE-987D-E6A1324B456D}"/>
+                <a16:creationId xmlns:a16="http://schemas.microsoft.com/office/drawing/2014/main" xmlns="" id="{200B3D2B-613A-41BE-987D-E6A1324B456D}"/>
               </a:ext>
             </a:extLst>
           </p:cNvPr>
@@ -28835,7 +27599,7 @@
           <p:cNvPr id="14" name="Text Placeholder 13">
             <a:extLst>
               <a:ext uri="{FF2B5EF4-FFF2-40B4-BE49-F238E27FC236}">
-                <a16:creationId xmlns:a16="http://schemas.microsoft.com/office/drawing/2014/main" id="{F278402B-CA7D-4F5B-B3FA-ED74AB3CFB6C}"/>
+                <a16:creationId xmlns:a16="http://schemas.microsoft.com/office/drawing/2014/main" xmlns="" id="{F278402B-CA7D-4F5B-B3FA-ED74AB3CFB6C}"/>
               </a:ext>
             </a:extLst>
           </p:cNvPr>
@@ -28870,7 +27634,7 @@
           <p:cNvPr id="5" name="Slide Number Placeholder 4">
             <a:extLst>
               <a:ext uri="{FF2B5EF4-FFF2-40B4-BE49-F238E27FC236}">
-                <a16:creationId xmlns:a16="http://schemas.microsoft.com/office/drawing/2014/main" id="{BDD5A594-D852-43BB-B591-E9D9027253BD}"/>
+                <a16:creationId xmlns:a16="http://schemas.microsoft.com/office/drawing/2014/main" xmlns="" id="{BDD5A594-D852-43BB-B591-E9D9027253BD}"/>
               </a:ext>
             </a:extLst>
           </p:cNvPr>
@@ -28946,7 +27710,7 @@
           <p:cNvPr id="8" name="Slide Number Placeholder 7">
             <a:extLst>
               <a:ext uri="{FF2B5EF4-FFF2-40B4-BE49-F238E27FC236}">
-                <a16:creationId xmlns:a16="http://schemas.microsoft.com/office/drawing/2014/main" id="{E6AC9832-FB01-464A-9824-61887B77997E}"/>
+                <a16:creationId xmlns:a16="http://schemas.microsoft.com/office/drawing/2014/main" xmlns="" id="{E6AC9832-FB01-464A-9824-61887B77997E}"/>
               </a:ext>
             </a:extLst>
           </p:cNvPr>
@@ -28976,7 +27740,7 @@
           <p:cNvPr id="2" name="Title 1">
             <a:extLst>
               <a:ext uri="{FF2B5EF4-FFF2-40B4-BE49-F238E27FC236}">
-                <a16:creationId xmlns:a16="http://schemas.microsoft.com/office/drawing/2014/main" id="{19304E83-A4F0-49C5-BB01-F5773509A2B3}"/>
+                <a16:creationId xmlns:a16="http://schemas.microsoft.com/office/drawing/2014/main" xmlns="" id="{19304E83-A4F0-49C5-BB01-F5773509A2B3}"/>
               </a:ext>
             </a:extLst>
           </p:cNvPr>
@@ -29004,7 +27768,7 @@
           <p:cNvPr id="3" name="Text Placeholder 2">
             <a:extLst>
               <a:ext uri="{FF2B5EF4-FFF2-40B4-BE49-F238E27FC236}">
-                <a16:creationId xmlns:a16="http://schemas.microsoft.com/office/drawing/2014/main" id="{7CA42D59-EAD6-4F95-84F1-32A30F057856}"/>
+                <a16:creationId xmlns:a16="http://schemas.microsoft.com/office/drawing/2014/main" xmlns="" id="{7CA42D59-EAD6-4F95-84F1-32A30F057856}"/>
               </a:ext>
             </a:extLst>
           </p:cNvPr>
@@ -29121,10 +27885,10 @@
           <p:cNvPr id="11" name="Straight Connector 10">
             <a:extLst>
               <a:ext uri="{FF2B5EF4-FFF2-40B4-BE49-F238E27FC236}">
-                <a16:creationId xmlns:a16="http://schemas.microsoft.com/office/drawing/2014/main" id="{5A563457-1EC8-4978-BCCB-AFD88C9ED04C}"/>
+                <a16:creationId xmlns:a16="http://schemas.microsoft.com/office/drawing/2014/main" xmlns="" id="{5A563457-1EC8-4978-BCCB-AFD88C9ED04C}"/>
               </a:ext>
               <a:ext uri="{C183D7F6-B498-43B3-948B-1728B52AA6E4}">
-                <adec:decorative xmlns:adec="http://schemas.microsoft.com/office/drawing/2017/decorative" val="1"/>
+                <adec:decorative xmlns:adec="http://schemas.microsoft.com/office/drawing/2017/decorative" xmlns="" val="1"/>
               </a:ext>
             </a:extLst>
           </p:cNvPr>
@@ -29197,7 +27961,7 @@
           <p:cNvPr id="8" name="Slide Number Placeholder 7">
             <a:extLst>
               <a:ext uri="{FF2B5EF4-FFF2-40B4-BE49-F238E27FC236}">
-                <a16:creationId xmlns:a16="http://schemas.microsoft.com/office/drawing/2014/main" id="{E6AC9832-FB01-464A-9824-61887B77997E}"/>
+                <a16:creationId xmlns:a16="http://schemas.microsoft.com/office/drawing/2014/main" xmlns="" id="{E6AC9832-FB01-464A-9824-61887B77997E}"/>
               </a:ext>
             </a:extLst>
           </p:cNvPr>
@@ -29227,7 +27991,7 @@
           <p:cNvPr id="2" name="Title 1">
             <a:extLst>
               <a:ext uri="{FF2B5EF4-FFF2-40B4-BE49-F238E27FC236}">
-                <a16:creationId xmlns:a16="http://schemas.microsoft.com/office/drawing/2014/main" id="{19304E83-A4F0-49C5-BB01-F5773509A2B3}"/>
+                <a16:creationId xmlns:a16="http://schemas.microsoft.com/office/drawing/2014/main" xmlns="" id="{19304E83-A4F0-49C5-BB01-F5773509A2B3}"/>
               </a:ext>
             </a:extLst>
           </p:cNvPr>
@@ -29255,7 +28019,7 @@
           <p:cNvPr id="3" name="Text Placeholder 2">
             <a:extLst>
               <a:ext uri="{FF2B5EF4-FFF2-40B4-BE49-F238E27FC236}">
-                <a16:creationId xmlns:a16="http://schemas.microsoft.com/office/drawing/2014/main" id="{7CA42D59-EAD6-4F95-84F1-32A30F057856}"/>
+                <a16:creationId xmlns:a16="http://schemas.microsoft.com/office/drawing/2014/main" xmlns="" id="{7CA42D59-EAD6-4F95-84F1-32A30F057856}"/>
               </a:ext>
             </a:extLst>
           </p:cNvPr>
@@ -29293,10 +28057,10 @@
           <p:cNvPr id="11" name="Straight Connector 10">
             <a:extLst>
               <a:ext uri="{FF2B5EF4-FFF2-40B4-BE49-F238E27FC236}">
-                <a16:creationId xmlns:a16="http://schemas.microsoft.com/office/drawing/2014/main" id="{5A563457-1EC8-4978-BCCB-AFD88C9ED04C}"/>
+                <a16:creationId xmlns:a16="http://schemas.microsoft.com/office/drawing/2014/main" xmlns="" id="{5A563457-1EC8-4978-BCCB-AFD88C9ED04C}"/>
               </a:ext>
               <a:ext uri="{C183D7F6-B498-43B3-948B-1728B52AA6E4}">
-                <adec:decorative xmlns:adec="http://schemas.microsoft.com/office/drawing/2017/decorative" val="1"/>
+                <adec:decorative xmlns:adec="http://schemas.microsoft.com/office/drawing/2017/decorative" xmlns="" val="1"/>
               </a:ext>
             </a:extLst>
           </p:cNvPr>
@@ -29339,7 +28103,7 @@
           <p:cNvPr id="22" name="Table 21">
             <a:extLst>
               <a:ext uri="{FF2B5EF4-FFF2-40B4-BE49-F238E27FC236}">
-                <a16:creationId xmlns:a16="http://schemas.microsoft.com/office/drawing/2014/main" id="{01E2999D-1BD3-97F1-8939-01CECF6EA167}"/>
+                <a16:creationId xmlns:a16="http://schemas.microsoft.com/office/drawing/2014/main" xmlns="" id="{01E2999D-1BD3-97F1-8939-01CECF6EA167}"/>
               </a:ext>
             </a:extLst>
           </p:cNvPr>
@@ -29362,42 +28126,42 @@
                 <a:gridCol w="1524000">
                   <a:extLst>
                     <a:ext uri="{9D8B030D-6E8A-4147-A177-3AD203B41FA5}">
-                      <a16:colId xmlns:a16="http://schemas.microsoft.com/office/drawing/2014/main" val="2240379171"/>
+                      <a16:colId xmlns:a16="http://schemas.microsoft.com/office/drawing/2014/main" xmlns="" val="2240379171"/>
                     </a:ext>
                   </a:extLst>
                 </a:gridCol>
                 <a:gridCol w="1524000">
                   <a:extLst>
                     <a:ext uri="{9D8B030D-6E8A-4147-A177-3AD203B41FA5}">
-                      <a16:colId xmlns:a16="http://schemas.microsoft.com/office/drawing/2014/main" val="773569174"/>
+                      <a16:colId xmlns:a16="http://schemas.microsoft.com/office/drawing/2014/main" xmlns="" val="773569174"/>
                     </a:ext>
                   </a:extLst>
                 </a:gridCol>
                 <a:gridCol w="2603500">
                   <a:extLst>
                     <a:ext uri="{9D8B030D-6E8A-4147-A177-3AD203B41FA5}">
-                      <a16:colId xmlns:a16="http://schemas.microsoft.com/office/drawing/2014/main" val="2987760786"/>
+                      <a16:colId xmlns:a16="http://schemas.microsoft.com/office/drawing/2014/main" xmlns="" val="2987760786"/>
                     </a:ext>
                   </a:extLst>
                 </a:gridCol>
                 <a:gridCol w="1689100">
                   <a:extLst>
                     <a:ext uri="{9D8B030D-6E8A-4147-A177-3AD203B41FA5}">
-                      <a16:colId xmlns:a16="http://schemas.microsoft.com/office/drawing/2014/main" val="3101517188"/>
+                      <a16:colId xmlns:a16="http://schemas.microsoft.com/office/drawing/2014/main" xmlns="" val="3101517188"/>
                     </a:ext>
                   </a:extLst>
                 </a:gridCol>
                 <a:gridCol w="406400">
                   <a:extLst>
                     <a:ext uri="{9D8B030D-6E8A-4147-A177-3AD203B41FA5}">
-                      <a16:colId xmlns:a16="http://schemas.microsoft.com/office/drawing/2014/main" val="4275380731"/>
+                      <a16:colId xmlns:a16="http://schemas.microsoft.com/office/drawing/2014/main" xmlns="" val="4275380731"/>
                     </a:ext>
                   </a:extLst>
                 </a:gridCol>
                 <a:gridCol w="2552700">
                   <a:extLst>
                     <a:ext uri="{9D8B030D-6E8A-4147-A177-3AD203B41FA5}">
-                      <a16:colId xmlns:a16="http://schemas.microsoft.com/office/drawing/2014/main" val="1082697754"/>
+                      <a16:colId xmlns:a16="http://schemas.microsoft.com/office/drawing/2014/main" xmlns="" val="1082697754"/>
                     </a:ext>
                   </a:extLst>
                 </a:gridCol>
@@ -29525,7 +28289,7 @@
                 </a:tc>
                 <a:extLst>
                   <a:ext uri="{0D108BD9-81ED-4DB2-BD59-A6C34878D82A}">
-                    <a16:rowId xmlns:a16="http://schemas.microsoft.com/office/drawing/2014/main" val="1958279258"/>
+                    <a16:rowId xmlns:a16="http://schemas.microsoft.com/office/drawing/2014/main" xmlns="" val="1958279258"/>
                   </a:ext>
                 </a:extLst>
               </a:tr>
@@ -29652,7 +28416,7 @@
                 </a:tc>
                 <a:extLst>
                   <a:ext uri="{0D108BD9-81ED-4DB2-BD59-A6C34878D82A}">
-                    <a16:rowId xmlns:a16="http://schemas.microsoft.com/office/drawing/2014/main" val="2802831607"/>
+                    <a16:rowId xmlns:a16="http://schemas.microsoft.com/office/drawing/2014/main" xmlns="" val="2802831607"/>
                   </a:ext>
                 </a:extLst>
               </a:tr>
@@ -29779,7 +28543,7 @@
                 </a:tc>
                 <a:extLst>
                   <a:ext uri="{0D108BD9-81ED-4DB2-BD59-A6C34878D82A}">
-                    <a16:rowId xmlns:a16="http://schemas.microsoft.com/office/drawing/2014/main" val="3838778072"/>
+                    <a16:rowId xmlns:a16="http://schemas.microsoft.com/office/drawing/2014/main" xmlns="" val="3838778072"/>
                   </a:ext>
                 </a:extLst>
               </a:tr>
@@ -29906,7 +28670,7 @@
                 </a:tc>
                 <a:extLst>
                   <a:ext uri="{0D108BD9-81ED-4DB2-BD59-A6C34878D82A}">
-                    <a16:rowId xmlns:a16="http://schemas.microsoft.com/office/drawing/2014/main" val="1147604903"/>
+                    <a16:rowId xmlns:a16="http://schemas.microsoft.com/office/drawing/2014/main" xmlns="" val="1147604903"/>
                   </a:ext>
                 </a:extLst>
               </a:tr>
@@ -30033,7 +28797,7 @@
                 </a:tc>
                 <a:extLst>
                   <a:ext uri="{0D108BD9-81ED-4DB2-BD59-A6C34878D82A}">
-                    <a16:rowId xmlns:a16="http://schemas.microsoft.com/office/drawing/2014/main" val="560699521"/>
+                    <a16:rowId xmlns:a16="http://schemas.microsoft.com/office/drawing/2014/main" xmlns="" val="560699521"/>
                   </a:ext>
                 </a:extLst>
               </a:tr>
@@ -30160,7 +28924,7 @@
                 </a:tc>
                 <a:extLst>
                   <a:ext uri="{0D108BD9-81ED-4DB2-BD59-A6C34878D82A}">
-                    <a16:rowId xmlns:a16="http://schemas.microsoft.com/office/drawing/2014/main" val="1987417833"/>
+                    <a16:rowId xmlns:a16="http://schemas.microsoft.com/office/drawing/2014/main" xmlns="" val="1987417833"/>
                   </a:ext>
                 </a:extLst>
               </a:tr>
@@ -30287,7 +29051,7 @@
                 </a:tc>
                 <a:extLst>
                   <a:ext uri="{0D108BD9-81ED-4DB2-BD59-A6C34878D82A}">
-                    <a16:rowId xmlns:a16="http://schemas.microsoft.com/office/drawing/2014/main" val="2429472458"/>
+                    <a16:rowId xmlns:a16="http://schemas.microsoft.com/office/drawing/2014/main" xmlns="" val="2429472458"/>
                   </a:ext>
                 </a:extLst>
               </a:tr>
@@ -30414,7 +29178,7 @@
                 </a:tc>
                 <a:extLst>
                   <a:ext uri="{0D108BD9-81ED-4DB2-BD59-A6C34878D82A}">
-                    <a16:rowId xmlns:a16="http://schemas.microsoft.com/office/drawing/2014/main" val="3613639813"/>
+                    <a16:rowId xmlns:a16="http://schemas.microsoft.com/office/drawing/2014/main" xmlns="" val="3613639813"/>
                   </a:ext>
                 </a:extLst>
               </a:tr>
@@ -30541,7 +29305,7 @@
                 </a:tc>
                 <a:extLst>
                   <a:ext uri="{0D108BD9-81ED-4DB2-BD59-A6C34878D82A}">
-                    <a16:rowId xmlns:a16="http://schemas.microsoft.com/office/drawing/2014/main" val="884210052"/>
+                    <a16:rowId xmlns:a16="http://schemas.microsoft.com/office/drawing/2014/main" xmlns="" val="884210052"/>
                   </a:ext>
                 </a:extLst>
               </a:tr>
@@ -30668,7 +29432,7 @@
                 </a:tc>
                 <a:extLst>
                   <a:ext uri="{0D108BD9-81ED-4DB2-BD59-A6C34878D82A}">
-                    <a16:rowId xmlns:a16="http://schemas.microsoft.com/office/drawing/2014/main" val="4173097040"/>
+                    <a16:rowId xmlns:a16="http://schemas.microsoft.com/office/drawing/2014/main" xmlns="" val="4173097040"/>
                   </a:ext>
                 </a:extLst>
               </a:tr>
@@ -30795,7 +29559,7 @@
                 </a:tc>
                 <a:extLst>
                   <a:ext uri="{0D108BD9-81ED-4DB2-BD59-A6C34878D82A}">
-                    <a16:rowId xmlns:a16="http://schemas.microsoft.com/office/drawing/2014/main" val="2994297358"/>
+                    <a16:rowId xmlns:a16="http://schemas.microsoft.com/office/drawing/2014/main" xmlns="" val="2994297358"/>
                   </a:ext>
                 </a:extLst>
               </a:tr>
@@ -30922,7 +29686,7 @@
                 </a:tc>
                 <a:extLst>
                   <a:ext uri="{0D108BD9-81ED-4DB2-BD59-A6C34878D82A}">
-                    <a16:rowId xmlns:a16="http://schemas.microsoft.com/office/drawing/2014/main" val="2189125777"/>
+                    <a16:rowId xmlns:a16="http://schemas.microsoft.com/office/drawing/2014/main" xmlns="" val="2189125777"/>
                   </a:ext>
                 </a:extLst>
               </a:tr>
@@ -31049,7 +29813,7 @@
                 </a:tc>
                 <a:extLst>
                   <a:ext uri="{0D108BD9-81ED-4DB2-BD59-A6C34878D82A}">
-                    <a16:rowId xmlns:a16="http://schemas.microsoft.com/office/drawing/2014/main" val="296275152"/>
+                    <a16:rowId xmlns:a16="http://schemas.microsoft.com/office/drawing/2014/main" xmlns="" val="296275152"/>
                   </a:ext>
                 </a:extLst>
               </a:tr>
@@ -31176,7 +29940,7 @@
                 </a:tc>
                 <a:extLst>
                   <a:ext uri="{0D108BD9-81ED-4DB2-BD59-A6C34878D82A}">
-                    <a16:rowId xmlns:a16="http://schemas.microsoft.com/office/drawing/2014/main" val="3558273523"/>
+                    <a16:rowId xmlns:a16="http://schemas.microsoft.com/office/drawing/2014/main" xmlns="" val="3558273523"/>
                   </a:ext>
                 </a:extLst>
               </a:tr>
@@ -31303,7 +30067,7 @@
                 </a:tc>
                 <a:extLst>
                   <a:ext uri="{0D108BD9-81ED-4DB2-BD59-A6C34878D82A}">
-                    <a16:rowId xmlns:a16="http://schemas.microsoft.com/office/drawing/2014/main" val="4180179527"/>
+                    <a16:rowId xmlns:a16="http://schemas.microsoft.com/office/drawing/2014/main" xmlns="" val="4180179527"/>
                   </a:ext>
                 </a:extLst>
               </a:tr>
@@ -31430,7 +30194,7 @@
                 </a:tc>
                 <a:extLst>
                   <a:ext uri="{0D108BD9-81ED-4DB2-BD59-A6C34878D82A}">
-                    <a16:rowId xmlns:a16="http://schemas.microsoft.com/office/drawing/2014/main" val="1807083610"/>
+                    <a16:rowId xmlns:a16="http://schemas.microsoft.com/office/drawing/2014/main" xmlns="" val="1807083610"/>
                   </a:ext>
                 </a:extLst>
               </a:tr>
@@ -31557,7 +30321,7 @@
                 </a:tc>
                 <a:extLst>
                   <a:ext uri="{0D108BD9-81ED-4DB2-BD59-A6C34878D82A}">
-                    <a16:rowId xmlns:a16="http://schemas.microsoft.com/office/drawing/2014/main" val="2066453169"/>
+                    <a16:rowId xmlns:a16="http://schemas.microsoft.com/office/drawing/2014/main" xmlns="" val="2066453169"/>
                   </a:ext>
                 </a:extLst>
               </a:tr>
@@ -31684,7 +30448,7 @@
                 </a:tc>
                 <a:extLst>
                   <a:ext uri="{0D108BD9-81ED-4DB2-BD59-A6C34878D82A}">
-                    <a16:rowId xmlns:a16="http://schemas.microsoft.com/office/drawing/2014/main" val="2941073217"/>
+                    <a16:rowId xmlns:a16="http://schemas.microsoft.com/office/drawing/2014/main" xmlns="" val="2941073217"/>
                   </a:ext>
                 </a:extLst>
               </a:tr>
@@ -31811,7 +30575,7 @@
                 </a:tc>
                 <a:extLst>
                   <a:ext uri="{0D108BD9-81ED-4DB2-BD59-A6C34878D82A}">
-                    <a16:rowId xmlns:a16="http://schemas.microsoft.com/office/drawing/2014/main" val="1692221176"/>
+                    <a16:rowId xmlns:a16="http://schemas.microsoft.com/office/drawing/2014/main" xmlns="" val="1692221176"/>
                   </a:ext>
                 </a:extLst>
               </a:tr>
@@ -32654,18 +31418,18 @@
 </file>
 
 <file path=customXml/item1.xml><?xml version="1.0" encoding="utf-8"?>
+<p:properties xmlns:p="http://schemas.microsoft.com/office/2006/metadata/properties" xmlns:xsi="http://www.w3.org/2001/XMLSchema-instance" xmlns:pc="http://schemas.microsoft.com/office/infopath/2007/PartnerControls">
+  <documentManagement/>
+</p:properties>
+</file>
+
+<file path=customXml/item2.xml><?xml version="1.0" encoding="utf-8"?>
 <?mso-contentType ?>
 <FormTemplates xmlns="http://schemas.microsoft.com/sharepoint/v3/contenttype/forms">
   <Display>DocumentLibraryForm</Display>
   <Edit>DocumentLibraryForm</Edit>
   <New>DocumentLibraryForm</New>
 </FormTemplates>
-</file>
-
-<file path=customXml/item2.xml><?xml version="1.0" encoding="utf-8"?>
-<p:properties xmlns:p="http://schemas.microsoft.com/office/2006/metadata/properties" xmlns:xsi="http://www.w3.org/2001/XMLSchema-instance" xmlns:pc="http://schemas.microsoft.com/office/infopath/2007/PartnerControls">
-  <documentManagement/>
-</p:properties>
 </file>
 
 <file path=customXml/item3.xml><?xml version="1.0" encoding="utf-8"?>
@@ -32801,19 +31565,19 @@
 </file>
 
 <file path=customXml/itemProps1.xml><?xml version="1.0" encoding="utf-8"?>
-<ds:datastoreItem xmlns:ds="http://schemas.openxmlformats.org/officeDocument/2006/customXml" ds:itemID="{2AF4CCF4-D450-4896-9D26-824C258C6A9C}">
+<ds:datastoreItem xmlns:ds="http://schemas.openxmlformats.org/officeDocument/2006/customXml" ds:itemID="{C389EDE6-EADC-4C51-A618-17CCFAE3C12F}">
   <ds:schemaRefs>
-    <ds:schemaRef ds:uri="http://schemas.microsoft.com/sharepoint/v3/contenttype/forms"/>
+    <ds:schemaRef ds:uri="71af3243-3dd4-4a8d-8c0d-dd76da1f02a5"/>
+    <ds:schemaRef ds:uri="http://schemas.microsoft.com/office/2006/metadata/properties"/>
+    <ds:schemaRef ds:uri="http://schemas.microsoft.com/office/infopath/2007/PartnerControls"/>
   </ds:schemaRefs>
 </ds:datastoreItem>
 </file>
 
 <file path=customXml/itemProps2.xml><?xml version="1.0" encoding="utf-8"?>
-<ds:datastoreItem xmlns:ds="http://schemas.openxmlformats.org/officeDocument/2006/customXml" ds:itemID="{C389EDE6-EADC-4C51-A618-17CCFAE3C12F}">
+<ds:datastoreItem xmlns:ds="http://schemas.openxmlformats.org/officeDocument/2006/customXml" ds:itemID="{2AF4CCF4-D450-4896-9D26-824C258C6A9C}">
   <ds:schemaRefs>
-    <ds:schemaRef ds:uri="71af3243-3dd4-4a8d-8c0d-dd76da1f02a5"/>
-    <ds:schemaRef ds:uri="http://schemas.microsoft.com/office/2006/metadata/properties"/>
-    <ds:schemaRef ds:uri="http://schemas.microsoft.com/office/infopath/2007/PartnerControls"/>
+    <ds:schemaRef ds:uri="http://schemas.microsoft.com/sharepoint/v3/contenttype/forms"/>
   </ds:schemaRefs>
 </ds:datastoreItem>
 </file>
